--- a/presentation/AUS Hackathon.pptx
+++ b/presentation/AUS Hackathon.pptx
@@ -2,12 +2,14 @@
 <file path=ppt/presentation.xml><?xml version="1.0" encoding="utf-8"?>
 <p:presentation xmlns:a="http://schemas.openxmlformats.org/drawingml/2006/main" xmlns:r="http://schemas.openxmlformats.org/officeDocument/2006/relationships" xmlns:p="http://schemas.openxmlformats.org/presentationml/2006/main" saveSubsetFonts="1">
   <p:sldMasterIdLst>
-    <p:sldMasterId id="2147483768" r:id="rId1"/>
+    <p:sldMasterId id="2147483769" r:id="rId1"/>
   </p:sldMasterIdLst>
   <p:sldIdLst>
     <p:sldId id="256" r:id="rId2"/>
     <p:sldId id="257" r:id="rId3"/>
     <p:sldId id="258" r:id="rId4"/>
+    <p:sldId id="259" r:id="rId5"/>
+    <p:sldId id="260" r:id="rId6"/>
   </p:sldIdLst>
   <p:sldSz cx="12192000" cy="6858000"/>
   <p:notesSz cx="6858000" cy="9144000"/>
@@ -15,7 +17,7 @@
     <a:defPPr>
       <a:defRPr lang="en-US"/>
     </a:defPPr>
-    <a:lvl1pPr marL="0" algn="l" defTabSz="914400" rtl="0" eaLnBrk="1" latinLnBrk="0" hangingPunct="1">
+    <a:lvl1pPr marL="0" algn="l" defTabSz="457200" rtl="0" eaLnBrk="1" latinLnBrk="0" hangingPunct="1">
       <a:defRPr sz="1800" kern="1200">
         <a:solidFill>
           <a:schemeClr val="tx1"/>
@@ -25,7 +27,7 @@
         <a:cs typeface="+mn-cs"/>
       </a:defRPr>
     </a:lvl1pPr>
-    <a:lvl2pPr marL="457200" algn="l" defTabSz="914400" rtl="0" eaLnBrk="1" latinLnBrk="0" hangingPunct="1">
+    <a:lvl2pPr marL="457200" algn="l" defTabSz="457200" rtl="0" eaLnBrk="1" latinLnBrk="0" hangingPunct="1">
       <a:defRPr sz="1800" kern="1200">
         <a:solidFill>
           <a:schemeClr val="tx1"/>
@@ -35,7 +37,7 @@
         <a:cs typeface="+mn-cs"/>
       </a:defRPr>
     </a:lvl2pPr>
-    <a:lvl3pPr marL="914400" algn="l" defTabSz="914400" rtl="0" eaLnBrk="1" latinLnBrk="0" hangingPunct="1">
+    <a:lvl3pPr marL="914400" algn="l" defTabSz="457200" rtl="0" eaLnBrk="1" latinLnBrk="0" hangingPunct="1">
       <a:defRPr sz="1800" kern="1200">
         <a:solidFill>
           <a:schemeClr val="tx1"/>
@@ -45,7 +47,7 @@
         <a:cs typeface="+mn-cs"/>
       </a:defRPr>
     </a:lvl3pPr>
-    <a:lvl4pPr marL="1371600" algn="l" defTabSz="914400" rtl="0" eaLnBrk="1" latinLnBrk="0" hangingPunct="1">
+    <a:lvl4pPr marL="1371600" algn="l" defTabSz="457200" rtl="0" eaLnBrk="1" latinLnBrk="0" hangingPunct="1">
       <a:defRPr sz="1800" kern="1200">
         <a:solidFill>
           <a:schemeClr val="tx1"/>
@@ -55,7 +57,7 @@
         <a:cs typeface="+mn-cs"/>
       </a:defRPr>
     </a:lvl4pPr>
-    <a:lvl5pPr marL="1828800" algn="l" defTabSz="914400" rtl="0" eaLnBrk="1" latinLnBrk="0" hangingPunct="1">
+    <a:lvl5pPr marL="1828800" algn="l" defTabSz="457200" rtl="0" eaLnBrk="1" latinLnBrk="0" hangingPunct="1">
       <a:defRPr sz="1800" kern="1200">
         <a:solidFill>
           <a:schemeClr val="tx1"/>
@@ -65,7 +67,7 @@
         <a:cs typeface="+mn-cs"/>
       </a:defRPr>
     </a:lvl5pPr>
-    <a:lvl6pPr marL="2286000" algn="l" defTabSz="914400" rtl="0" eaLnBrk="1" latinLnBrk="0" hangingPunct="1">
+    <a:lvl6pPr marL="2286000" algn="l" defTabSz="457200" rtl="0" eaLnBrk="1" latinLnBrk="0" hangingPunct="1">
       <a:defRPr sz="1800" kern="1200">
         <a:solidFill>
           <a:schemeClr val="tx1"/>
@@ -75,7 +77,7 @@
         <a:cs typeface="+mn-cs"/>
       </a:defRPr>
     </a:lvl6pPr>
-    <a:lvl7pPr marL="2743200" algn="l" defTabSz="914400" rtl="0" eaLnBrk="1" latinLnBrk="0" hangingPunct="1">
+    <a:lvl7pPr marL="2743200" algn="l" defTabSz="457200" rtl="0" eaLnBrk="1" latinLnBrk="0" hangingPunct="1">
       <a:defRPr sz="1800" kern="1200">
         <a:solidFill>
           <a:schemeClr val="tx1"/>
@@ -85,7 +87,7 @@
         <a:cs typeface="+mn-cs"/>
       </a:defRPr>
     </a:lvl7pPr>
-    <a:lvl8pPr marL="3200400" algn="l" defTabSz="914400" rtl="0" eaLnBrk="1" latinLnBrk="0" hangingPunct="1">
+    <a:lvl8pPr marL="3200400" algn="l" defTabSz="457200" rtl="0" eaLnBrk="1" latinLnBrk="0" hangingPunct="1">
       <a:defRPr sz="1800" kern="1200">
         <a:solidFill>
           <a:schemeClr val="tx1"/>
@@ -95,7 +97,7 @@
         <a:cs typeface="+mn-cs"/>
       </a:defRPr>
     </a:lvl8pPr>
-    <a:lvl9pPr marL="3657600" algn="l" defTabSz="914400" rtl="0" eaLnBrk="1" latinLnBrk="0" hangingPunct="1">
+    <a:lvl9pPr marL="3657600" algn="l" defTabSz="457200" rtl="0" eaLnBrk="1" latinLnBrk="0" hangingPunct="1">
       <a:defRPr sz="1800" kern="1200">
         <a:solidFill>
           <a:schemeClr val="tx1"/>
@@ -126,155 +128,683 @@
           <a:chExt cx="0" cy="0"/>
         </a:xfrm>
       </p:grpSpPr>
-      <p:sp>
-        <p:nvSpPr>
-          <p:cNvPr id="10" name="Rectangle 9">
-            <a:extLst>
-              <a:ext uri="{FF2B5EF4-FFF2-40B4-BE49-F238E27FC236}">
-                <a16:creationId xmlns:a16="http://schemas.microsoft.com/office/drawing/2014/main" id="{39E3965E-AC41-4711-9D10-E25ABB132D86}"/>
-              </a:ext>
-            </a:extLst>
-          </p:cNvPr>
-          <p:cNvSpPr/>
+      <p:grpSp>
+        <p:nvGrpSpPr>
+          <p:cNvPr id="7" name="Group 6"/>
+          <p:cNvGrpSpPr/>
           <p:nvPr/>
+        </p:nvGrpSpPr>
+        <p:grpSpPr>
+          <a:xfrm>
+            <a:off x="0" y="-8467"/>
+            <a:ext cx="12192000" cy="6866467"/>
+            <a:chOff x="0" y="-8467"/>
+            <a:chExt cx="12192000" cy="6866467"/>
+          </a:xfrm>
+        </p:grpSpPr>
+        <p:cxnSp>
+          <p:nvCxnSpPr>
+            <p:cNvPr id="32" name="Straight Connector 31"/>
+            <p:cNvCxnSpPr/>
+            <p:nvPr/>
+          </p:nvCxnSpPr>
+          <p:spPr>
+            <a:xfrm>
+              <a:off x="9371012" y="0"/>
+              <a:ext cx="1219200" cy="6858000"/>
+            </a:xfrm>
+            <a:prstGeom prst="line">
+              <a:avLst/>
+            </a:prstGeom>
+            <a:ln w="9525">
+              <a:solidFill>
+                <a:schemeClr val="bg1">
+                  <a:lumMod val="75000"/>
+                </a:schemeClr>
+              </a:solidFill>
+            </a:ln>
+          </p:spPr>
+          <p:style>
+            <a:lnRef idx="2">
+              <a:schemeClr val="accent1"/>
+            </a:lnRef>
+            <a:fillRef idx="0">
+              <a:schemeClr val="accent1"/>
+            </a:fillRef>
+            <a:effectRef idx="1">
+              <a:schemeClr val="accent1"/>
+            </a:effectRef>
+            <a:fontRef idx="minor">
+              <a:schemeClr val="tx1"/>
+            </a:fontRef>
+          </p:style>
+        </p:cxnSp>
+        <p:cxnSp>
+          <p:nvCxnSpPr>
+            <p:cNvPr id="21" name="Straight Connector 20"/>
+            <p:cNvCxnSpPr/>
+            <p:nvPr/>
+          </p:nvCxnSpPr>
+          <p:spPr>
+            <a:xfrm flipH="1">
+              <a:off x="7425267" y="3681413"/>
+              <a:ext cx="4763558" cy="3176587"/>
+            </a:xfrm>
+            <a:prstGeom prst="line">
+              <a:avLst/>
+            </a:prstGeom>
+            <a:ln w="9525">
+              <a:solidFill>
+                <a:schemeClr val="bg1">
+                  <a:lumMod val="85000"/>
+                </a:schemeClr>
+              </a:solidFill>
+            </a:ln>
+          </p:spPr>
+          <p:style>
+            <a:lnRef idx="2">
+              <a:schemeClr val="accent1"/>
+            </a:lnRef>
+            <a:fillRef idx="0">
+              <a:schemeClr val="accent1"/>
+            </a:fillRef>
+            <a:effectRef idx="1">
+              <a:schemeClr val="accent1"/>
+            </a:effectRef>
+            <a:fontRef idx="minor">
+              <a:schemeClr val="tx1"/>
+            </a:fontRef>
+          </p:style>
+        </p:cxnSp>
+        <p:sp>
+          <p:nvSpPr>
+            <p:cNvPr id="24" name="Rectangle 23"/>
+            <p:cNvSpPr/>
+            <p:nvPr/>
+          </p:nvSpPr>
+          <p:spPr>
+            <a:xfrm>
+              <a:off x="9181476" y="-8467"/>
+              <a:ext cx="3007349" cy="6866467"/>
+            </a:xfrm>
+            <a:custGeom>
+              <a:avLst/>
+              <a:gdLst/>
+              <a:ahLst/>
+              <a:cxnLst/>
+              <a:rect l="l" t="t" r="r" b="b"/>
+              <a:pathLst>
+                <a:path w="3007349" h="6866467">
+                  <a:moveTo>
+                    <a:pt x="2045532" y="0"/>
+                  </a:moveTo>
+                  <a:lnTo>
+                    <a:pt x="3007349" y="0"/>
+                  </a:lnTo>
+                  <a:lnTo>
+                    <a:pt x="3007349" y="6866467"/>
+                  </a:lnTo>
+                  <a:lnTo>
+                    <a:pt x="0" y="6866467"/>
+                  </a:lnTo>
+                  <a:lnTo>
+                    <a:pt x="2045532" y="0"/>
+                  </a:lnTo>
+                  <a:close/>
+                </a:path>
+              </a:pathLst>
+            </a:custGeom>
+            <a:solidFill>
+              <a:schemeClr val="accent1">
+                <a:alpha val="30000"/>
+              </a:schemeClr>
+            </a:solidFill>
+            <a:ln>
+              <a:noFill/>
+            </a:ln>
+            <a:effectLst/>
+          </p:spPr>
+          <p:style>
+            <a:lnRef idx="1">
+              <a:schemeClr val="accent1"/>
+            </a:lnRef>
+            <a:fillRef idx="3">
+              <a:schemeClr val="accent1"/>
+            </a:fillRef>
+            <a:effectRef idx="2">
+              <a:schemeClr val="accent1"/>
+            </a:effectRef>
+            <a:fontRef idx="minor">
+              <a:schemeClr val="lt1"/>
+            </a:fontRef>
+          </p:style>
+        </p:sp>
+        <p:sp>
+          <p:nvSpPr>
+            <p:cNvPr id="26" name="Rectangle 25"/>
+            <p:cNvSpPr/>
+            <p:nvPr/>
+          </p:nvSpPr>
+          <p:spPr>
+            <a:xfrm>
+              <a:off x="9603442" y="-8467"/>
+              <a:ext cx="2588558" cy="6866467"/>
+            </a:xfrm>
+            <a:custGeom>
+              <a:avLst/>
+              <a:gdLst/>
+              <a:ahLst/>
+              <a:cxnLst/>
+              <a:rect l="l" t="t" r="r" b="b"/>
+              <a:pathLst>
+                <a:path w="2573311" h="6866467">
+                  <a:moveTo>
+                    <a:pt x="0" y="0"/>
+                  </a:moveTo>
+                  <a:lnTo>
+                    <a:pt x="2573311" y="0"/>
+                  </a:lnTo>
+                  <a:lnTo>
+                    <a:pt x="2573311" y="6866467"/>
+                  </a:lnTo>
+                  <a:lnTo>
+                    <a:pt x="1202336" y="6866467"/>
+                  </a:lnTo>
+                  <a:lnTo>
+                    <a:pt x="0" y="0"/>
+                  </a:lnTo>
+                  <a:close/>
+                </a:path>
+              </a:pathLst>
+            </a:custGeom>
+            <a:solidFill>
+              <a:schemeClr val="accent1">
+                <a:alpha val="20000"/>
+              </a:schemeClr>
+            </a:solidFill>
+            <a:ln>
+              <a:noFill/>
+            </a:ln>
+            <a:effectLst/>
+          </p:spPr>
+          <p:style>
+            <a:lnRef idx="1">
+              <a:schemeClr val="accent1"/>
+            </a:lnRef>
+            <a:fillRef idx="3">
+              <a:schemeClr val="accent1"/>
+            </a:fillRef>
+            <a:effectRef idx="2">
+              <a:schemeClr val="accent1"/>
+            </a:effectRef>
+            <a:fontRef idx="minor">
+              <a:schemeClr val="lt1"/>
+            </a:fontRef>
+          </p:style>
+        </p:sp>
+        <p:sp>
+          <p:nvSpPr>
+            <p:cNvPr id="27" name="Isosceles Triangle 26"/>
+            <p:cNvSpPr/>
+            <p:nvPr/>
+          </p:nvSpPr>
+          <p:spPr>
+            <a:xfrm>
+              <a:off x="8932333" y="3048000"/>
+              <a:ext cx="3259667" cy="3810000"/>
+            </a:xfrm>
+            <a:prstGeom prst="triangle">
+              <a:avLst>
+                <a:gd name="adj" fmla="val 100000"/>
+              </a:avLst>
+            </a:prstGeom>
+            <a:solidFill>
+              <a:schemeClr val="accent2">
+                <a:alpha val="72000"/>
+              </a:schemeClr>
+            </a:solidFill>
+            <a:ln>
+              <a:noFill/>
+            </a:ln>
+            <a:effectLst/>
+          </p:spPr>
+          <p:style>
+            <a:lnRef idx="1">
+              <a:schemeClr val="accent1"/>
+            </a:lnRef>
+            <a:fillRef idx="3">
+              <a:schemeClr val="accent1"/>
+            </a:fillRef>
+            <a:effectRef idx="2">
+              <a:schemeClr val="accent1"/>
+            </a:effectRef>
+            <a:fontRef idx="minor">
+              <a:schemeClr val="lt1"/>
+            </a:fontRef>
+          </p:style>
+        </p:sp>
+        <p:sp>
+          <p:nvSpPr>
+            <p:cNvPr id="28" name="Rectangle 27"/>
+            <p:cNvSpPr/>
+            <p:nvPr/>
+          </p:nvSpPr>
+          <p:spPr>
+            <a:xfrm>
+              <a:off x="9334500" y="-8467"/>
+              <a:ext cx="2854326" cy="6866467"/>
+            </a:xfrm>
+            <a:custGeom>
+              <a:avLst/>
+              <a:gdLst/>
+              <a:ahLst/>
+              <a:cxnLst/>
+              <a:rect l="l" t="t" r="r" b="b"/>
+              <a:pathLst>
+                <a:path w="2858013" h="6866467">
+                  <a:moveTo>
+                    <a:pt x="0" y="0"/>
+                  </a:moveTo>
+                  <a:lnTo>
+                    <a:pt x="2858013" y="0"/>
+                  </a:lnTo>
+                  <a:lnTo>
+                    <a:pt x="2858013" y="6866467"/>
+                  </a:lnTo>
+                  <a:lnTo>
+                    <a:pt x="2473942" y="6866467"/>
+                  </a:lnTo>
+                  <a:lnTo>
+                    <a:pt x="0" y="0"/>
+                  </a:lnTo>
+                  <a:close/>
+                </a:path>
+              </a:pathLst>
+            </a:custGeom>
+            <a:solidFill>
+              <a:schemeClr val="accent2">
+                <a:lumMod val="75000"/>
+                <a:alpha val="70000"/>
+              </a:schemeClr>
+            </a:solidFill>
+            <a:ln>
+              <a:noFill/>
+            </a:ln>
+            <a:effectLst/>
+          </p:spPr>
+          <p:style>
+            <a:lnRef idx="1">
+              <a:schemeClr val="accent1"/>
+            </a:lnRef>
+            <a:fillRef idx="3">
+              <a:schemeClr val="accent1"/>
+            </a:fillRef>
+            <a:effectRef idx="2">
+              <a:schemeClr val="accent1"/>
+            </a:effectRef>
+            <a:fontRef idx="minor">
+              <a:schemeClr val="lt1"/>
+            </a:fontRef>
+          </p:style>
+        </p:sp>
+        <p:sp>
+          <p:nvSpPr>
+            <p:cNvPr id="29" name="Rectangle 28"/>
+            <p:cNvSpPr/>
+            <p:nvPr/>
+          </p:nvSpPr>
+          <p:spPr>
+            <a:xfrm>
+              <a:off x="10898730" y="-8467"/>
+              <a:ext cx="1290094" cy="6866467"/>
+            </a:xfrm>
+            <a:custGeom>
+              <a:avLst/>
+              <a:gdLst/>
+              <a:ahLst/>
+              <a:cxnLst/>
+              <a:rect l="l" t="t" r="r" b="b"/>
+              <a:pathLst>
+                <a:path w="1290094" h="6858000">
+                  <a:moveTo>
+                    <a:pt x="1019735" y="0"/>
+                  </a:moveTo>
+                  <a:lnTo>
+                    <a:pt x="1290094" y="0"/>
+                  </a:lnTo>
+                  <a:lnTo>
+                    <a:pt x="1290094" y="6858000"/>
+                  </a:lnTo>
+                  <a:lnTo>
+                    <a:pt x="0" y="6858000"/>
+                  </a:lnTo>
+                  <a:lnTo>
+                    <a:pt x="1019735" y="0"/>
+                  </a:lnTo>
+                  <a:close/>
+                </a:path>
+              </a:pathLst>
+            </a:custGeom>
+            <a:solidFill>
+              <a:schemeClr val="accent1">
+                <a:lumMod val="60000"/>
+                <a:lumOff val="40000"/>
+                <a:alpha val="70000"/>
+              </a:schemeClr>
+            </a:solidFill>
+            <a:ln>
+              <a:noFill/>
+            </a:ln>
+            <a:effectLst/>
+          </p:spPr>
+          <p:style>
+            <a:lnRef idx="1">
+              <a:schemeClr val="accent1"/>
+            </a:lnRef>
+            <a:fillRef idx="3">
+              <a:schemeClr val="accent1"/>
+            </a:fillRef>
+            <a:effectRef idx="2">
+              <a:schemeClr val="accent1"/>
+            </a:effectRef>
+            <a:fontRef idx="minor">
+              <a:schemeClr val="lt1"/>
+            </a:fontRef>
+          </p:style>
+        </p:sp>
+        <p:sp>
+          <p:nvSpPr>
+            <p:cNvPr id="30" name="Rectangle 29"/>
+            <p:cNvSpPr/>
+            <p:nvPr/>
+          </p:nvSpPr>
+          <p:spPr>
+            <a:xfrm>
+              <a:off x="10938999" y="-8467"/>
+              <a:ext cx="1249825" cy="6866467"/>
+            </a:xfrm>
+            <a:custGeom>
+              <a:avLst/>
+              <a:gdLst/>
+              <a:ahLst/>
+              <a:cxnLst/>
+              <a:rect l="l" t="t" r="r" b="b"/>
+              <a:pathLst>
+                <a:path w="1249825" h="6858000">
+                  <a:moveTo>
+                    <a:pt x="0" y="0"/>
+                  </a:moveTo>
+                  <a:lnTo>
+                    <a:pt x="1249825" y="0"/>
+                  </a:lnTo>
+                  <a:lnTo>
+                    <a:pt x="1249825" y="6858000"/>
+                  </a:lnTo>
+                  <a:lnTo>
+                    <a:pt x="1109382" y="6858000"/>
+                  </a:lnTo>
+                  <a:lnTo>
+                    <a:pt x="0" y="0"/>
+                  </a:lnTo>
+                  <a:close/>
+                </a:path>
+              </a:pathLst>
+            </a:custGeom>
+            <a:solidFill>
+              <a:schemeClr val="accent1">
+                <a:alpha val="65000"/>
+              </a:schemeClr>
+            </a:solidFill>
+            <a:ln>
+              <a:noFill/>
+            </a:ln>
+            <a:effectLst/>
+          </p:spPr>
+          <p:style>
+            <a:lnRef idx="1">
+              <a:schemeClr val="accent1"/>
+            </a:lnRef>
+            <a:fillRef idx="3">
+              <a:schemeClr val="accent1"/>
+            </a:fillRef>
+            <a:effectRef idx="2">
+              <a:schemeClr val="accent1"/>
+            </a:effectRef>
+            <a:fontRef idx="minor">
+              <a:schemeClr val="lt1"/>
+            </a:fontRef>
+          </p:style>
+        </p:sp>
+        <p:sp>
+          <p:nvSpPr>
+            <p:cNvPr id="31" name="Isosceles Triangle 30"/>
+            <p:cNvSpPr/>
+            <p:nvPr/>
+          </p:nvSpPr>
+          <p:spPr>
+            <a:xfrm>
+              <a:off x="10371666" y="3589867"/>
+              <a:ext cx="1817159" cy="3268133"/>
+            </a:xfrm>
+            <a:prstGeom prst="triangle">
+              <a:avLst>
+                <a:gd name="adj" fmla="val 100000"/>
+              </a:avLst>
+            </a:prstGeom>
+            <a:solidFill>
+              <a:schemeClr val="accent1">
+                <a:alpha val="80000"/>
+              </a:schemeClr>
+            </a:solidFill>
+            <a:ln>
+              <a:noFill/>
+            </a:ln>
+            <a:effectLst/>
+          </p:spPr>
+          <p:style>
+            <a:lnRef idx="1">
+              <a:schemeClr val="accent1"/>
+            </a:lnRef>
+            <a:fillRef idx="3">
+              <a:schemeClr val="accent1"/>
+            </a:fillRef>
+            <a:effectRef idx="2">
+              <a:schemeClr val="accent1"/>
+            </a:effectRef>
+            <a:fontRef idx="minor">
+              <a:schemeClr val="lt1"/>
+            </a:fontRef>
+          </p:style>
+        </p:sp>
+        <p:sp>
+          <p:nvSpPr>
+            <p:cNvPr id="19" name="Isosceles Triangle 18"/>
+            <p:cNvSpPr/>
+            <p:nvPr/>
+          </p:nvSpPr>
+          <p:spPr>
+            <a:xfrm rot="10800000">
+              <a:off x="0" y="0"/>
+              <a:ext cx="842596" cy="5666154"/>
+            </a:xfrm>
+            <a:prstGeom prst="triangle">
+              <a:avLst>
+                <a:gd name="adj" fmla="val 100000"/>
+              </a:avLst>
+            </a:prstGeom>
+            <a:solidFill>
+              <a:schemeClr val="accent1">
+                <a:alpha val="85000"/>
+              </a:schemeClr>
+            </a:solidFill>
+            <a:ln>
+              <a:noFill/>
+            </a:ln>
+            <a:effectLst/>
+          </p:spPr>
+          <p:style>
+            <a:lnRef idx="1">
+              <a:schemeClr val="accent1"/>
+            </a:lnRef>
+            <a:fillRef idx="3">
+              <a:schemeClr val="accent1"/>
+            </a:fillRef>
+            <a:effectRef idx="2">
+              <a:schemeClr val="accent1"/>
+            </a:effectRef>
+            <a:fontRef idx="minor">
+              <a:schemeClr val="lt1"/>
+            </a:fontRef>
+          </p:style>
+        </p:sp>
+      </p:grpSp>
+      <p:sp>
+        <p:nvSpPr>
+          <p:cNvPr id="2" name="Title 1"/>
+          <p:cNvSpPr>
+            <a:spLocks noGrp="1"/>
+          </p:cNvSpPr>
+          <p:nvPr>
+            <p:ph type="ctrTitle"/>
+          </p:nvPr>
         </p:nvSpPr>
         <p:spPr>
           <a:xfrm>
-            <a:off x="3175" y="6400800"/>
-            <a:ext cx="12188825" cy="457200"/>
+            <a:off x="1507067" y="2404534"/>
+            <a:ext cx="7766936" cy="1646302"/>
           </a:xfrm>
-          <a:prstGeom prst="rect">
-            <a:avLst/>
-          </a:prstGeom>
-          <a:solidFill>
-            <a:srgbClr val="262626"/>
-          </a:solidFill>
-          <a:ln>
-            <a:noFill/>
-          </a:ln>
         </p:spPr>
-        <p:style>
-          <a:lnRef idx="2">
-            <a:schemeClr val="accent1">
-              <a:shade val="50000"/>
-            </a:schemeClr>
-          </a:lnRef>
-          <a:fillRef idx="1">
-            <a:schemeClr val="accent1"/>
-          </a:fillRef>
-          <a:effectRef idx="0">
-            <a:schemeClr val="accent1"/>
-          </a:effectRef>
-          <a:fontRef idx="minor">
-            <a:schemeClr val="lt1"/>
-          </a:fontRef>
-        </p:style>
-      </p:sp>
-      <p:sp>
-        <p:nvSpPr>
-          <p:cNvPr id="2" name="Title 1"/>
-          <p:cNvSpPr>
-            <a:spLocks noGrp="1"/>
-          </p:cNvSpPr>
-          <p:nvPr>
-            <p:ph type="ctrTitle"/>
+        <p:txBody>
+          <a:bodyPr anchor="b">
+            <a:noAutofit/>
+          </a:bodyPr>
+          <a:lstStyle>
+            <a:lvl1pPr algn="r">
+              <a:defRPr sz="5400">
+                <a:solidFill>
+                  <a:schemeClr val="accent1"/>
+                </a:solidFill>
+              </a:defRPr>
+            </a:lvl1pPr>
+          </a:lstStyle>
+          <a:p>
+            <a:r>
+              <a:rPr lang="en-US"/>
+              <a:t>Click to edit Master title style</a:t>
+            </a:r>
+            <a:endParaRPr lang="en-US" dirty="0"/>
+          </a:p>
+        </p:txBody>
+      </p:sp>
+      <p:sp>
+        <p:nvSpPr>
+          <p:cNvPr id="3" name="Subtitle 2"/>
+          <p:cNvSpPr>
+            <a:spLocks noGrp="1"/>
+          </p:cNvSpPr>
+          <p:nvPr>
+            <p:ph type="subTitle" idx="1"/>
           </p:nvPr>
         </p:nvSpPr>
         <p:spPr>
           <a:xfrm>
-            <a:off x="1097280" y="758952"/>
-            <a:ext cx="10058400" cy="3566160"/>
+            <a:off x="1507067" y="4050833"/>
+            <a:ext cx="7766936" cy="1096899"/>
           </a:xfrm>
         </p:spPr>
         <p:txBody>
-          <a:bodyPr anchor="b">
-            <a:normAutofit/>
-          </a:bodyPr>
+          <a:bodyPr anchor="t"/>
           <a:lstStyle>
-            <a:lvl1pPr algn="l">
-              <a:lnSpc>
-                <a:spcPct val="90000"/>
-              </a:lnSpc>
-              <a:defRPr sz="8000" spc="-50" baseline="0">
+            <a:lvl1pPr marL="0" indent="0" algn="r">
+              <a:buNone/>
+              <a:defRPr>
                 <a:solidFill>
                   <a:schemeClr val="tx1">
-                    <a:lumMod val="85000"/>
-                    <a:lumOff val="15000"/>
+                    <a:lumMod val="50000"/>
+                    <a:lumOff val="50000"/>
                   </a:schemeClr>
                 </a:solidFill>
               </a:defRPr>
             </a:lvl1pPr>
-          </a:lstStyle>
-          <a:p>
-            <a:r>
-              <a:rPr lang="en-US"/>
-              <a:t>Click to edit Master title style</a:t>
-            </a:r>
-            <a:endParaRPr lang="en-US" dirty="0"/>
-          </a:p>
-        </p:txBody>
-      </p:sp>
-      <p:sp>
-        <p:nvSpPr>
-          <p:cNvPr id="3" name="Subtitle 2"/>
-          <p:cNvSpPr>
-            <a:spLocks noGrp="1"/>
-          </p:cNvSpPr>
-          <p:nvPr>
-            <p:ph type="subTitle" idx="1"/>
-          </p:nvPr>
-        </p:nvSpPr>
-        <p:spPr>
-          <a:xfrm>
-            <a:off x="1100051" y="4645152"/>
-            <a:ext cx="10058400" cy="1143000"/>
-          </a:xfrm>
-        </p:spPr>
-        <p:txBody>
-          <a:bodyPr lIns="91440" rIns="91440">
-            <a:normAutofit/>
-          </a:bodyPr>
-          <a:lstStyle>
-            <a:lvl1pPr marL="0" indent="0" algn="l">
-              <a:buNone/>
-              <a:defRPr sz="2400" cap="all" spc="200" baseline="0">
+            <a:lvl2pPr marL="457200" indent="0" algn="ctr">
+              <a:buNone/>
+              <a:defRPr>
                 <a:solidFill>
-                  <a:schemeClr val="tx1"/>
+                  <a:schemeClr val="tx1">
+                    <a:tint val="75000"/>
+                  </a:schemeClr>
                 </a:solidFill>
-                <a:latin typeface="+mn-lt"/>
               </a:defRPr>
-            </a:lvl1pPr>
-            <a:lvl2pPr marL="457200" indent="0" algn="ctr">
-              <a:buNone/>
-              <a:defRPr sz="2400"/>
             </a:lvl2pPr>
             <a:lvl3pPr marL="914400" indent="0" algn="ctr">
               <a:buNone/>
-              <a:defRPr sz="2400"/>
+              <a:defRPr>
+                <a:solidFill>
+                  <a:schemeClr val="tx1">
+                    <a:tint val="75000"/>
+                  </a:schemeClr>
+                </a:solidFill>
+              </a:defRPr>
             </a:lvl3pPr>
             <a:lvl4pPr marL="1371600" indent="0" algn="ctr">
               <a:buNone/>
-              <a:defRPr sz="2000"/>
+              <a:defRPr>
+                <a:solidFill>
+                  <a:schemeClr val="tx1">
+                    <a:tint val="75000"/>
+                  </a:schemeClr>
+                </a:solidFill>
+              </a:defRPr>
             </a:lvl4pPr>
             <a:lvl5pPr marL="1828800" indent="0" algn="ctr">
               <a:buNone/>
-              <a:defRPr sz="2000"/>
+              <a:defRPr>
+                <a:solidFill>
+                  <a:schemeClr val="tx1">
+                    <a:tint val="75000"/>
+                  </a:schemeClr>
+                </a:solidFill>
+              </a:defRPr>
             </a:lvl5pPr>
             <a:lvl6pPr marL="2286000" indent="0" algn="ctr">
               <a:buNone/>
-              <a:defRPr sz="2000"/>
+              <a:defRPr>
+                <a:solidFill>
+                  <a:schemeClr val="tx1">
+                    <a:tint val="75000"/>
+                  </a:schemeClr>
+                </a:solidFill>
+              </a:defRPr>
             </a:lvl6pPr>
             <a:lvl7pPr marL="2743200" indent="0" algn="ctr">
               <a:buNone/>
-              <a:defRPr sz="2000"/>
+              <a:defRPr>
+                <a:solidFill>
+                  <a:schemeClr val="tx1">
+                    <a:tint val="75000"/>
+                  </a:schemeClr>
+                </a:solidFill>
+              </a:defRPr>
             </a:lvl7pPr>
             <a:lvl8pPr marL="3200400" indent="0" algn="ctr">
               <a:buNone/>
-              <a:defRPr sz="2000"/>
+              <a:defRPr>
+                <a:solidFill>
+                  <a:schemeClr val="tx1">
+                    <a:tint val="75000"/>
+                  </a:schemeClr>
+                </a:solidFill>
+              </a:defRPr>
             </a:lvl8pPr>
             <a:lvl9pPr marL="3657600" indent="0" algn="ctr">
               <a:buNone/>
-              <a:defRPr sz="2000"/>
+              <a:defRPr>
+                <a:solidFill>
+                  <a:schemeClr val="tx1">
+                    <a:tint val="75000"/>
+                  </a:schemeClr>
+                </a:solidFill>
+              </a:defRPr>
             </a:lvl9pPr>
           </a:lstStyle>
           <a:p>
@@ -286,59 +816,9 @@
           </a:p>
         </p:txBody>
       </p:sp>
-      <p:cxnSp>
-        <p:nvCxnSpPr>
-          <p:cNvPr id="9" name="Straight Connector 8">
-            <a:extLst>
-              <a:ext uri="{FF2B5EF4-FFF2-40B4-BE49-F238E27FC236}">
-                <a16:creationId xmlns:a16="http://schemas.microsoft.com/office/drawing/2014/main" id="{1F5DC8C3-BA5F-4EED-BB9A-A14272BD82A1}"/>
-              </a:ext>
-            </a:extLst>
-          </p:cNvPr>
-          <p:cNvCxnSpPr/>
-          <p:nvPr/>
-        </p:nvCxnSpPr>
-        <p:spPr>
-          <a:xfrm>
-            <a:off x="1207658" y="4474741"/>
-            <a:ext cx="9875520" cy="0"/>
-          </a:xfrm>
-          <a:prstGeom prst="line">
-            <a:avLst/>
-          </a:prstGeom>
-          <a:ln w="12700">
-            <a:solidFill>
-              <a:schemeClr val="tx1">
-                <a:lumMod val="75000"/>
-                <a:lumOff val="25000"/>
-              </a:schemeClr>
-            </a:solidFill>
-          </a:ln>
-        </p:spPr>
-        <p:style>
-          <a:lnRef idx="1">
-            <a:schemeClr val="accent1"/>
-          </a:lnRef>
-          <a:fillRef idx="0">
-            <a:schemeClr val="accent1"/>
-          </a:fillRef>
-          <a:effectRef idx="0">
-            <a:schemeClr val="accent1"/>
-          </a:effectRef>
-          <a:fontRef idx="minor">
-            <a:schemeClr val="tx1"/>
-          </a:fontRef>
-        </p:style>
-      </p:cxnSp>
-      <p:sp>
-        <p:nvSpPr>
-          <p:cNvPr id="4" name="Date Placeholder 3">
-            <a:extLst>
-              <a:ext uri="{FF2B5EF4-FFF2-40B4-BE49-F238E27FC236}">
-                <a16:creationId xmlns:a16="http://schemas.microsoft.com/office/drawing/2014/main" id="{9925CCF1-92C0-4AF3-BFAF-4921631915AB}"/>
-              </a:ext>
-            </a:extLst>
-          </p:cNvPr>
+      <p:sp>
+        <p:nvSpPr>
+          <p:cNvPr id="4" name="Date Placeholder 3"/>
           <p:cNvSpPr>
             <a:spLocks noGrp="1"/>
           </p:cNvSpPr>
@@ -361,13 +841,7 @@
       </p:sp>
       <p:sp>
         <p:nvSpPr>
-          <p:cNvPr id="5" name="Footer Placeholder 4">
-            <a:extLst>
-              <a:ext uri="{FF2B5EF4-FFF2-40B4-BE49-F238E27FC236}">
-                <a16:creationId xmlns:a16="http://schemas.microsoft.com/office/drawing/2014/main" id="{051A78A9-3DFF-4937-A9F2-5D8CF495F367}"/>
-              </a:ext>
-            </a:extLst>
-          </p:cNvPr>
+          <p:cNvPr id="5" name="Footer Placeholder 4"/>
           <p:cNvSpPr>
             <a:spLocks noGrp="1"/>
           </p:cNvSpPr>
@@ -386,13 +860,7 @@
       </p:sp>
       <p:sp>
         <p:nvSpPr>
-          <p:cNvPr id="6" name="Slide Number Placeholder 5">
-            <a:extLst>
-              <a:ext uri="{FF2B5EF4-FFF2-40B4-BE49-F238E27FC236}">
-                <a16:creationId xmlns:a16="http://schemas.microsoft.com/office/drawing/2014/main" id="{5FAEB271-5CC0-4759-BC6E-8BE53AB227C0}"/>
-              </a:ext>
-            </a:extLst>
-          </p:cNvPr>
+          <p:cNvPr id="6" name="Slide Number Placeholder 5"/>
           <p:cNvSpPr>
             <a:spLocks noGrp="1"/>
           </p:cNvSpPr>
@@ -416,7 +884,7 @@
     </p:spTree>
     <p:extLst>
       <p:ext uri="{BB962C8B-B14F-4D97-AF65-F5344CB8AC3E}">
-        <p14:creationId xmlns:p14="http://schemas.microsoft.com/office/powerpoint/2010/main" val="3483637562"/>
+        <p14:creationId xmlns:p14="http://schemas.microsoft.com/office/powerpoint/2010/main" val="3926790919"/>
       </p:ext>
     </p:extLst>
   </p:cSld>
@@ -427,6 +895,1624 @@
 </file>
 
 <file path=ppt/slideLayouts/slideLayout10.xml><?xml version="1.0" encoding="utf-8"?>
+<p:sldLayout xmlns:a="http://schemas.openxmlformats.org/drawingml/2006/main" xmlns:r="http://schemas.openxmlformats.org/officeDocument/2006/relationships" xmlns:p="http://schemas.openxmlformats.org/presentationml/2006/main" preserve="1">
+  <p:cSld name="Title and Caption">
+    <p:spTree>
+      <p:nvGrpSpPr>
+        <p:cNvPr id="1" name=""/>
+        <p:cNvGrpSpPr/>
+        <p:nvPr/>
+      </p:nvGrpSpPr>
+      <p:grpSpPr>
+        <a:xfrm>
+          <a:off x="0" y="0"/>
+          <a:ext cx="0" cy="0"/>
+          <a:chOff x="0" y="0"/>
+          <a:chExt cx="0" cy="0"/>
+        </a:xfrm>
+      </p:grpSpPr>
+      <p:sp>
+        <p:nvSpPr>
+          <p:cNvPr id="2" name="Title 1"/>
+          <p:cNvSpPr>
+            <a:spLocks noGrp="1"/>
+          </p:cNvSpPr>
+          <p:nvPr>
+            <p:ph type="title"/>
+          </p:nvPr>
+        </p:nvSpPr>
+        <p:spPr>
+          <a:xfrm>
+            <a:off x="677335" y="609600"/>
+            <a:ext cx="8596668" cy="3403600"/>
+          </a:xfrm>
+        </p:spPr>
+        <p:txBody>
+          <a:bodyPr anchor="ctr">
+            <a:normAutofit/>
+          </a:bodyPr>
+          <a:lstStyle>
+            <a:lvl1pPr algn="l">
+              <a:defRPr sz="4400" b="0" cap="none"/>
+            </a:lvl1pPr>
+          </a:lstStyle>
+          <a:p>
+            <a:r>
+              <a:rPr lang="en-US"/>
+              <a:t>Click to edit Master title style</a:t>
+            </a:r>
+            <a:endParaRPr lang="en-US" dirty="0"/>
+          </a:p>
+        </p:txBody>
+      </p:sp>
+      <p:sp>
+        <p:nvSpPr>
+          <p:cNvPr id="3" name="Text Placeholder 2"/>
+          <p:cNvSpPr>
+            <a:spLocks noGrp="1"/>
+          </p:cNvSpPr>
+          <p:nvPr>
+            <p:ph type="body" idx="1"/>
+          </p:nvPr>
+        </p:nvSpPr>
+        <p:spPr>
+          <a:xfrm>
+            <a:off x="677335" y="4470400"/>
+            <a:ext cx="8596668" cy="1570962"/>
+          </a:xfrm>
+        </p:spPr>
+        <p:txBody>
+          <a:bodyPr anchor="ctr">
+            <a:normAutofit/>
+          </a:bodyPr>
+          <a:lstStyle>
+            <a:lvl1pPr marL="0" indent="0" algn="l">
+              <a:buNone/>
+              <a:defRPr sz="1800">
+                <a:solidFill>
+                  <a:schemeClr val="tx1">
+                    <a:lumMod val="75000"/>
+                    <a:lumOff val="25000"/>
+                  </a:schemeClr>
+                </a:solidFill>
+              </a:defRPr>
+            </a:lvl1pPr>
+            <a:lvl2pPr marL="457200" indent="0">
+              <a:buNone/>
+              <a:defRPr sz="1800">
+                <a:solidFill>
+                  <a:schemeClr val="tx1">
+                    <a:tint val="75000"/>
+                  </a:schemeClr>
+                </a:solidFill>
+              </a:defRPr>
+            </a:lvl2pPr>
+            <a:lvl3pPr marL="914400" indent="0">
+              <a:buNone/>
+              <a:defRPr sz="1600">
+                <a:solidFill>
+                  <a:schemeClr val="tx1">
+                    <a:tint val="75000"/>
+                  </a:schemeClr>
+                </a:solidFill>
+              </a:defRPr>
+            </a:lvl3pPr>
+            <a:lvl4pPr marL="1371600" indent="0">
+              <a:buNone/>
+              <a:defRPr sz="1400">
+                <a:solidFill>
+                  <a:schemeClr val="tx1">
+                    <a:tint val="75000"/>
+                  </a:schemeClr>
+                </a:solidFill>
+              </a:defRPr>
+            </a:lvl4pPr>
+            <a:lvl5pPr marL="1828800" indent="0">
+              <a:buNone/>
+              <a:defRPr sz="1400">
+                <a:solidFill>
+                  <a:schemeClr val="tx1">
+                    <a:tint val="75000"/>
+                  </a:schemeClr>
+                </a:solidFill>
+              </a:defRPr>
+            </a:lvl5pPr>
+            <a:lvl6pPr marL="2286000" indent="0">
+              <a:buNone/>
+              <a:defRPr sz="1400">
+                <a:solidFill>
+                  <a:schemeClr val="tx1">
+                    <a:tint val="75000"/>
+                  </a:schemeClr>
+                </a:solidFill>
+              </a:defRPr>
+            </a:lvl6pPr>
+            <a:lvl7pPr marL="2743200" indent="0">
+              <a:buNone/>
+              <a:defRPr sz="1400">
+                <a:solidFill>
+                  <a:schemeClr val="tx1">
+                    <a:tint val="75000"/>
+                  </a:schemeClr>
+                </a:solidFill>
+              </a:defRPr>
+            </a:lvl7pPr>
+            <a:lvl8pPr marL="3200400" indent="0">
+              <a:buNone/>
+              <a:defRPr sz="1400">
+                <a:solidFill>
+                  <a:schemeClr val="tx1">
+                    <a:tint val="75000"/>
+                  </a:schemeClr>
+                </a:solidFill>
+              </a:defRPr>
+            </a:lvl8pPr>
+            <a:lvl9pPr marL="3657600" indent="0">
+              <a:buNone/>
+              <a:defRPr sz="1400">
+                <a:solidFill>
+                  <a:schemeClr val="tx1">
+                    <a:tint val="75000"/>
+                  </a:schemeClr>
+                </a:solidFill>
+              </a:defRPr>
+            </a:lvl9pPr>
+          </a:lstStyle>
+          <a:p>
+            <a:pPr lvl="0"/>
+            <a:r>
+              <a:rPr lang="en-US"/>
+              <a:t>Click to edit Master text styles</a:t>
+            </a:r>
+          </a:p>
+        </p:txBody>
+      </p:sp>
+      <p:sp>
+        <p:nvSpPr>
+          <p:cNvPr id="4" name="Date Placeholder 3"/>
+          <p:cNvSpPr>
+            <a:spLocks noGrp="1"/>
+          </p:cNvSpPr>
+          <p:nvPr>
+            <p:ph type="dt" sz="half" idx="10"/>
+          </p:nvPr>
+        </p:nvSpPr>
+        <p:spPr/>
+        <p:txBody>
+          <a:bodyPr/>
+          <a:lstStyle/>
+          <a:p>
+            <a:fld id="{62D6E202-B606-4609-B914-27C9371A1F6D}" type="datetime1">
+              <a:rPr lang="en-US" smtClean="0"/>
+              <a:t>1/30/2020</a:t>
+            </a:fld>
+            <a:endParaRPr lang="en-US" dirty="0"/>
+          </a:p>
+        </p:txBody>
+      </p:sp>
+      <p:sp>
+        <p:nvSpPr>
+          <p:cNvPr id="5" name="Footer Placeholder 4"/>
+          <p:cNvSpPr>
+            <a:spLocks noGrp="1"/>
+          </p:cNvSpPr>
+          <p:nvPr>
+            <p:ph type="ftr" sz="quarter" idx="11"/>
+          </p:nvPr>
+        </p:nvSpPr>
+        <p:spPr/>
+        <p:txBody>
+          <a:bodyPr/>
+          <a:lstStyle/>
+          <a:p>
+            <a:endParaRPr lang="en-US" dirty="0"/>
+          </a:p>
+        </p:txBody>
+      </p:sp>
+      <p:sp>
+        <p:nvSpPr>
+          <p:cNvPr id="6" name="Slide Number Placeholder 5"/>
+          <p:cNvSpPr>
+            <a:spLocks noGrp="1"/>
+          </p:cNvSpPr>
+          <p:nvPr>
+            <p:ph type="sldNum" sz="quarter" idx="12"/>
+          </p:nvPr>
+        </p:nvSpPr>
+        <p:spPr/>
+        <p:txBody>
+          <a:bodyPr/>
+          <a:lstStyle/>
+          <a:p>
+            <a:fld id="{3A98EE3D-8CD1-4C3F-BD1C-C98C9596463C}" type="slidenum">
+              <a:rPr lang="en-US" smtClean="0"/>
+              <a:t>‹#›</a:t>
+            </a:fld>
+            <a:endParaRPr lang="en-US" dirty="0"/>
+          </a:p>
+        </p:txBody>
+      </p:sp>
+    </p:spTree>
+    <p:extLst>
+      <p:ext uri="{BB962C8B-B14F-4D97-AF65-F5344CB8AC3E}">
+        <p14:creationId xmlns:p14="http://schemas.microsoft.com/office/powerpoint/2010/main" val="1995901469"/>
+      </p:ext>
+    </p:extLst>
+  </p:cSld>
+  <p:clrMapOvr>
+    <a:masterClrMapping/>
+  </p:clrMapOvr>
+  <p:hf sldNum="0" hdr="0" ftr="0" dt="0"/>
+</p:sldLayout>
+</file>
+
+<file path=ppt/slideLayouts/slideLayout11.xml><?xml version="1.0" encoding="utf-8"?>
+<p:sldLayout xmlns:a="http://schemas.openxmlformats.org/drawingml/2006/main" xmlns:r="http://schemas.openxmlformats.org/officeDocument/2006/relationships" xmlns:p="http://schemas.openxmlformats.org/presentationml/2006/main" preserve="1">
+  <p:cSld name="Quote with Caption">
+    <p:spTree>
+      <p:nvGrpSpPr>
+        <p:cNvPr id="1" name=""/>
+        <p:cNvGrpSpPr/>
+        <p:nvPr/>
+      </p:nvGrpSpPr>
+      <p:grpSpPr>
+        <a:xfrm>
+          <a:off x="0" y="0"/>
+          <a:ext cx="0" cy="0"/>
+          <a:chOff x="0" y="0"/>
+          <a:chExt cx="0" cy="0"/>
+        </a:xfrm>
+      </p:grpSpPr>
+      <p:sp>
+        <p:nvSpPr>
+          <p:cNvPr id="2" name="Title 1"/>
+          <p:cNvSpPr>
+            <a:spLocks noGrp="1"/>
+          </p:cNvSpPr>
+          <p:nvPr>
+            <p:ph type="title"/>
+          </p:nvPr>
+        </p:nvSpPr>
+        <p:spPr>
+          <a:xfrm>
+            <a:off x="931334" y="609600"/>
+            <a:ext cx="8094134" cy="3022600"/>
+          </a:xfrm>
+        </p:spPr>
+        <p:txBody>
+          <a:bodyPr anchor="ctr">
+            <a:normAutofit/>
+          </a:bodyPr>
+          <a:lstStyle>
+            <a:lvl1pPr algn="l">
+              <a:defRPr sz="4400" b="0" cap="none"/>
+            </a:lvl1pPr>
+          </a:lstStyle>
+          <a:p>
+            <a:r>
+              <a:rPr lang="en-US"/>
+              <a:t>Click to edit Master title style</a:t>
+            </a:r>
+            <a:endParaRPr lang="en-US" dirty="0"/>
+          </a:p>
+        </p:txBody>
+      </p:sp>
+      <p:sp>
+        <p:nvSpPr>
+          <p:cNvPr id="23" name="Text Placeholder 9"/>
+          <p:cNvSpPr>
+            <a:spLocks noGrp="1"/>
+          </p:cNvSpPr>
+          <p:nvPr>
+            <p:ph type="body" sz="quarter" idx="13"/>
+          </p:nvPr>
+        </p:nvSpPr>
+        <p:spPr>
+          <a:xfrm>
+            <a:off x="1366139" y="3632200"/>
+            <a:ext cx="7224524" cy="381000"/>
+          </a:xfrm>
+        </p:spPr>
+        <p:txBody>
+          <a:bodyPr anchor="ctr">
+            <a:noAutofit/>
+          </a:bodyPr>
+          <a:lstStyle>
+            <a:lvl1pPr marL="0" indent="0">
+              <a:buFontTx/>
+              <a:buNone/>
+              <a:defRPr sz="1600">
+                <a:solidFill>
+                  <a:schemeClr val="tx1">
+                    <a:lumMod val="50000"/>
+                    <a:lumOff val="50000"/>
+                  </a:schemeClr>
+                </a:solidFill>
+              </a:defRPr>
+            </a:lvl1pPr>
+            <a:lvl2pPr marL="457200" indent="0">
+              <a:buFontTx/>
+              <a:buNone/>
+              <a:defRPr/>
+            </a:lvl2pPr>
+            <a:lvl3pPr marL="914400" indent="0">
+              <a:buFontTx/>
+              <a:buNone/>
+              <a:defRPr/>
+            </a:lvl3pPr>
+            <a:lvl4pPr marL="1371600" indent="0">
+              <a:buFontTx/>
+              <a:buNone/>
+              <a:defRPr/>
+            </a:lvl4pPr>
+            <a:lvl5pPr marL="1828800" indent="0">
+              <a:buFontTx/>
+              <a:buNone/>
+              <a:defRPr/>
+            </a:lvl5pPr>
+          </a:lstStyle>
+          <a:p>
+            <a:pPr lvl="0"/>
+            <a:r>
+              <a:rPr lang="en-US"/>
+              <a:t>Click to edit Master text styles</a:t>
+            </a:r>
+          </a:p>
+        </p:txBody>
+      </p:sp>
+      <p:sp>
+        <p:nvSpPr>
+          <p:cNvPr id="3" name="Text Placeholder 2"/>
+          <p:cNvSpPr>
+            <a:spLocks noGrp="1"/>
+          </p:cNvSpPr>
+          <p:nvPr>
+            <p:ph type="body" idx="1"/>
+          </p:nvPr>
+        </p:nvSpPr>
+        <p:spPr>
+          <a:xfrm>
+            <a:off x="677335" y="4470400"/>
+            <a:ext cx="8596668" cy="1570962"/>
+          </a:xfrm>
+        </p:spPr>
+        <p:txBody>
+          <a:bodyPr anchor="ctr">
+            <a:normAutofit/>
+          </a:bodyPr>
+          <a:lstStyle>
+            <a:lvl1pPr marL="0" indent="0" algn="l">
+              <a:buNone/>
+              <a:defRPr sz="1800">
+                <a:solidFill>
+                  <a:schemeClr val="tx1">
+                    <a:lumMod val="75000"/>
+                    <a:lumOff val="25000"/>
+                  </a:schemeClr>
+                </a:solidFill>
+              </a:defRPr>
+            </a:lvl1pPr>
+            <a:lvl2pPr marL="457200" indent="0">
+              <a:buNone/>
+              <a:defRPr sz="1800">
+                <a:solidFill>
+                  <a:schemeClr val="tx1">
+                    <a:tint val="75000"/>
+                  </a:schemeClr>
+                </a:solidFill>
+              </a:defRPr>
+            </a:lvl2pPr>
+            <a:lvl3pPr marL="914400" indent="0">
+              <a:buNone/>
+              <a:defRPr sz="1600">
+                <a:solidFill>
+                  <a:schemeClr val="tx1">
+                    <a:tint val="75000"/>
+                  </a:schemeClr>
+                </a:solidFill>
+              </a:defRPr>
+            </a:lvl3pPr>
+            <a:lvl4pPr marL="1371600" indent="0">
+              <a:buNone/>
+              <a:defRPr sz="1400">
+                <a:solidFill>
+                  <a:schemeClr val="tx1">
+                    <a:tint val="75000"/>
+                  </a:schemeClr>
+                </a:solidFill>
+              </a:defRPr>
+            </a:lvl4pPr>
+            <a:lvl5pPr marL="1828800" indent="0">
+              <a:buNone/>
+              <a:defRPr sz="1400">
+                <a:solidFill>
+                  <a:schemeClr val="tx1">
+                    <a:tint val="75000"/>
+                  </a:schemeClr>
+                </a:solidFill>
+              </a:defRPr>
+            </a:lvl5pPr>
+            <a:lvl6pPr marL="2286000" indent="0">
+              <a:buNone/>
+              <a:defRPr sz="1400">
+                <a:solidFill>
+                  <a:schemeClr val="tx1">
+                    <a:tint val="75000"/>
+                  </a:schemeClr>
+                </a:solidFill>
+              </a:defRPr>
+            </a:lvl6pPr>
+            <a:lvl7pPr marL="2743200" indent="0">
+              <a:buNone/>
+              <a:defRPr sz="1400">
+                <a:solidFill>
+                  <a:schemeClr val="tx1">
+                    <a:tint val="75000"/>
+                  </a:schemeClr>
+                </a:solidFill>
+              </a:defRPr>
+            </a:lvl7pPr>
+            <a:lvl8pPr marL="3200400" indent="0">
+              <a:buNone/>
+              <a:defRPr sz="1400">
+                <a:solidFill>
+                  <a:schemeClr val="tx1">
+                    <a:tint val="75000"/>
+                  </a:schemeClr>
+                </a:solidFill>
+              </a:defRPr>
+            </a:lvl8pPr>
+            <a:lvl9pPr marL="3657600" indent="0">
+              <a:buNone/>
+              <a:defRPr sz="1400">
+                <a:solidFill>
+                  <a:schemeClr val="tx1">
+                    <a:tint val="75000"/>
+                  </a:schemeClr>
+                </a:solidFill>
+              </a:defRPr>
+            </a:lvl9pPr>
+          </a:lstStyle>
+          <a:p>
+            <a:pPr lvl="0"/>
+            <a:r>
+              <a:rPr lang="en-US"/>
+              <a:t>Click to edit Master text styles</a:t>
+            </a:r>
+          </a:p>
+        </p:txBody>
+      </p:sp>
+      <p:sp>
+        <p:nvSpPr>
+          <p:cNvPr id="4" name="Date Placeholder 3"/>
+          <p:cNvSpPr>
+            <a:spLocks noGrp="1"/>
+          </p:cNvSpPr>
+          <p:nvPr>
+            <p:ph type="dt" sz="half" idx="10"/>
+          </p:nvPr>
+        </p:nvSpPr>
+        <p:spPr/>
+        <p:txBody>
+          <a:bodyPr/>
+          <a:lstStyle/>
+          <a:p>
+            <a:fld id="{62D6E202-B606-4609-B914-27C9371A1F6D}" type="datetime1">
+              <a:rPr lang="en-US" smtClean="0"/>
+              <a:t>1/30/2020</a:t>
+            </a:fld>
+            <a:endParaRPr lang="en-US" dirty="0"/>
+          </a:p>
+        </p:txBody>
+      </p:sp>
+      <p:sp>
+        <p:nvSpPr>
+          <p:cNvPr id="5" name="Footer Placeholder 4"/>
+          <p:cNvSpPr>
+            <a:spLocks noGrp="1"/>
+          </p:cNvSpPr>
+          <p:nvPr>
+            <p:ph type="ftr" sz="quarter" idx="11"/>
+          </p:nvPr>
+        </p:nvSpPr>
+        <p:spPr/>
+        <p:txBody>
+          <a:bodyPr/>
+          <a:lstStyle/>
+          <a:p>
+            <a:endParaRPr lang="en-US" dirty="0"/>
+          </a:p>
+        </p:txBody>
+      </p:sp>
+      <p:sp>
+        <p:nvSpPr>
+          <p:cNvPr id="6" name="Slide Number Placeholder 5"/>
+          <p:cNvSpPr>
+            <a:spLocks noGrp="1"/>
+          </p:cNvSpPr>
+          <p:nvPr>
+            <p:ph type="sldNum" sz="quarter" idx="12"/>
+          </p:nvPr>
+        </p:nvSpPr>
+        <p:spPr/>
+        <p:txBody>
+          <a:bodyPr/>
+          <a:lstStyle/>
+          <a:p>
+            <a:fld id="{3A98EE3D-8CD1-4C3F-BD1C-C98C9596463C}" type="slidenum">
+              <a:rPr lang="en-US" smtClean="0"/>
+              <a:t>‹#›</a:t>
+            </a:fld>
+            <a:endParaRPr lang="en-US" dirty="0"/>
+          </a:p>
+        </p:txBody>
+      </p:sp>
+      <p:sp>
+        <p:nvSpPr>
+          <p:cNvPr id="20" name="TextBox 19"/>
+          <p:cNvSpPr txBox="1"/>
+          <p:nvPr/>
+        </p:nvSpPr>
+        <p:spPr>
+          <a:xfrm>
+            <a:off x="541870" y="790378"/>
+            <a:ext cx="609600" cy="584776"/>
+          </a:xfrm>
+          <a:prstGeom prst="rect">
+            <a:avLst/>
+          </a:prstGeom>
+        </p:spPr>
+        <p:txBody>
+          <a:bodyPr vert="horz" lIns="91440" tIns="45720" rIns="91440" bIns="45720" rtlCol="0" anchor="ctr">
+            <a:noAutofit/>
+          </a:bodyPr>
+          <a:lstStyle/>
+          <a:p>
+            <a:pPr lvl="0"/>
+            <a:r>
+              <a:rPr lang="en-US" sz="8000" baseline="0" dirty="0">
+                <a:ln w="3175" cmpd="sng">
+                  <a:noFill/>
+                </a:ln>
+                <a:solidFill>
+                  <a:schemeClr val="accent1">
+                    <a:lumMod val="60000"/>
+                    <a:lumOff val="40000"/>
+                  </a:schemeClr>
+                </a:solidFill>
+                <a:effectLst/>
+                <a:latin typeface="Arial"/>
+              </a:rPr>
+              <a:t>“</a:t>
+            </a:r>
+          </a:p>
+        </p:txBody>
+      </p:sp>
+      <p:sp>
+        <p:nvSpPr>
+          <p:cNvPr id="22" name="TextBox 21"/>
+          <p:cNvSpPr txBox="1"/>
+          <p:nvPr/>
+        </p:nvSpPr>
+        <p:spPr>
+          <a:xfrm>
+            <a:off x="8893011" y="2886556"/>
+            <a:ext cx="609600" cy="584776"/>
+          </a:xfrm>
+          <a:prstGeom prst="rect">
+            <a:avLst/>
+          </a:prstGeom>
+        </p:spPr>
+        <p:txBody>
+          <a:bodyPr vert="horz" lIns="91440" tIns="45720" rIns="91440" bIns="45720" rtlCol="0" anchor="ctr">
+            <a:noAutofit/>
+          </a:bodyPr>
+          <a:lstStyle/>
+          <a:p>
+            <a:pPr lvl="0"/>
+            <a:r>
+              <a:rPr lang="en-US" sz="8000" baseline="0" dirty="0">
+                <a:ln w="3175" cmpd="sng">
+                  <a:noFill/>
+                </a:ln>
+                <a:solidFill>
+                  <a:schemeClr val="accent1">
+                    <a:lumMod val="60000"/>
+                    <a:lumOff val="40000"/>
+                  </a:schemeClr>
+                </a:solidFill>
+                <a:latin typeface="Arial"/>
+              </a:rPr>
+              <a:t>”</a:t>
+            </a:r>
+            <a:endParaRPr lang="en-US" dirty="0">
+              <a:solidFill>
+                <a:schemeClr val="accent1">
+                  <a:lumMod val="60000"/>
+                  <a:lumOff val="40000"/>
+                </a:schemeClr>
+              </a:solidFill>
+              <a:latin typeface="Arial"/>
+            </a:endParaRPr>
+          </a:p>
+        </p:txBody>
+      </p:sp>
+    </p:spTree>
+    <p:extLst>
+      <p:ext uri="{BB962C8B-B14F-4D97-AF65-F5344CB8AC3E}">
+        <p14:creationId xmlns:p14="http://schemas.microsoft.com/office/powerpoint/2010/main" val="1153665291"/>
+      </p:ext>
+    </p:extLst>
+  </p:cSld>
+  <p:clrMapOvr>
+    <a:masterClrMapping/>
+  </p:clrMapOvr>
+  <p:hf sldNum="0" hdr="0" ftr="0" dt="0"/>
+</p:sldLayout>
+</file>
+
+<file path=ppt/slideLayouts/slideLayout12.xml><?xml version="1.0" encoding="utf-8"?>
+<p:sldLayout xmlns:a="http://schemas.openxmlformats.org/drawingml/2006/main" xmlns:r="http://schemas.openxmlformats.org/officeDocument/2006/relationships" xmlns:p="http://schemas.openxmlformats.org/presentationml/2006/main" preserve="1">
+  <p:cSld name="Name Card">
+    <p:spTree>
+      <p:nvGrpSpPr>
+        <p:cNvPr id="1" name=""/>
+        <p:cNvGrpSpPr/>
+        <p:nvPr/>
+      </p:nvGrpSpPr>
+      <p:grpSpPr>
+        <a:xfrm>
+          <a:off x="0" y="0"/>
+          <a:ext cx="0" cy="0"/>
+          <a:chOff x="0" y="0"/>
+          <a:chExt cx="0" cy="0"/>
+        </a:xfrm>
+      </p:grpSpPr>
+      <p:sp>
+        <p:nvSpPr>
+          <p:cNvPr id="2" name="Title 1"/>
+          <p:cNvSpPr>
+            <a:spLocks noGrp="1"/>
+          </p:cNvSpPr>
+          <p:nvPr>
+            <p:ph type="title"/>
+          </p:nvPr>
+        </p:nvSpPr>
+        <p:spPr>
+          <a:xfrm>
+            <a:off x="677335" y="1931988"/>
+            <a:ext cx="8596668" cy="2595460"/>
+          </a:xfrm>
+        </p:spPr>
+        <p:txBody>
+          <a:bodyPr anchor="b">
+            <a:normAutofit/>
+          </a:bodyPr>
+          <a:lstStyle>
+            <a:lvl1pPr algn="l">
+              <a:defRPr sz="4400" b="0" cap="none"/>
+            </a:lvl1pPr>
+          </a:lstStyle>
+          <a:p>
+            <a:r>
+              <a:rPr lang="en-US"/>
+              <a:t>Click to edit Master title style</a:t>
+            </a:r>
+            <a:endParaRPr lang="en-US" dirty="0"/>
+          </a:p>
+        </p:txBody>
+      </p:sp>
+      <p:sp>
+        <p:nvSpPr>
+          <p:cNvPr id="3" name="Text Placeholder 2"/>
+          <p:cNvSpPr>
+            <a:spLocks noGrp="1"/>
+          </p:cNvSpPr>
+          <p:nvPr>
+            <p:ph type="body" idx="1"/>
+          </p:nvPr>
+        </p:nvSpPr>
+        <p:spPr>
+          <a:xfrm>
+            <a:off x="677335" y="4527448"/>
+            <a:ext cx="8596668" cy="1513914"/>
+          </a:xfrm>
+        </p:spPr>
+        <p:txBody>
+          <a:bodyPr anchor="t">
+            <a:normAutofit/>
+          </a:bodyPr>
+          <a:lstStyle>
+            <a:lvl1pPr marL="0" indent="0" algn="l">
+              <a:buNone/>
+              <a:defRPr sz="1800">
+                <a:solidFill>
+                  <a:schemeClr val="tx1">
+                    <a:lumMod val="75000"/>
+                    <a:lumOff val="25000"/>
+                  </a:schemeClr>
+                </a:solidFill>
+              </a:defRPr>
+            </a:lvl1pPr>
+            <a:lvl2pPr marL="457200" indent="0">
+              <a:buNone/>
+              <a:defRPr sz="1800">
+                <a:solidFill>
+                  <a:schemeClr val="tx1">
+                    <a:tint val="75000"/>
+                  </a:schemeClr>
+                </a:solidFill>
+              </a:defRPr>
+            </a:lvl2pPr>
+            <a:lvl3pPr marL="914400" indent="0">
+              <a:buNone/>
+              <a:defRPr sz="1600">
+                <a:solidFill>
+                  <a:schemeClr val="tx1">
+                    <a:tint val="75000"/>
+                  </a:schemeClr>
+                </a:solidFill>
+              </a:defRPr>
+            </a:lvl3pPr>
+            <a:lvl4pPr marL="1371600" indent="0">
+              <a:buNone/>
+              <a:defRPr sz="1400">
+                <a:solidFill>
+                  <a:schemeClr val="tx1">
+                    <a:tint val="75000"/>
+                  </a:schemeClr>
+                </a:solidFill>
+              </a:defRPr>
+            </a:lvl4pPr>
+            <a:lvl5pPr marL="1828800" indent="0">
+              <a:buNone/>
+              <a:defRPr sz="1400">
+                <a:solidFill>
+                  <a:schemeClr val="tx1">
+                    <a:tint val="75000"/>
+                  </a:schemeClr>
+                </a:solidFill>
+              </a:defRPr>
+            </a:lvl5pPr>
+            <a:lvl6pPr marL="2286000" indent="0">
+              <a:buNone/>
+              <a:defRPr sz="1400">
+                <a:solidFill>
+                  <a:schemeClr val="tx1">
+                    <a:tint val="75000"/>
+                  </a:schemeClr>
+                </a:solidFill>
+              </a:defRPr>
+            </a:lvl6pPr>
+            <a:lvl7pPr marL="2743200" indent="0">
+              <a:buNone/>
+              <a:defRPr sz="1400">
+                <a:solidFill>
+                  <a:schemeClr val="tx1">
+                    <a:tint val="75000"/>
+                  </a:schemeClr>
+                </a:solidFill>
+              </a:defRPr>
+            </a:lvl7pPr>
+            <a:lvl8pPr marL="3200400" indent="0">
+              <a:buNone/>
+              <a:defRPr sz="1400">
+                <a:solidFill>
+                  <a:schemeClr val="tx1">
+                    <a:tint val="75000"/>
+                  </a:schemeClr>
+                </a:solidFill>
+              </a:defRPr>
+            </a:lvl8pPr>
+            <a:lvl9pPr marL="3657600" indent="0">
+              <a:buNone/>
+              <a:defRPr sz="1400">
+                <a:solidFill>
+                  <a:schemeClr val="tx1">
+                    <a:tint val="75000"/>
+                  </a:schemeClr>
+                </a:solidFill>
+              </a:defRPr>
+            </a:lvl9pPr>
+          </a:lstStyle>
+          <a:p>
+            <a:pPr lvl="0"/>
+            <a:r>
+              <a:rPr lang="en-US"/>
+              <a:t>Click to edit Master text styles</a:t>
+            </a:r>
+          </a:p>
+        </p:txBody>
+      </p:sp>
+      <p:sp>
+        <p:nvSpPr>
+          <p:cNvPr id="4" name="Date Placeholder 3"/>
+          <p:cNvSpPr>
+            <a:spLocks noGrp="1"/>
+          </p:cNvSpPr>
+          <p:nvPr>
+            <p:ph type="dt" sz="half" idx="10"/>
+          </p:nvPr>
+        </p:nvSpPr>
+        <p:spPr/>
+        <p:txBody>
+          <a:bodyPr/>
+          <a:lstStyle/>
+          <a:p>
+            <a:fld id="{62D6E202-B606-4609-B914-27C9371A1F6D}" type="datetime1">
+              <a:rPr lang="en-US" smtClean="0"/>
+              <a:t>1/30/2020</a:t>
+            </a:fld>
+            <a:endParaRPr lang="en-US" dirty="0"/>
+          </a:p>
+        </p:txBody>
+      </p:sp>
+      <p:sp>
+        <p:nvSpPr>
+          <p:cNvPr id="5" name="Footer Placeholder 4"/>
+          <p:cNvSpPr>
+            <a:spLocks noGrp="1"/>
+          </p:cNvSpPr>
+          <p:nvPr>
+            <p:ph type="ftr" sz="quarter" idx="11"/>
+          </p:nvPr>
+        </p:nvSpPr>
+        <p:spPr/>
+        <p:txBody>
+          <a:bodyPr/>
+          <a:lstStyle/>
+          <a:p>
+            <a:endParaRPr lang="en-US" dirty="0"/>
+          </a:p>
+        </p:txBody>
+      </p:sp>
+      <p:sp>
+        <p:nvSpPr>
+          <p:cNvPr id="6" name="Slide Number Placeholder 5"/>
+          <p:cNvSpPr>
+            <a:spLocks noGrp="1"/>
+          </p:cNvSpPr>
+          <p:nvPr>
+            <p:ph type="sldNum" sz="quarter" idx="12"/>
+          </p:nvPr>
+        </p:nvSpPr>
+        <p:spPr/>
+        <p:txBody>
+          <a:bodyPr/>
+          <a:lstStyle/>
+          <a:p>
+            <a:fld id="{3A98EE3D-8CD1-4C3F-BD1C-C98C9596463C}" type="slidenum">
+              <a:rPr lang="en-US" smtClean="0"/>
+              <a:t>‹#›</a:t>
+            </a:fld>
+            <a:endParaRPr lang="en-US" dirty="0"/>
+          </a:p>
+        </p:txBody>
+      </p:sp>
+    </p:spTree>
+    <p:extLst>
+      <p:ext uri="{BB962C8B-B14F-4D97-AF65-F5344CB8AC3E}">
+        <p14:creationId xmlns:p14="http://schemas.microsoft.com/office/powerpoint/2010/main" val="37727460"/>
+      </p:ext>
+    </p:extLst>
+  </p:cSld>
+  <p:clrMapOvr>
+    <a:masterClrMapping/>
+  </p:clrMapOvr>
+  <p:hf sldNum="0" hdr="0" ftr="0" dt="0"/>
+</p:sldLayout>
+</file>
+
+<file path=ppt/slideLayouts/slideLayout13.xml><?xml version="1.0" encoding="utf-8"?>
+<p:sldLayout xmlns:a="http://schemas.openxmlformats.org/drawingml/2006/main" xmlns:r="http://schemas.openxmlformats.org/officeDocument/2006/relationships" xmlns:p="http://schemas.openxmlformats.org/presentationml/2006/main" preserve="1">
+  <p:cSld name="Quote Name Card">
+    <p:spTree>
+      <p:nvGrpSpPr>
+        <p:cNvPr id="1" name=""/>
+        <p:cNvGrpSpPr/>
+        <p:nvPr/>
+      </p:nvGrpSpPr>
+      <p:grpSpPr>
+        <a:xfrm>
+          <a:off x="0" y="0"/>
+          <a:ext cx="0" cy="0"/>
+          <a:chOff x="0" y="0"/>
+          <a:chExt cx="0" cy="0"/>
+        </a:xfrm>
+      </p:grpSpPr>
+      <p:sp>
+        <p:nvSpPr>
+          <p:cNvPr id="2" name="Title 1"/>
+          <p:cNvSpPr>
+            <a:spLocks noGrp="1"/>
+          </p:cNvSpPr>
+          <p:nvPr>
+            <p:ph type="title"/>
+          </p:nvPr>
+        </p:nvSpPr>
+        <p:spPr>
+          <a:xfrm>
+            <a:off x="931334" y="609600"/>
+            <a:ext cx="8094134" cy="3022600"/>
+          </a:xfrm>
+        </p:spPr>
+        <p:txBody>
+          <a:bodyPr anchor="ctr">
+            <a:normAutofit/>
+          </a:bodyPr>
+          <a:lstStyle>
+            <a:lvl1pPr algn="l">
+              <a:defRPr sz="4400" b="0" cap="none"/>
+            </a:lvl1pPr>
+          </a:lstStyle>
+          <a:p>
+            <a:r>
+              <a:rPr lang="en-US"/>
+              <a:t>Click to edit Master title style</a:t>
+            </a:r>
+            <a:endParaRPr lang="en-US" dirty="0"/>
+          </a:p>
+        </p:txBody>
+      </p:sp>
+      <p:sp>
+        <p:nvSpPr>
+          <p:cNvPr id="23" name="Text Placeholder 9"/>
+          <p:cNvSpPr>
+            <a:spLocks noGrp="1"/>
+          </p:cNvSpPr>
+          <p:nvPr>
+            <p:ph type="body" sz="quarter" idx="13"/>
+          </p:nvPr>
+        </p:nvSpPr>
+        <p:spPr>
+          <a:xfrm>
+            <a:off x="677332" y="4013200"/>
+            <a:ext cx="8596669" cy="514248"/>
+          </a:xfrm>
+        </p:spPr>
+        <p:txBody>
+          <a:bodyPr anchor="b">
+            <a:noAutofit/>
+          </a:bodyPr>
+          <a:lstStyle>
+            <a:lvl1pPr marL="0" indent="0">
+              <a:buFontTx/>
+              <a:buNone/>
+              <a:defRPr sz="2400">
+                <a:solidFill>
+                  <a:schemeClr val="tx1">
+                    <a:lumMod val="75000"/>
+                    <a:lumOff val="25000"/>
+                  </a:schemeClr>
+                </a:solidFill>
+              </a:defRPr>
+            </a:lvl1pPr>
+            <a:lvl2pPr marL="457200" indent="0">
+              <a:buFontTx/>
+              <a:buNone/>
+              <a:defRPr/>
+            </a:lvl2pPr>
+            <a:lvl3pPr marL="914400" indent="0">
+              <a:buFontTx/>
+              <a:buNone/>
+              <a:defRPr/>
+            </a:lvl3pPr>
+            <a:lvl4pPr marL="1371600" indent="0">
+              <a:buFontTx/>
+              <a:buNone/>
+              <a:defRPr/>
+            </a:lvl4pPr>
+            <a:lvl5pPr marL="1828800" indent="0">
+              <a:buFontTx/>
+              <a:buNone/>
+              <a:defRPr/>
+            </a:lvl5pPr>
+          </a:lstStyle>
+          <a:p>
+            <a:pPr lvl="0"/>
+            <a:r>
+              <a:rPr lang="en-US"/>
+              <a:t>Click to edit Master text styles</a:t>
+            </a:r>
+          </a:p>
+        </p:txBody>
+      </p:sp>
+      <p:sp>
+        <p:nvSpPr>
+          <p:cNvPr id="3" name="Text Placeholder 2"/>
+          <p:cNvSpPr>
+            <a:spLocks noGrp="1"/>
+          </p:cNvSpPr>
+          <p:nvPr>
+            <p:ph type="body" idx="1"/>
+          </p:nvPr>
+        </p:nvSpPr>
+        <p:spPr>
+          <a:xfrm>
+            <a:off x="677335" y="4527448"/>
+            <a:ext cx="8596668" cy="1513914"/>
+          </a:xfrm>
+        </p:spPr>
+        <p:txBody>
+          <a:bodyPr anchor="t">
+            <a:normAutofit/>
+          </a:bodyPr>
+          <a:lstStyle>
+            <a:lvl1pPr marL="0" indent="0" algn="l">
+              <a:buNone/>
+              <a:defRPr sz="1800">
+                <a:solidFill>
+                  <a:schemeClr val="tx1">
+                    <a:lumMod val="50000"/>
+                    <a:lumOff val="50000"/>
+                  </a:schemeClr>
+                </a:solidFill>
+              </a:defRPr>
+            </a:lvl1pPr>
+            <a:lvl2pPr marL="457200" indent="0">
+              <a:buNone/>
+              <a:defRPr sz="1800">
+                <a:solidFill>
+                  <a:schemeClr val="tx1">
+                    <a:tint val="75000"/>
+                  </a:schemeClr>
+                </a:solidFill>
+              </a:defRPr>
+            </a:lvl2pPr>
+            <a:lvl3pPr marL="914400" indent="0">
+              <a:buNone/>
+              <a:defRPr sz="1600">
+                <a:solidFill>
+                  <a:schemeClr val="tx1">
+                    <a:tint val="75000"/>
+                  </a:schemeClr>
+                </a:solidFill>
+              </a:defRPr>
+            </a:lvl3pPr>
+            <a:lvl4pPr marL="1371600" indent="0">
+              <a:buNone/>
+              <a:defRPr sz="1400">
+                <a:solidFill>
+                  <a:schemeClr val="tx1">
+                    <a:tint val="75000"/>
+                  </a:schemeClr>
+                </a:solidFill>
+              </a:defRPr>
+            </a:lvl4pPr>
+            <a:lvl5pPr marL="1828800" indent="0">
+              <a:buNone/>
+              <a:defRPr sz="1400">
+                <a:solidFill>
+                  <a:schemeClr val="tx1">
+                    <a:tint val="75000"/>
+                  </a:schemeClr>
+                </a:solidFill>
+              </a:defRPr>
+            </a:lvl5pPr>
+            <a:lvl6pPr marL="2286000" indent="0">
+              <a:buNone/>
+              <a:defRPr sz="1400">
+                <a:solidFill>
+                  <a:schemeClr val="tx1">
+                    <a:tint val="75000"/>
+                  </a:schemeClr>
+                </a:solidFill>
+              </a:defRPr>
+            </a:lvl6pPr>
+            <a:lvl7pPr marL="2743200" indent="0">
+              <a:buNone/>
+              <a:defRPr sz="1400">
+                <a:solidFill>
+                  <a:schemeClr val="tx1">
+                    <a:tint val="75000"/>
+                  </a:schemeClr>
+                </a:solidFill>
+              </a:defRPr>
+            </a:lvl7pPr>
+            <a:lvl8pPr marL="3200400" indent="0">
+              <a:buNone/>
+              <a:defRPr sz="1400">
+                <a:solidFill>
+                  <a:schemeClr val="tx1">
+                    <a:tint val="75000"/>
+                  </a:schemeClr>
+                </a:solidFill>
+              </a:defRPr>
+            </a:lvl8pPr>
+            <a:lvl9pPr marL="3657600" indent="0">
+              <a:buNone/>
+              <a:defRPr sz="1400">
+                <a:solidFill>
+                  <a:schemeClr val="tx1">
+                    <a:tint val="75000"/>
+                  </a:schemeClr>
+                </a:solidFill>
+              </a:defRPr>
+            </a:lvl9pPr>
+          </a:lstStyle>
+          <a:p>
+            <a:pPr lvl="0"/>
+            <a:r>
+              <a:rPr lang="en-US"/>
+              <a:t>Click to edit Master text styles</a:t>
+            </a:r>
+          </a:p>
+        </p:txBody>
+      </p:sp>
+      <p:sp>
+        <p:nvSpPr>
+          <p:cNvPr id="4" name="Date Placeholder 3"/>
+          <p:cNvSpPr>
+            <a:spLocks noGrp="1"/>
+          </p:cNvSpPr>
+          <p:nvPr>
+            <p:ph type="dt" sz="half" idx="10"/>
+          </p:nvPr>
+        </p:nvSpPr>
+        <p:spPr/>
+        <p:txBody>
+          <a:bodyPr/>
+          <a:lstStyle/>
+          <a:p>
+            <a:fld id="{62D6E202-B606-4609-B914-27C9371A1F6D}" type="datetime1">
+              <a:rPr lang="en-US" smtClean="0"/>
+              <a:t>1/30/2020</a:t>
+            </a:fld>
+            <a:endParaRPr lang="en-US" dirty="0"/>
+          </a:p>
+        </p:txBody>
+      </p:sp>
+      <p:sp>
+        <p:nvSpPr>
+          <p:cNvPr id="5" name="Footer Placeholder 4"/>
+          <p:cNvSpPr>
+            <a:spLocks noGrp="1"/>
+          </p:cNvSpPr>
+          <p:nvPr>
+            <p:ph type="ftr" sz="quarter" idx="11"/>
+          </p:nvPr>
+        </p:nvSpPr>
+        <p:spPr/>
+        <p:txBody>
+          <a:bodyPr/>
+          <a:lstStyle/>
+          <a:p>
+            <a:endParaRPr lang="en-US" dirty="0"/>
+          </a:p>
+        </p:txBody>
+      </p:sp>
+      <p:sp>
+        <p:nvSpPr>
+          <p:cNvPr id="6" name="Slide Number Placeholder 5"/>
+          <p:cNvSpPr>
+            <a:spLocks noGrp="1"/>
+          </p:cNvSpPr>
+          <p:nvPr>
+            <p:ph type="sldNum" sz="quarter" idx="12"/>
+          </p:nvPr>
+        </p:nvSpPr>
+        <p:spPr/>
+        <p:txBody>
+          <a:bodyPr/>
+          <a:lstStyle/>
+          <a:p>
+            <a:fld id="{3A98EE3D-8CD1-4C3F-BD1C-C98C9596463C}" type="slidenum">
+              <a:rPr lang="en-US" smtClean="0"/>
+              <a:t>‹#›</a:t>
+            </a:fld>
+            <a:endParaRPr lang="en-US" dirty="0"/>
+          </a:p>
+        </p:txBody>
+      </p:sp>
+      <p:sp>
+        <p:nvSpPr>
+          <p:cNvPr id="24" name="TextBox 23"/>
+          <p:cNvSpPr txBox="1"/>
+          <p:nvPr/>
+        </p:nvSpPr>
+        <p:spPr>
+          <a:xfrm>
+            <a:off x="541870" y="790378"/>
+            <a:ext cx="609600" cy="584776"/>
+          </a:xfrm>
+          <a:prstGeom prst="rect">
+            <a:avLst/>
+          </a:prstGeom>
+        </p:spPr>
+        <p:txBody>
+          <a:bodyPr vert="horz" lIns="91440" tIns="45720" rIns="91440" bIns="45720" rtlCol="0" anchor="ctr">
+            <a:noAutofit/>
+          </a:bodyPr>
+          <a:lstStyle/>
+          <a:p>
+            <a:pPr lvl="0"/>
+            <a:r>
+              <a:rPr lang="en-US" sz="8000" baseline="0" dirty="0">
+                <a:ln w="3175" cmpd="sng">
+                  <a:noFill/>
+                </a:ln>
+                <a:solidFill>
+                  <a:schemeClr val="accent1">
+                    <a:lumMod val="60000"/>
+                    <a:lumOff val="40000"/>
+                  </a:schemeClr>
+                </a:solidFill>
+                <a:effectLst/>
+                <a:latin typeface="Arial"/>
+              </a:rPr>
+              <a:t>“</a:t>
+            </a:r>
+          </a:p>
+        </p:txBody>
+      </p:sp>
+      <p:sp>
+        <p:nvSpPr>
+          <p:cNvPr id="25" name="TextBox 24"/>
+          <p:cNvSpPr txBox="1"/>
+          <p:nvPr/>
+        </p:nvSpPr>
+        <p:spPr>
+          <a:xfrm>
+            <a:off x="8893011" y="2886556"/>
+            <a:ext cx="609600" cy="584776"/>
+          </a:xfrm>
+          <a:prstGeom prst="rect">
+            <a:avLst/>
+          </a:prstGeom>
+        </p:spPr>
+        <p:txBody>
+          <a:bodyPr vert="horz" lIns="91440" tIns="45720" rIns="91440" bIns="45720" rtlCol="0" anchor="ctr">
+            <a:noAutofit/>
+          </a:bodyPr>
+          <a:lstStyle/>
+          <a:p>
+            <a:pPr lvl="0"/>
+            <a:r>
+              <a:rPr lang="en-US" sz="8000" baseline="0" dirty="0">
+                <a:ln w="3175" cmpd="sng">
+                  <a:noFill/>
+                </a:ln>
+                <a:solidFill>
+                  <a:schemeClr val="accent1">
+                    <a:lumMod val="60000"/>
+                    <a:lumOff val="40000"/>
+                  </a:schemeClr>
+                </a:solidFill>
+                <a:effectLst/>
+                <a:latin typeface="Arial"/>
+              </a:rPr>
+              <a:t>”</a:t>
+            </a:r>
+          </a:p>
+        </p:txBody>
+      </p:sp>
+    </p:spTree>
+    <p:extLst>
+      <p:ext uri="{BB962C8B-B14F-4D97-AF65-F5344CB8AC3E}">
+        <p14:creationId xmlns:p14="http://schemas.microsoft.com/office/powerpoint/2010/main" val="844278170"/>
+      </p:ext>
+    </p:extLst>
+  </p:cSld>
+  <p:clrMapOvr>
+    <a:masterClrMapping/>
+  </p:clrMapOvr>
+  <p:hf sldNum="0" hdr="0" ftr="0" dt="0"/>
+</p:sldLayout>
+</file>
+
+<file path=ppt/slideLayouts/slideLayout14.xml><?xml version="1.0" encoding="utf-8"?>
+<p:sldLayout xmlns:a="http://schemas.openxmlformats.org/drawingml/2006/main" xmlns:r="http://schemas.openxmlformats.org/officeDocument/2006/relationships" xmlns:p="http://schemas.openxmlformats.org/presentationml/2006/main" preserve="1">
+  <p:cSld name="True or False">
+    <p:spTree>
+      <p:nvGrpSpPr>
+        <p:cNvPr id="1" name=""/>
+        <p:cNvGrpSpPr/>
+        <p:nvPr/>
+      </p:nvGrpSpPr>
+      <p:grpSpPr>
+        <a:xfrm>
+          <a:off x="0" y="0"/>
+          <a:ext cx="0" cy="0"/>
+          <a:chOff x="0" y="0"/>
+          <a:chExt cx="0" cy="0"/>
+        </a:xfrm>
+      </p:grpSpPr>
+      <p:sp>
+        <p:nvSpPr>
+          <p:cNvPr id="2" name="Title 1"/>
+          <p:cNvSpPr>
+            <a:spLocks noGrp="1"/>
+          </p:cNvSpPr>
+          <p:nvPr>
+            <p:ph type="title"/>
+          </p:nvPr>
+        </p:nvSpPr>
+        <p:spPr>
+          <a:xfrm>
+            <a:off x="685799" y="609600"/>
+            <a:ext cx="8588203" cy="3022600"/>
+          </a:xfrm>
+        </p:spPr>
+        <p:txBody>
+          <a:bodyPr anchor="ctr">
+            <a:normAutofit/>
+          </a:bodyPr>
+          <a:lstStyle>
+            <a:lvl1pPr algn="l">
+              <a:defRPr sz="4400" b="0" cap="none"/>
+            </a:lvl1pPr>
+          </a:lstStyle>
+          <a:p>
+            <a:r>
+              <a:rPr lang="en-US"/>
+              <a:t>Click to edit Master title style</a:t>
+            </a:r>
+            <a:endParaRPr lang="en-US" dirty="0"/>
+          </a:p>
+        </p:txBody>
+      </p:sp>
+      <p:sp>
+        <p:nvSpPr>
+          <p:cNvPr id="23" name="Text Placeholder 9"/>
+          <p:cNvSpPr>
+            <a:spLocks noGrp="1"/>
+          </p:cNvSpPr>
+          <p:nvPr>
+            <p:ph type="body" sz="quarter" idx="13"/>
+          </p:nvPr>
+        </p:nvSpPr>
+        <p:spPr>
+          <a:xfrm>
+            <a:off x="677332" y="4013200"/>
+            <a:ext cx="8596669" cy="514248"/>
+          </a:xfrm>
+        </p:spPr>
+        <p:txBody>
+          <a:bodyPr anchor="b">
+            <a:noAutofit/>
+          </a:bodyPr>
+          <a:lstStyle>
+            <a:lvl1pPr marL="0" indent="0">
+              <a:buFontTx/>
+              <a:buNone/>
+              <a:defRPr sz="2400">
+                <a:solidFill>
+                  <a:schemeClr val="accent1"/>
+                </a:solidFill>
+              </a:defRPr>
+            </a:lvl1pPr>
+            <a:lvl2pPr marL="457200" indent="0">
+              <a:buFontTx/>
+              <a:buNone/>
+              <a:defRPr/>
+            </a:lvl2pPr>
+            <a:lvl3pPr marL="914400" indent="0">
+              <a:buFontTx/>
+              <a:buNone/>
+              <a:defRPr/>
+            </a:lvl3pPr>
+            <a:lvl4pPr marL="1371600" indent="0">
+              <a:buFontTx/>
+              <a:buNone/>
+              <a:defRPr/>
+            </a:lvl4pPr>
+            <a:lvl5pPr marL="1828800" indent="0">
+              <a:buFontTx/>
+              <a:buNone/>
+              <a:defRPr/>
+            </a:lvl5pPr>
+          </a:lstStyle>
+          <a:p>
+            <a:pPr lvl="0"/>
+            <a:r>
+              <a:rPr lang="en-US"/>
+              <a:t>Click to edit Master text styles</a:t>
+            </a:r>
+          </a:p>
+        </p:txBody>
+      </p:sp>
+      <p:sp>
+        <p:nvSpPr>
+          <p:cNvPr id="3" name="Text Placeholder 2"/>
+          <p:cNvSpPr>
+            <a:spLocks noGrp="1"/>
+          </p:cNvSpPr>
+          <p:nvPr>
+            <p:ph type="body" idx="1"/>
+          </p:nvPr>
+        </p:nvSpPr>
+        <p:spPr>
+          <a:xfrm>
+            <a:off x="677335" y="4527448"/>
+            <a:ext cx="8596668" cy="1513914"/>
+          </a:xfrm>
+        </p:spPr>
+        <p:txBody>
+          <a:bodyPr anchor="t">
+            <a:normAutofit/>
+          </a:bodyPr>
+          <a:lstStyle>
+            <a:lvl1pPr marL="0" indent="0" algn="l">
+              <a:buNone/>
+              <a:defRPr sz="1800">
+                <a:solidFill>
+                  <a:schemeClr val="tx1">
+                    <a:lumMod val="50000"/>
+                    <a:lumOff val="50000"/>
+                  </a:schemeClr>
+                </a:solidFill>
+              </a:defRPr>
+            </a:lvl1pPr>
+            <a:lvl2pPr marL="457200" indent="0">
+              <a:buNone/>
+              <a:defRPr sz="1800">
+                <a:solidFill>
+                  <a:schemeClr val="tx1">
+                    <a:tint val="75000"/>
+                  </a:schemeClr>
+                </a:solidFill>
+              </a:defRPr>
+            </a:lvl2pPr>
+            <a:lvl3pPr marL="914400" indent="0">
+              <a:buNone/>
+              <a:defRPr sz="1600">
+                <a:solidFill>
+                  <a:schemeClr val="tx1">
+                    <a:tint val="75000"/>
+                  </a:schemeClr>
+                </a:solidFill>
+              </a:defRPr>
+            </a:lvl3pPr>
+            <a:lvl4pPr marL="1371600" indent="0">
+              <a:buNone/>
+              <a:defRPr sz="1400">
+                <a:solidFill>
+                  <a:schemeClr val="tx1">
+                    <a:tint val="75000"/>
+                  </a:schemeClr>
+                </a:solidFill>
+              </a:defRPr>
+            </a:lvl4pPr>
+            <a:lvl5pPr marL="1828800" indent="0">
+              <a:buNone/>
+              <a:defRPr sz="1400">
+                <a:solidFill>
+                  <a:schemeClr val="tx1">
+                    <a:tint val="75000"/>
+                  </a:schemeClr>
+                </a:solidFill>
+              </a:defRPr>
+            </a:lvl5pPr>
+            <a:lvl6pPr marL="2286000" indent="0">
+              <a:buNone/>
+              <a:defRPr sz="1400">
+                <a:solidFill>
+                  <a:schemeClr val="tx1">
+                    <a:tint val="75000"/>
+                  </a:schemeClr>
+                </a:solidFill>
+              </a:defRPr>
+            </a:lvl6pPr>
+            <a:lvl7pPr marL="2743200" indent="0">
+              <a:buNone/>
+              <a:defRPr sz="1400">
+                <a:solidFill>
+                  <a:schemeClr val="tx1">
+                    <a:tint val="75000"/>
+                  </a:schemeClr>
+                </a:solidFill>
+              </a:defRPr>
+            </a:lvl7pPr>
+            <a:lvl8pPr marL="3200400" indent="0">
+              <a:buNone/>
+              <a:defRPr sz="1400">
+                <a:solidFill>
+                  <a:schemeClr val="tx1">
+                    <a:tint val="75000"/>
+                  </a:schemeClr>
+                </a:solidFill>
+              </a:defRPr>
+            </a:lvl8pPr>
+            <a:lvl9pPr marL="3657600" indent="0">
+              <a:buNone/>
+              <a:defRPr sz="1400">
+                <a:solidFill>
+                  <a:schemeClr val="tx1">
+                    <a:tint val="75000"/>
+                  </a:schemeClr>
+                </a:solidFill>
+              </a:defRPr>
+            </a:lvl9pPr>
+          </a:lstStyle>
+          <a:p>
+            <a:pPr lvl="0"/>
+            <a:r>
+              <a:rPr lang="en-US"/>
+              <a:t>Click to edit Master text styles</a:t>
+            </a:r>
+          </a:p>
+        </p:txBody>
+      </p:sp>
+      <p:sp>
+        <p:nvSpPr>
+          <p:cNvPr id="4" name="Date Placeholder 3"/>
+          <p:cNvSpPr>
+            <a:spLocks noGrp="1"/>
+          </p:cNvSpPr>
+          <p:nvPr>
+            <p:ph type="dt" sz="half" idx="10"/>
+          </p:nvPr>
+        </p:nvSpPr>
+        <p:spPr/>
+        <p:txBody>
+          <a:bodyPr/>
+          <a:lstStyle/>
+          <a:p>
+            <a:fld id="{62D6E202-B606-4609-B914-27C9371A1F6D}" type="datetime1">
+              <a:rPr lang="en-US" smtClean="0"/>
+              <a:t>1/30/2020</a:t>
+            </a:fld>
+            <a:endParaRPr lang="en-US" dirty="0"/>
+          </a:p>
+        </p:txBody>
+      </p:sp>
+      <p:sp>
+        <p:nvSpPr>
+          <p:cNvPr id="5" name="Footer Placeholder 4"/>
+          <p:cNvSpPr>
+            <a:spLocks noGrp="1"/>
+          </p:cNvSpPr>
+          <p:nvPr>
+            <p:ph type="ftr" sz="quarter" idx="11"/>
+          </p:nvPr>
+        </p:nvSpPr>
+        <p:spPr/>
+        <p:txBody>
+          <a:bodyPr/>
+          <a:lstStyle/>
+          <a:p>
+            <a:endParaRPr lang="en-US" dirty="0"/>
+          </a:p>
+        </p:txBody>
+      </p:sp>
+      <p:sp>
+        <p:nvSpPr>
+          <p:cNvPr id="6" name="Slide Number Placeholder 5"/>
+          <p:cNvSpPr>
+            <a:spLocks noGrp="1"/>
+          </p:cNvSpPr>
+          <p:nvPr>
+            <p:ph type="sldNum" sz="quarter" idx="12"/>
+          </p:nvPr>
+        </p:nvSpPr>
+        <p:spPr/>
+        <p:txBody>
+          <a:bodyPr/>
+          <a:lstStyle/>
+          <a:p>
+            <a:fld id="{3A98EE3D-8CD1-4C3F-BD1C-C98C9596463C}" type="slidenum">
+              <a:rPr lang="en-US" smtClean="0"/>
+              <a:t>‹#›</a:t>
+            </a:fld>
+            <a:endParaRPr lang="en-US" dirty="0"/>
+          </a:p>
+        </p:txBody>
+      </p:sp>
+    </p:spTree>
+    <p:extLst>
+      <p:ext uri="{BB962C8B-B14F-4D97-AF65-F5344CB8AC3E}">
+        <p14:creationId xmlns:p14="http://schemas.microsoft.com/office/powerpoint/2010/main" val="3749257189"/>
+      </p:ext>
+    </p:extLst>
+  </p:cSld>
+  <p:clrMapOvr>
+    <a:masterClrMapping/>
+  </p:clrMapOvr>
+  <p:hf sldNum="0" hdr="0" ftr="0" dt="0"/>
+</p:sldLayout>
+</file>
+
+<file path=ppt/slideLayouts/slideLayout15.xml><?xml version="1.0" encoding="utf-8"?>
 <p:sldLayout xmlns:a="http://schemas.openxmlformats.org/drawingml/2006/main" xmlns:r="http://schemas.openxmlformats.org/officeDocument/2006/relationships" xmlns:p="http://schemas.openxmlformats.org/presentationml/2006/main" type="vertTx" preserve="1">
   <p:cSld name="Title and Vertical Text">
     <p:spTree>
@@ -478,7 +2564,7 @@
         </p:nvSpPr>
         <p:spPr/>
         <p:txBody>
-          <a:bodyPr vert="eaVert" lIns="45720" tIns="0" rIns="45720" bIns="0"/>
+          <a:bodyPr vert="eaVert"/>
           <a:lstStyle/>
           <a:p>
             <a:pPr lvl="0"/>
@@ -520,13 +2606,7 @@
       </p:sp>
       <p:sp>
         <p:nvSpPr>
-          <p:cNvPr id="7" name="Date Placeholder 6">
-            <a:extLst>
-              <a:ext uri="{FF2B5EF4-FFF2-40B4-BE49-F238E27FC236}">
-                <a16:creationId xmlns:a16="http://schemas.microsoft.com/office/drawing/2014/main" id="{7D5506EE-1026-4F35-9ACC-BD05BE0F9B36}"/>
-              </a:ext>
-            </a:extLst>
-          </p:cNvPr>
+          <p:cNvPr id="4" name="Date Placeholder 3"/>
           <p:cNvSpPr>
             <a:spLocks noGrp="1"/>
           </p:cNvSpPr>
@@ -549,13 +2629,7 @@
       </p:sp>
       <p:sp>
         <p:nvSpPr>
-          <p:cNvPr id="8" name="Footer Placeholder 7">
-            <a:extLst>
-              <a:ext uri="{FF2B5EF4-FFF2-40B4-BE49-F238E27FC236}">
-                <a16:creationId xmlns:a16="http://schemas.microsoft.com/office/drawing/2014/main" id="{B7696E5F-8D95-4450-AE52-5438E6EDE2BF}"/>
-              </a:ext>
-            </a:extLst>
-          </p:cNvPr>
+          <p:cNvPr id="5" name="Footer Placeholder 4"/>
           <p:cNvSpPr>
             <a:spLocks noGrp="1"/>
           </p:cNvSpPr>
@@ -574,13 +2648,7 @@
       </p:sp>
       <p:sp>
         <p:nvSpPr>
-          <p:cNvPr id="9" name="Slide Number Placeholder 8">
-            <a:extLst>
-              <a:ext uri="{FF2B5EF4-FFF2-40B4-BE49-F238E27FC236}">
-                <a16:creationId xmlns:a16="http://schemas.microsoft.com/office/drawing/2014/main" id="{999B2253-74CC-409E-BEB0-F8EFCFCB5629}"/>
-              </a:ext>
-            </a:extLst>
-          </p:cNvPr>
+          <p:cNvPr id="6" name="Slide Number Placeholder 5"/>
           <p:cNvSpPr>
             <a:spLocks noGrp="1"/>
           </p:cNvSpPr>
@@ -604,7 +2672,7 @@
     </p:spTree>
     <p:extLst>
       <p:ext uri="{BB962C8B-B14F-4D97-AF65-F5344CB8AC3E}">
-        <p14:creationId xmlns:p14="http://schemas.microsoft.com/office/powerpoint/2010/main" val="2748961465"/>
+        <p14:creationId xmlns:p14="http://schemas.microsoft.com/office/powerpoint/2010/main" val="3876947654"/>
       </p:ext>
     </p:extLst>
   </p:cSld>
@@ -614,8 +2682,8 @@
 </p:sldLayout>
 </file>
 
-<file path=ppt/slideLayouts/slideLayout11.xml><?xml version="1.0" encoding="utf-8"?>
-<p:sldLayout xmlns:a="http://schemas.openxmlformats.org/drawingml/2006/main" xmlns:r="http://schemas.openxmlformats.org/officeDocument/2006/relationships" xmlns:p="http://schemas.openxmlformats.org/presentationml/2006/main" showMasterSp="0" type="vertTitleAndTx" preserve="1">
+<file path=ppt/slideLayouts/slideLayout16.xml><?xml version="1.0" encoding="utf-8"?>
+<p:sldLayout xmlns:a="http://schemas.openxmlformats.org/drawingml/2006/main" xmlns:r="http://schemas.openxmlformats.org/officeDocument/2006/relationships" xmlns:p="http://schemas.openxmlformats.org/presentationml/2006/main" type="vertTitleAndTx" preserve="1">
   <p:cSld name="Vertical Title and Text">
     <p:spTree>
       <p:nvGrpSpPr>
@@ -633,96 +2701,52 @@
       </p:grpSpPr>
       <p:sp>
         <p:nvSpPr>
-          <p:cNvPr id="9" name="Rectangle 8">
-            <a:extLst>
-              <a:ext uri="{FF2B5EF4-FFF2-40B4-BE49-F238E27FC236}">
-                <a16:creationId xmlns:a16="http://schemas.microsoft.com/office/drawing/2014/main" id="{E1B68A5B-D9FA-424B-A4EB-30E7223836B3}"/>
-              </a:ext>
-            </a:extLst>
-          </p:cNvPr>
-          <p:cNvSpPr/>
-          <p:nvPr/>
+          <p:cNvPr id="2" name="Vertical Title 1"/>
+          <p:cNvSpPr>
+            <a:spLocks noGrp="1"/>
+          </p:cNvSpPr>
+          <p:nvPr>
+            <p:ph type="title" orient="vert"/>
+          </p:nvPr>
         </p:nvSpPr>
         <p:spPr>
           <a:xfrm>
-            <a:off x="3175" y="6400800"/>
-            <a:ext cx="12188825" cy="457200"/>
+            <a:off x="7967673" y="609599"/>
+            <a:ext cx="1304743" cy="5251451"/>
           </a:xfrm>
-          <a:prstGeom prst="rect">
-            <a:avLst/>
-          </a:prstGeom>
-          <a:solidFill>
-            <a:srgbClr val="262626"/>
-          </a:solidFill>
-          <a:ln>
-            <a:noFill/>
-          </a:ln>
         </p:spPr>
-        <p:style>
-          <a:lnRef idx="2">
-            <a:schemeClr val="accent1">
-              <a:shade val="50000"/>
-            </a:schemeClr>
-          </a:lnRef>
-          <a:fillRef idx="1">
-            <a:schemeClr val="accent1"/>
-          </a:fillRef>
-          <a:effectRef idx="0">
-            <a:schemeClr val="accent1"/>
-          </a:effectRef>
-          <a:fontRef idx="minor">
-            <a:schemeClr val="lt1"/>
-          </a:fontRef>
-        </p:style>
-      </p:sp>
-      <p:sp>
-        <p:nvSpPr>
-          <p:cNvPr id="2" name="Vertical Title 1"/>
-          <p:cNvSpPr>
-            <a:spLocks noGrp="1"/>
-          </p:cNvSpPr>
-          <p:nvPr>
-            <p:ph type="title" orient="vert"/>
+        <p:txBody>
+          <a:bodyPr vert="eaVert" anchor="ctr"/>
+          <a:lstStyle/>
+          <a:p>
+            <a:r>
+              <a:rPr lang="en-US"/>
+              <a:t>Click to edit Master title style</a:t>
+            </a:r>
+            <a:endParaRPr lang="en-US" dirty="0"/>
+          </a:p>
+        </p:txBody>
+      </p:sp>
+      <p:sp>
+        <p:nvSpPr>
+          <p:cNvPr id="3" name="Vertical Text Placeholder 2"/>
+          <p:cNvSpPr>
+            <a:spLocks noGrp="1"/>
+          </p:cNvSpPr>
+          <p:nvPr>
+            <p:ph type="body" orient="vert" idx="1"/>
           </p:nvPr>
         </p:nvSpPr>
         <p:spPr>
           <a:xfrm>
-            <a:off x="8724900" y="412302"/>
-            <a:ext cx="2628900" cy="5759898"/>
+            <a:off x="677335" y="609600"/>
+            <a:ext cx="7060150" cy="5251450"/>
           </a:xfrm>
         </p:spPr>
         <p:txBody>
           <a:bodyPr vert="eaVert"/>
           <a:lstStyle/>
           <a:p>
-            <a:r>
-              <a:rPr lang="en-US"/>
-              <a:t>Click to edit Master title style</a:t>
-            </a:r>
-            <a:endParaRPr lang="en-US" dirty="0"/>
-          </a:p>
-        </p:txBody>
-      </p:sp>
-      <p:sp>
-        <p:nvSpPr>
-          <p:cNvPr id="3" name="Vertical Text Placeholder 2"/>
-          <p:cNvSpPr>
-            <a:spLocks noGrp="1"/>
-          </p:cNvSpPr>
-          <p:nvPr>
-            <p:ph type="body" orient="vert" idx="1"/>
-          </p:nvPr>
-        </p:nvSpPr>
-        <p:spPr>
-          <a:xfrm>
-            <a:off x="838200" y="412302"/>
-            <a:ext cx="7734300" cy="5759898"/>
-          </a:xfrm>
-        </p:spPr>
-        <p:txBody>
-          <a:bodyPr vert="eaVert" lIns="45720" tIns="0" rIns="45720" bIns="0"/>
-          <a:lstStyle/>
-          <a:p>
             <a:pPr lvl="0"/>
             <a:r>
               <a:rPr lang="en-US"/>
@@ -762,13 +2786,7 @@
       </p:sp>
       <p:sp>
         <p:nvSpPr>
-          <p:cNvPr id="7" name="Date Placeholder 6">
-            <a:extLst>
-              <a:ext uri="{FF2B5EF4-FFF2-40B4-BE49-F238E27FC236}">
-                <a16:creationId xmlns:a16="http://schemas.microsoft.com/office/drawing/2014/main" id="{AF33D6B0-F070-45C4-A472-19F432BE3932}"/>
-              </a:ext>
-            </a:extLst>
-          </p:cNvPr>
+          <p:cNvPr id="4" name="Date Placeholder 3"/>
           <p:cNvSpPr>
             <a:spLocks noGrp="1"/>
           </p:cNvSpPr>
@@ -791,13 +2809,7 @@
       </p:sp>
       <p:sp>
         <p:nvSpPr>
-          <p:cNvPr id="8" name="Footer Placeholder 7">
-            <a:extLst>
-              <a:ext uri="{FF2B5EF4-FFF2-40B4-BE49-F238E27FC236}">
-                <a16:creationId xmlns:a16="http://schemas.microsoft.com/office/drawing/2014/main" id="{9975399F-DAB2-410D-967F-ED17E6F796E7}"/>
-              </a:ext>
-            </a:extLst>
-          </p:cNvPr>
+          <p:cNvPr id="5" name="Footer Placeholder 4"/>
           <p:cNvSpPr>
             <a:spLocks noGrp="1"/>
           </p:cNvSpPr>
@@ -816,13 +2828,7 @@
       </p:sp>
       <p:sp>
         <p:nvSpPr>
-          <p:cNvPr id="10" name="Slide Number Placeholder 9">
-            <a:extLst>
-              <a:ext uri="{FF2B5EF4-FFF2-40B4-BE49-F238E27FC236}">
-                <a16:creationId xmlns:a16="http://schemas.microsoft.com/office/drawing/2014/main" id="{F762A46F-6BE5-4D12-9412-5CA7672EA8EC}"/>
-              </a:ext>
-            </a:extLst>
-          </p:cNvPr>
+          <p:cNvPr id="6" name="Slide Number Placeholder 5"/>
           <p:cNvSpPr>
             <a:spLocks noGrp="1"/>
           </p:cNvSpPr>
@@ -846,7 +2852,7 @@
     </p:spTree>
     <p:extLst>
       <p:ext uri="{BB962C8B-B14F-4D97-AF65-F5344CB8AC3E}">
-        <p14:creationId xmlns:p14="http://schemas.microsoft.com/office/powerpoint/2010/main" val="774386470"/>
+        <p14:creationId xmlns:p14="http://schemas.microsoft.com/office/powerpoint/2010/main" val="3117028520"/>
       </p:ext>
     </p:extLst>
   </p:cSld>
@@ -885,32 +2891,38 @@
         </p:nvSpPr>
         <p:spPr/>
         <p:txBody>
+          <a:bodyPr>
+            <a:normAutofit/>
+          </a:bodyPr>
+          <a:lstStyle>
+            <a:lvl1pPr>
+              <a:defRPr sz="3600"/>
+            </a:lvl1pPr>
+          </a:lstStyle>
+          <a:p>
+            <a:r>
+              <a:rPr lang="en-US"/>
+              <a:t>Click to edit Master title style</a:t>
+            </a:r>
+            <a:endParaRPr lang="en-US" dirty="0"/>
+          </a:p>
+        </p:txBody>
+      </p:sp>
+      <p:sp>
+        <p:nvSpPr>
+          <p:cNvPr id="3" name="Content Placeholder 2"/>
+          <p:cNvSpPr>
+            <a:spLocks noGrp="1"/>
+          </p:cNvSpPr>
+          <p:nvPr>
+            <p:ph idx="1"/>
+          </p:nvPr>
+        </p:nvSpPr>
+        <p:spPr/>
+        <p:txBody>
           <a:bodyPr/>
           <a:lstStyle/>
           <a:p>
-            <a:r>
-              <a:rPr lang="en-US"/>
-              <a:t>Click to edit Master title style</a:t>
-            </a:r>
-            <a:endParaRPr lang="en-US" dirty="0"/>
-          </a:p>
-        </p:txBody>
-      </p:sp>
-      <p:sp>
-        <p:nvSpPr>
-          <p:cNvPr id="3" name="Content Placeholder 2"/>
-          <p:cNvSpPr>
-            <a:spLocks noGrp="1"/>
-          </p:cNvSpPr>
-          <p:nvPr>
-            <p:ph idx="1"/>
-          </p:nvPr>
-        </p:nvSpPr>
-        <p:spPr/>
-        <p:txBody>
-          <a:bodyPr/>
-          <a:lstStyle/>
-          <a:p>
             <a:pPr lvl="0"/>
             <a:r>
               <a:rPr lang="en-US"/>
@@ -950,13 +2962,7 @@
       </p:sp>
       <p:sp>
         <p:nvSpPr>
-          <p:cNvPr id="7" name="Date Placeholder 6">
-            <a:extLst>
-              <a:ext uri="{FF2B5EF4-FFF2-40B4-BE49-F238E27FC236}">
-                <a16:creationId xmlns:a16="http://schemas.microsoft.com/office/drawing/2014/main" id="{354D8B55-9EA8-4B81-8E84-9B93B0A27559}"/>
-              </a:ext>
-            </a:extLst>
-          </p:cNvPr>
+          <p:cNvPr id="4" name="Date Placeholder 3"/>
           <p:cNvSpPr>
             <a:spLocks noGrp="1"/>
           </p:cNvSpPr>
@@ -979,13 +2985,7 @@
       </p:sp>
       <p:sp>
         <p:nvSpPr>
-          <p:cNvPr id="8" name="Footer Placeholder 7">
-            <a:extLst>
-              <a:ext uri="{FF2B5EF4-FFF2-40B4-BE49-F238E27FC236}">
-                <a16:creationId xmlns:a16="http://schemas.microsoft.com/office/drawing/2014/main" id="{062CA021-2578-47CB-822C-BDDFF7223B28}"/>
-              </a:ext>
-            </a:extLst>
-          </p:cNvPr>
+          <p:cNvPr id="5" name="Footer Placeholder 4"/>
           <p:cNvSpPr>
             <a:spLocks noGrp="1"/>
           </p:cNvSpPr>
@@ -1004,13 +3004,7 @@
       </p:sp>
       <p:sp>
         <p:nvSpPr>
-          <p:cNvPr id="9" name="Slide Number Placeholder 8">
-            <a:extLst>
-              <a:ext uri="{FF2B5EF4-FFF2-40B4-BE49-F238E27FC236}">
-                <a16:creationId xmlns:a16="http://schemas.microsoft.com/office/drawing/2014/main" id="{C4AAB51D-4141-4682-9375-DAFD5FB9DD10}"/>
-              </a:ext>
-            </a:extLst>
-          </p:cNvPr>
+          <p:cNvPr id="6" name="Slide Number Placeholder 5"/>
           <p:cNvSpPr>
             <a:spLocks noGrp="1"/>
           </p:cNvSpPr>
@@ -1034,7 +3028,7 @@
     </p:spTree>
     <p:extLst>
       <p:ext uri="{BB962C8B-B14F-4D97-AF65-F5344CB8AC3E}">
-        <p14:creationId xmlns:p14="http://schemas.microsoft.com/office/powerpoint/2010/main" val="2341671638"/>
+        <p14:creationId xmlns:p14="http://schemas.microsoft.com/office/powerpoint/2010/main" val="1425011464"/>
       </p:ext>
     </p:extLst>
   </p:cSld>
@@ -1045,16 +3039,8 @@
 </file>
 
 <file path=ppt/slideLayouts/slideLayout3.xml><?xml version="1.0" encoding="utf-8"?>
-<p:sldLayout xmlns:a="http://schemas.openxmlformats.org/drawingml/2006/main" xmlns:r="http://schemas.openxmlformats.org/officeDocument/2006/relationships" xmlns:p="http://schemas.openxmlformats.org/presentationml/2006/main" showMasterSp="0" type="secHead" preserve="1">
+<p:sldLayout xmlns:a="http://schemas.openxmlformats.org/drawingml/2006/main" xmlns:r="http://schemas.openxmlformats.org/officeDocument/2006/relationships" xmlns:p="http://schemas.openxmlformats.org/presentationml/2006/main" type="secHead" preserve="1">
   <p:cSld name="Section Header">
-    <p:bg>
-      <p:bgPr>
-        <a:solidFill>
-          <a:schemeClr val="bg1"/>
-        </a:solidFill>
-        <a:effectLst/>
-      </p:bgPr>
-    </p:bg>
     <p:spTree>
       <p:nvGrpSpPr>
         <p:cNvPr id="1" name=""/>
@@ -1071,120 +3057,64 @@
       </p:grpSpPr>
       <p:sp>
         <p:nvSpPr>
-          <p:cNvPr id="10" name="Rectangle 9">
-            <a:extLst>
-              <a:ext uri="{FF2B5EF4-FFF2-40B4-BE49-F238E27FC236}">
-                <a16:creationId xmlns:a16="http://schemas.microsoft.com/office/drawing/2014/main" id="{A585C21A-8B93-4657-B5DF-7EAEAD3BE127}"/>
-              </a:ext>
-            </a:extLst>
-          </p:cNvPr>
-          <p:cNvSpPr/>
-          <p:nvPr/>
+          <p:cNvPr id="2" name="Title 1"/>
+          <p:cNvSpPr>
+            <a:spLocks noGrp="1"/>
+          </p:cNvSpPr>
+          <p:nvPr>
+            <p:ph type="title"/>
+          </p:nvPr>
         </p:nvSpPr>
         <p:spPr>
           <a:xfrm>
-            <a:off x="3175" y="6400800"/>
-            <a:ext cx="12188825" cy="457200"/>
+            <a:off x="677335" y="2700867"/>
+            <a:ext cx="8596668" cy="1826581"/>
           </a:xfrm>
-          <a:prstGeom prst="rect">
-            <a:avLst/>
-          </a:prstGeom>
-          <a:solidFill>
-            <a:srgbClr val="262626"/>
-          </a:solidFill>
-          <a:ln>
-            <a:noFill/>
-          </a:ln>
         </p:spPr>
-        <p:style>
-          <a:lnRef idx="2">
-            <a:schemeClr val="accent1">
-              <a:shade val="50000"/>
-            </a:schemeClr>
-          </a:lnRef>
-          <a:fillRef idx="1">
-            <a:schemeClr val="accent1"/>
-          </a:fillRef>
-          <a:effectRef idx="0">
-            <a:schemeClr val="accent1"/>
-          </a:effectRef>
-          <a:fontRef idx="minor">
-            <a:schemeClr val="lt1"/>
-          </a:fontRef>
-        </p:style>
-      </p:sp>
-      <p:sp>
-        <p:nvSpPr>
-          <p:cNvPr id="2" name="Title 1"/>
-          <p:cNvSpPr>
-            <a:spLocks noGrp="1"/>
-          </p:cNvSpPr>
-          <p:nvPr>
-            <p:ph type="title"/>
+        <p:txBody>
+          <a:bodyPr anchor="b"/>
+          <a:lstStyle>
+            <a:lvl1pPr algn="l">
+              <a:defRPr sz="4000" b="0" cap="none"/>
+            </a:lvl1pPr>
+          </a:lstStyle>
+          <a:p>
+            <a:r>
+              <a:rPr lang="en-US"/>
+              <a:t>Click to edit Master title style</a:t>
+            </a:r>
+            <a:endParaRPr lang="en-US" dirty="0"/>
+          </a:p>
+        </p:txBody>
+      </p:sp>
+      <p:sp>
+        <p:nvSpPr>
+          <p:cNvPr id="3" name="Text Placeholder 2"/>
+          <p:cNvSpPr>
+            <a:spLocks noGrp="1"/>
+          </p:cNvSpPr>
+          <p:nvPr>
+            <p:ph type="body" idx="1"/>
           </p:nvPr>
         </p:nvSpPr>
         <p:spPr>
           <a:xfrm>
-            <a:off x="1097280" y="758952"/>
-            <a:ext cx="10058400" cy="3566160"/>
+            <a:off x="677335" y="4527448"/>
+            <a:ext cx="8596668" cy="860400"/>
           </a:xfrm>
         </p:spPr>
         <p:txBody>
-          <a:bodyPr anchor="b" anchorCtr="0">
-            <a:normAutofit/>
-          </a:bodyPr>
+          <a:bodyPr anchor="t"/>
           <a:lstStyle>
-            <a:lvl1pPr>
-              <a:lnSpc>
-                <a:spcPct val="90000"/>
-              </a:lnSpc>
-              <a:defRPr sz="8000" b="0">
+            <a:lvl1pPr marL="0" indent="0" algn="l">
+              <a:buNone/>
+              <a:defRPr sz="2000">
                 <a:solidFill>
                   <a:schemeClr val="tx1">
-                    <a:lumMod val="85000"/>
-                    <a:lumOff val="15000"/>
+                    <a:lumMod val="50000"/>
+                    <a:lumOff val="50000"/>
                   </a:schemeClr>
                 </a:solidFill>
-              </a:defRPr>
-            </a:lvl1pPr>
-          </a:lstStyle>
-          <a:p>
-            <a:r>
-              <a:rPr lang="en-US"/>
-              <a:t>Click to edit Master title style</a:t>
-            </a:r>
-            <a:endParaRPr lang="en-US" dirty="0"/>
-          </a:p>
-        </p:txBody>
-      </p:sp>
-      <p:sp>
-        <p:nvSpPr>
-          <p:cNvPr id="3" name="Text Placeholder 2"/>
-          <p:cNvSpPr>
-            <a:spLocks noGrp="1"/>
-          </p:cNvSpPr>
-          <p:nvPr>
-            <p:ph type="body" idx="1"/>
-          </p:nvPr>
-        </p:nvSpPr>
-        <p:spPr>
-          <a:xfrm>
-            <a:off x="1097280" y="4663440"/>
-            <a:ext cx="10058400" cy="1143000"/>
-          </a:xfrm>
-        </p:spPr>
-        <p:txBody>
-          <a:bodyPr lIns="91440" rIns="91440" anchor="t" anchorCtr="0">
-            <a:normAutofit/>
-          </a:bodyPr>
-          <a:lstStyle>
-            <a:lvl1pPr marL="0" indent="0">
-              <a:buNone/>
-              <a:defRPr sz="2400" cap="all" spc="200" baseline="0">
-                <a:solidFill>
-                  <a:schemeClr val="tx1"/>
-                </a:solidFill>
-                <a:latin typeface="+mn-lt"/>
               </a:defRPr>
             </a:lvl1pPr>
             <a:lvl2pPr marL="457200" indent="0">
@@ -1277,59 +3207,9 @@
           </a:p>
         </p:txBody>
       </p:sp>
-      <p:cxnSp>
-        <p:nvCxnSpPr>
-          <p:cNvPr id="9" name="Straight Connector 8">
-            <a:extLst>
-              <a:ext uri="{FF2B5EF4-FFF2-40B4-BE49-F238E27FC236}">
-                <a16:creationId xmlns:a16="http://schemas.microsoft.com/office/drawing/2014/main" id="{459DE2C1-4C52-40A3-8959-27B2C1BEBFF6}"/>
-              </a:ext>
-            </a:extLst>
-          </p:cNvPr>
-          <p:cNvCxnSpPr/>
-          <p:nvPr/>
-        </p:nvCxnSpPr>
-        <p:spPr>
-          <a:xfrm>
-            <a:off x="1207658" y="4485132"/>
-            <a:ext cx="9875520" cy="0"/>
-          </a:xfrm>
-          <a:prstGeom prst="line">
-            <a:avLst/>
-          </a:prstGeom>
-          <a:ln w="12700">
-            <a:solidFill>
-              <a:schemeClr val="tx1">
-                <a:lumMod val="75000"/>
-                <a:lumOff val="25000"/>
-              </a:schemeClr>
-            </a:solidFill>
-          </a:ln>
-        </p:spPr>
-        <p:style>
-          <a:lnRef idx="1">
-            <a:schemeClr val="accent1"/>
-          </a:lnRef>
-          <a:fillRef idx="0">
-            <a:schemeClr val="accent1"/>
-          </a:fillRef>
-          <a:effectRef idx="0">
-            <a:schemeClr val="accent1"/>
-          </a:effectRef>
-          <a:fontRef idx="minor">
-            <a:schemeClr val="tx1"/>
-          </a:fontRef>
-        </p:style>
-      </p:cxnSp>
-      <p:sp>
-        <p:nvSpPr>
-          <p:cNvPr id="7" name="Date Placeholder 6">
-            <a:extLst>
-              <a:ext uri="{FF2B5EF4-FFF2-40B4-BE49-F238E27FC236}">
-                <a16:creationId xmlns:a16="http://schemas.microsoft.com/office/drawing/2014/main" id="{AAF2E137-EC28-48F8-9198-1F02539029B6}"/>
-              </a:ext>
-            </a:extLst>
-          </p:cNvPr>
+      <p:sp>
+        <p:nvSpPr>
+          <p:cNvPr id="4" name="Date Placeholder 3"/>
           <p:cNvSpPr>
             <a:spLocks noGrp="1"/>
           </p:cNvSpPr>
@@ -1352,13 +3232,7 @@
       </p:sp>
       <p:sp>
         <p:nvSpPr>
-          <p:cNvPr id="8" name="Footer Placeholder 7">
-            <a:extLst>
-              <a:ext uri="{FF2B5EF4-FFF2-40B4-BE49-F238E27FC236}">
-                <a16:creationId xmlns:a16="http://schemas.microsoft.com/office/drawing/2014/main" id="{189422CD-6F62-4DD6-89EF-07A60B42D219}"/>
-              </a:ext>
-            </a:extLst>
-          </p:cNvPr>
+          <p:cNvPr id="5" name="Footer Placeholder 4"/>
           <p:cNvSpPr>
             <a:spLocks noGrp="1"/>
           </p:cNvSpPr>
@@ -1377,13 +3251,7 @@
       </p:sp>
       <p:sp>
         <p:nvSpPr>
-          <p:cNvPr id="11" name="Slide Number Placeholder 10">
-            <a:extLst>
-              <a:ext uri="{FF2B5EF4-FFF2-40B4-BE49-F238E27FC236}">
-                <a16:creationId xmlns:a16="http://schemas.microsoft.com/office/drawing/2014/main" id="{69C6AFF8-42B4-4D05-969B-9F5FB3355555}"/>
-              </a:ext>
-            </a:extLst>
-          </p:cNvPr>
+          <p:cNvPr id="6" name="Slide Number Placeholder 5"/>
           <p:cNvSpPr>
             <a:spLocks noGrp="1"/>
           </p:cNvSpPr>
@@ -1407,7 +3275,7 @@
     </p:spTree>
     <p:extLst>
       <p:ext uri="{BB962C8B-B14F-4D97-AF65-F5344CB8AC3E}">
-        <p14:creationId xmlns:p14="http://schemas.microsoft.com/office/powerpoint/2010/main" val="1781795927"/>
+        <p14:creationId xmlns:p14="http://schemas.microsoft.com/office/powerpoint/2010/main" val="2966769534"/>
       </p:ext>
     </p:extLst>
   </p:cSld>
@@ -1436,46 +3304,98 @@
       </p:grpSpPr>
       <p:sp>
         <p:nvSpPr>
-          <p:cNvPr id="8" name="Title 7"/>
+          <p:cNvPr id="2" name="Title 1"/>
           <p:cNvSpPr>
             <a:spLocks noGrp="1"/>
           </p:cNvSpPr>
           <p:nvPr>
             <p:ph type="title"/>
+          </p:nvPr>
+        </p:nvSpPr>
+        <p:spPr/>
+        <p:txBody>
+          <a:bodyPr/>
+          <a:lstStyle/>
+          <a:p>
+            <a:r>
+              <a:rPr lang="en-US"/>
+              <a:t>Click to edit Master title style</a:t>
+            </a:r>
+            <a:endParaRPr lang="en-US" dirty="0"/>
+          </a:p>
+        </p:txBody>
+      </p:sp>
+      <p:sp>
+        <p:nvSpPr>
+          <p:cNvPr id="3" name="Content Placeholder 2"/>
+          <p:cNvSpPr>
+            <a:spLocks noGrp="1"/>
+          </p:cNvSpPr>
+          <p:nvPr>
+            <p:ph sz="half" idx="1"/>
           </p:nvPr>
         </p:nvSpPr>
         <p:spPr>
           <a:xfrm>
-            <a:off x="1097280" y="286603"/>
-            <a:ext cx="10058400" cy="1450757"/>
+            <a:off x="677334" y="2160589"/>
+            <a:ext cx="4184035" cy="3880772"/>
           </a:xfrm>
         </p:spPr>
         <p:txBody>
           <a:bodyPr/>
           <a:lstStyle/>
           <a:p>
-            <a:r>
-              <a:rPr lang="en-US"/>
-              <a:t>Click to edit Master title style</a:t>
-            </a:r>
-            <a:endParaRPr lang="en-US" dirty="0"/>
-          </a:p>
-        </p:txBody>
-      </p:sp>
-      <p:sp>
-        <p:nvSpPr>
-          <p:cNvPr id="3" name="Content Placeholder 2"/>
-          <p:cNvSpPr>
-            <a:spLocks noGrp="1"/>
-          </p:cNvSpPr>
-          <p:nvPr>
-            <p:ph sz="half" idx="1"/>
+            <a:pPr lvl="0"/>
+            <a:r>
+              <a:rPr lang="en-US"/>
+              <a:t>Click to edit Master text styles</a:t>
+            </a:r>
+          </a:p>
+          <a:p>
+            <a:pPr lvl="1"/>
+            <a:r>
+              <a:rPr lang="en-US"/>
+              <a:t>Second level</a:t>
+            </a:r>
+          </a:p>
+          <a:p>
+            <a:pPr lvl="2"/>
+            <a:r>
+              <a:rPr lang="en-US"/>
+              <a:t>Third level</a:t>
+            </a:r>
+          </a:p>
+          <a:p>
+            <a:pPr lvl="3"/>
+            <a:r>
+              <a:rPr lang="en-US"/>
+              <a:t>Fourth level</a:t>
+            </a:r>
+          </a:p>
+          <a:p>
+            <a:pPr lvl="4"/>
+            <a:r>
+              <a:rPr lang="en-US"/>
+              <a:t>Fifth level</a:t>
+            </a:r>
+            <a:endParaRPr lang="en-US" dirty="0"/>
+          </a:p>
+        </p:txBody>
+      </p:sp>
+      <p:sp>
+        <p:nvSpPr>
+          <p:cNvPr id="4" name="Content Placeholder 3"/>
+          <p:cNvSpPr>
+            <a:spLocks noGrp="1"/>
+          </p:cNvSpPr>
+          <p:nvPr>
+            <p:ph sz="half" idx="2"/>
           </p:nvPr>
         </p:nvSpPr>
         <p:spPr>
           <a:xfrm>
-            <a:off x="1097280" y="2120900"/>
-            <a:ext cx="4639736" cy="3748193"/>
+            <a:off x="5089970" y="2160589"/>
+            <a:ext cx="4184034" cy="3880773"/>
           </a:xfrm>
         </p:spPr>
         <p:txBody>
@@ -1521,70 +3441,7 @@
       </p:sp>
       <p:sp>
         <p:nvSpPr>
-          <p:cNvPr id="4" name="Content Placeholder 3"/>
-          <p:cNvSpPr>
-            <a:spLocks noGrp="1"/>
-          </p:cNvSpPr>
-          <p:nvPr>
-            <p:ph sz="half" idx="2"/>
-          </p:nvPr>
-        </p:nvSpPr>
-        <p:spPr>
-          <a:xfrm>
-            <a:off x="6515944" y="2120900"/>
-            <a:ext cx="4639736" cy="3748194"/>
-          </a:xfrm>
-        </p:spPr>
-        <p:txBody>
-          <a:bodyPr/>
-          <a:lstStyle/>
-          <a:p>
-            <a:pPr lvl="0"/>
-            <a:r>
-              <a:rPr lang="en-US"/>
-              <a:t>Click to edit Master text styles</a:t>
-            </a:r>
-          </a:p>
-          <a:p>
-            <a:pPr lvl="1"/>
-            <a:r>
-              <a:rPr lang="en-US"/>
-              <a:t>Second level</a:t>
-            </a:r>
-          </a:p>
-          <a:p>
-            <a:pPr lvl="2"/>
-            <a:r>
-              <a:rPr lang="en-US"/>
-              <a:t>Third level</a:t>
-            </a:r>
-          </a:p>
-          <a:p>
-            <a:pPr lvl="3"/>
-            <a:r>
-              <a:rPr lang="en-US"/>
-              <a:t>Fourth level</a:t>
-            </a:r>
-          </a:p>
-          <a:p>
-            <a:pPr lvl="4"/>
-            <a:r>
-              <a:rPr lang="en-US"/>
-              <a:t>Fifth level</a:t>
-            </a:r>
-            <a:endParaRPr lang="en-US" dirty="0"/>
-          </a:p>
-        </p:txBody>
-      </p:sp>
-      <p:sp>
-        <p:nvSpPr>
-          <p:cNvPr id="2" name="Date Placeholder 1">
-            <a:extLst>
-              <a:ext uri="{FF2B5EF4-FFF2-40B4-BE49-F238E27FC236}">
-                <a16:creationId xmlns:a16="http://schemas.microsoft.com/office/drawing/2014/main" id="{5782D47D-B0DC-4C40-BCC6-BBBA32584A38}"/>
-              </a:ext>
-            </a:extLst>
-          </p:cNvPr>
+          <p:cNvPr id="5" name="Date Placeholder 4"/>
           <p:cNvSpPr>
             <a:spLocks noGrp="1"/>
           </p:cNvSpPr>
@@ -1607,13 +3464,7 @@
       </p:sp>
       <p:sp>
         <p:nvSpPr>
-          <p:cNvPr id="9" name="Footer Placeholder 8">
-            <a:extLst>
-              <a:ext uri="{FF2B5EF4-FFF2-40B4-BE49-F238E27FC236}">
-                <a16:creationId xmlns:a16="http://schemas.microsoft.com/office/drawing/2014/main" id="{4690D34E-7EBD-44B2-83CA-4C126A18D7EF}"/>
-              </a:ext>
-            </a:extLst>
-          </p:cNvPr>
+          <p:cNvPr id="6" name="Footer Placeholder 5"/>
           <p:cNvSpPr>
             <a:spLocks noGrp="1"/>
           </p:cNvSpPr>
@@ -1632,13 +3483,7 @@
       </p:sp>
       <p:sp>
         <p:nvSpPr>
-          <p:cNvPr id="10" name="Slide Number Placeholder 9">
-            <a:extLst>
-              <a:ext uri="{FF2B5EF4-FFF2-40B4-BE49-F238E27FC236}">
-                <a16:creationId xmlns:a16="http://schemas.microsoft.com/office/drawing/2014/main" id="{2AC511A1-9BBD-42DE-92FB-2AF44F8E97A9}"/>
-              </a:ext>
-            </a:extLst>
-          </p:cNvPr>
+          <p:cNvPr id="7" name="Slide Number Placeholder 6"/>
           <p:cNvSpPr>
             <a:spLocks noGrp="1"/>
           </p:cNvSpPr>
@@ -1662,7 +3507,7 @@
     </p:spTree>
     <p:extLst>
       <p:ext uri="{BB962C8B-B14F-4D97-AF65-F5344CB8AC3E}">
-        <p14:creationId xmlns:p14="http://schemas.microsoft.com/office/powerpoint/2010/main" val="3485487150"/>
+        <p14:creationId xmlns:p14="http://schemas.microsoft.com/office/powerpoint/2010/main" val="2581267046"/>
       </p:ext>
     </p:extLst>
   </p:cSld>
@@ -1691,60 +3536,55 @@
       </p:grpSpPr>
       <p:sp>
         <p:nvSpPr>
-          <p:cNvPr id="10" name="Title 9"/>
+          <p:cNvPr id="2" name="Title 1"/>
           <p:cNvSpPr>
             <a:spLocks noGrp="1"/>
           </p:cNvSpPr>
           <p:nvPr>
             <p:ph type="title"/>
+          </p:nvPr>
+        </p:nvSpPr>
+        <p:spPr/>
+        <p:txBody>
+          <a:bodyPr/>
+          <a:lstStyle>
+            <a:lvl1pPr>
+              <a:defRPr/>
+            </a:lvl1pPr>
+          </a:lstStyle>
+          <a:p>
+            <a:r>
+              <a:rPr lang="en-US"/>
+              <a:t>Click to edit Master title style</a:t>
+            </a:r>
+            <a:endParaRPr lang="en-US" dirty="0"/>
+          </a:p>
+        </p:txBody>
+      </p:sp>
+      <p:sp>
+        <p:nvSpPr>
+          <p:cNvPr id="3" name="Text Placeholder 2"/>
+          <p:cNvSpPr>
+            <a:spLocks noGrp="1"/>
+          </p:cNvSpPr>
+          <p:nvPr>
+            <p:ph type="body" idx="1"/>
           </p:nvPr>
         </p:nvSpPr>
         <p:spPr>
           <a:xfrm>
-            <a:off x="1097280" y="286603"/>
-            <a:ext cx="10058400" cy="1450757"/>
+            <a:off x="675745" y="2160983"/>
+            <a:ext cx="4185623" cy="576262"/>
           </a:xfrm>
         </p:spPr>
         <p:txBody>
-          <a:bodyPr/>
-          <a:lstStyle/>
-          <a:p>
-            <a:r>
-              <a:rPr lang="en-US"/>
-              <a:t>Click to edit Master title style</a:t>
-            </a:r>
-            <a:endParaRPr lang="en-US" dirty="0"/>
-          </a:p>
-        </p:txBody>
-      </p:sp>
-      <p:sp>
-        <p:nvSpPr>
-          <p:cNvPr id="3" name="Text Placeholder 2"/>
-          <p:cNvSpPr>
-            <a:spLocks noGrp="1"/>
-          </p:cNvSpPr>
-          <p:nvPr>
-            <p:ph type="body" idx="1"/>
-          </p:nvPr>
-        </p:nvSpPr>
-        <p:spPr>
-          <a:xfrm>
-            <a:off x="1097280" y="2057400"/>
-            <a:ext cx="4639736" cy="736282"/>
-          </a:xfrm>
-        </p:spPr>
-        <p:txBody>
-          <a:bodyPr lIns="91440" rIns="91440" anchor="ctr">
-            <a:normAutofit/>
+          <a:bodyPr anchor="b">
+            <a:noAutofit/>
           </a:bodyPr>
           <a:lstStyle>
             <a:lvl1pPr marL="0" indent="0">
               <a:buNone/>
-              <a:defRPr sz="2000" b="0" cap="all" baseline="0">
-                <a:solidFill>
-                  <a:schemeClr val="tx1"/>
-                </a:solidFill>
-              </a:defRPr>
+              <a:defRPr sz="2400" b="0"/>
             </a:lvl1pPr>
             <a:lvl2pPr marL="457200" indent="0">
               <a:buNone/>
@@ -1800,12 +3640,14 @@
         </p:nvSpPr>
         <p:spPr>
           <a:xfrm>
-            <a:off x="1097280" y="2958274"/>
-            <a:ext cx="4639736" cy="2910821"/>
+            <a:off x="675745" y="2737245"/>
+            <a:ext cx="4185623" cy="3304117"/>
           </a:xfrm>
         </p:spPr>
         <p:txBody>
-          <a:bodyPr/>
+          <a:bodyPr>
+            <a:normAutofit/>
+          </a:bodyPr>
           <a:lstStyle/>
           <a:p>
             <a:pPr lvl="0"/>
@@ -1857,22 +3699,18 @@
         </p:nvSpPr>
         <p:spPr>
           <a:xfrm>
-            <a:off x="6515944" y="2057400"/>
-            <a:ext cx="4639736" cy="736282"/>
+            <a:off x="5088383" y="2160983"/>
+            <a:ext cx="4185618" cy="576262"/>
           </a:xfrm>
         </p:spPr>
         <p:txBody>
-          <a:bodyPr lIns="91440" rIns="91440" anchor="ctr">
-            <a:normAutofit/>
+          <a:bodyPr anchor="b">
+            <a:noAutofit/>
           </a:bodyPr>
           <a:lstStyle>
             <a:lvl1pPr marL="0" indent="0">
               <a:buNone/>
-              <a:defRPr sz="2000" b="0" cap="all" baseline="0">
-                <a:solidFill>
-                  <a:schemeClr val="tx1"/>
-                </a:solidFill>
-              </a:defRPr>
+              <a:defRPr sz="2400" b="0"/>
             </a:lvl1pPr>
             <a:lvl2pPr marL="457200" indent="0">
               <a:buNone/>
@@ -1928,12 +3766,14 @@
         </p:nvSpPr>
         <p:spPr>
           <a:xfrm>
-            <a:off x="6515944" y="2958273"/>
-            <a:ext cx="4639736" cy="2910821"/>
+            <a:off x="5088384" y="2737245"/>
+            <a:ext cx="4185617" cy="3304117"/>
           </a:xfrm>
         </p:spPr>
         <p:txBody>
-          <a:bodyPr/>
+          <a:bodyPr>
+            <a:normAutofit/>
+          </a:bodyPr>
           <a:lstStyle/>
           <a:p>
             <a:pPr lvl="0"/>
@@ -1975,13 +3815,7 @@
       </p:sp>
       <p:sp>
         <p:nvSpPr>
-          <p:cNvPr id="2" name="Date Placeholder 1">
-            <a:extLst>
-              <a:ext uri="{FF2B5EF4-FFF2-40B4-BE49-F238E27FC236}">
-                <a16:creationId xmlns:a16="http://schemas.microsoft.com/office/drawing/2014/main" id="{8AF8A515-AA94-45D1-9223-5C2272618D85}"/>
-              </a:ext>
-            </a:extLst>
-          </p:cNvPr>
+          <p:cNvPr id="7" name="Date Placeholder 6"/>
           <p:cNvSpPr>
             <a:spLocks noGrp="1"/>
           </p:cNvSpPr>
@@ -2004,13 +3838,7 @@
       </p:sp>
       <p:sp>
         <p:nvSpPr>
-          <p:cNvPr id="11" name="Footer Placeholder 10">
-            <a:extLst>
-              <a:ext uri="{FF2B5EF4-FFF2-40B4-BE49-F238E27FC236}">
-                <a16:creationId xmlns:a16="http://schemas.microsoft.com/office/drawing/2014/main" id="{D052F5BC-98E0-4D60-AD67-9547738B7DD4}"/>
-              </a:ext>
-            </a:extLst>
-          </p:cNvPr>
+          <p:cNvPr id="8" name="Footer Placeholder 7"/>
           <p:cNvSpPr>
             <a:spLocks noGrp="1"/>
           </p:cNvSpPr>
@@ -2029,13 +3857,7 @@
       </p:sp>
       <p:sp>
         <p:nvSpPr>
-          <p:cNvPr id="12" name="Slide Number Placeholder 11">
-            <a:extLst>
-              <a:ext uri="{FF2B5EF4-FFF2-40B4-BE49-F238E27FC236}">
-                <a16:creationId xmlns:a16="http://schemas.microsoft.com/office/drawing/2014/main" id="{A38552DC-952E-41EA-AAAF-C2187523C0B0}"/>
-              </a:ext>
-            </a:extLst>
-          </p:cNvPr>
+          <p:cNvPr id="9" name="Slide Number Placeholder 8"/>
           <p:cNvSpPr>
             <a:spLocks noGrp="1"/>
           </p:cNvSpPr>
@@ -2059,7 +3881,7 @@
     </p:spTree>
     <p:extLst>
       <p:ext uri="{BB962C8B-B14F-4D97-AF65-F5344CB8AC3E}">
-        <p14:creationId xmlns:p14="http://schemas.microsoft.com/office/powerpoint/2010/main" val="3168940136"/>
+        <p14:creationId xmlns:p14="http://schemas.microsoft.com/office/powerpoint/2010/main" val="624609356"/>
       </p:ext>
     </p:extLst>
   </p:cSld>
@@ -2096,7 +3918,12 @@
             <p:ph type="title"/>
           </p:nvPr>
         </p:nvSpPr>
-        <p:spPr/>
+        <p:spPr>
+          <a:xfrm>
+            <a:off x="677334" y="609600"/>
+            <a:ext cx="8596668" cy="1320800"/>
+          </a:xfrm>
+        </p:spPr>
         <p:txBody>
           <a:bodyPr/>
           <a:lstStyle/>
@@ -2111,13 +3938,7 @@
       </p:sp>
       <p:sp>
         <p:nvSpPr>
-          <p:cNvPr id="6" name="Date Placeholder 5">
-            <a:extLst>
-              <a:ext uri="{FF2B5EF4-FFF2-40B4-BE49-F238E27FC236}">
-                <a16:creationId xmlns:a16="http://schemas.microsoft.com/office/drawing/2014/main" id="{7392073F-158F-44A3-8913-917AFFC1BC20}"/>
-              </a:ext>
-            </a:extLst>
-          </p:cNvPr>
+          <p:cNvPr id="3" name="Date Placeholder 2"/>
           <p:cNvSpPr>
             <a:spLocks noGrp="1"/>
           </p:cNvSpPr>
@@ -2140,13 +3961,7 @@
       </p:sp>
       <p:sp>
         <p:nvSpPr>
-          <p:cNvPr id="7" name="Footer Placeholder 6">
-            <a:extLst>
-              <a:ext uri="{FF2B5EF4-FFF2-40B4-BE49-F238E27FC236}">
-                <a16:creationId xmlns:a16="http://schemas.microsoft.com/office/drawing/2014/main" id="{EED72207-24CA-42B7-A975-2F8E41CBA904}"/>
-              </a:ext>
-            </a:extLst>
-          </p:cNvPr>
+          <p:cNvPr id="4" name="Footer Placeholder 3"/>
           <p:cNvSpPr>
             <a:spLocks noGrp="1"/>
           </p:cNvSpPr>
@@ -2165,13 +3980,7 @@
       </p:sp>
       <p:sp>
         <p:nvSpPr>
-          <p:cNvPr id="8" name="Slide Number Placeholder 7">
-            <a:extLst>
-              <a:ext uri="{FF2B5EF4-FFF2-40B4-BE49-F238E27FC236}">
-                <a16:creationId xmlns:a16="http://schemas.microsoft.com/office/drawing/2014/main" id="{D01080F2-251A-4B88-9A62-16F46D724F83}"/>
-              </a:ext>
-            </a:extLst>
-          </p:cNvPr>
+          <p:cNvPr id="5" name="Slide Number Placeholder 4"/>
           <p:cNvSpPr>
             <a:spLocks noGrp="1"/>
           </p:cNvSpPr>
@@ -2195,7 +4004,7 @@
     </p:spTree>
     <p:extLst>
       <p:ext uri="{BB962C8B-B14F-4D97-AF65-F5344CB8AC3E}">
-        <p14:creationId xmlns:p14="http://schemas.microsoft.com/office/powerpoint/2010/main" val="4247825805"/>
+        <p14:creationId xmlns:p14="http://schemas.microsoft.com/office/powerpoint/2010/main" val="2407723897"/>
       </p:ext>
     </p:extLst>
   </p:cSld>
@@ -2206,7 +4015,7 @@
 </file>
 
 <file path=ppt/slideLayouts/slideLayout7.xml><?xml version="1.0" encoding="utf-8"?>
-<p:sldLayout xmlns:a="http://schemas.openxmlformats.org/drawingml/2006/main" xmlns:r="http://schemas.openxmlformats.org/officeDocument/2006/relationships" xmlns:p="http://schemas.openxmlformats.org/presentationml/2006/main" showMasterSp="0" type="blank" preserve="1">
+<p:sldLayout xmlns:a="http://schemas.openxmlformats.org/drawingml/2006/main" xmlns:r="http://schemas.openxmlformats.org/officeDocument/2006/relationships" xmlns:p="http://schemas.openxmlformats.org/presentationml/2006/main" type="blank" preserve="1">
   <p:cSld name="Blank">
     <p:spTree>
       <p:nvGrpSpPr>
@@ -2224,57 +4033,7 @@
       </p:grpSpPr>
       <p:sp>
         <p:nvSpPr>
-          <p:cNvPr id="10" name="Rectangle 9">
-            <a:extLst>
-              <a:ext uri="{FF2B5EF4-FFF2-40B4-BE49-F238E27FC236}">
-                <a16:creationId xmlns:a16="http://schemas.microsoft.com/office/drawing/2014/main" id="{A8E9C91B-7EAD-4562-AB0E-DFB9663AECE3}"/>
-              </a:ext>
-            </a:extLst>
-          </p:cNvPr>
-          <p:cNvSpPr/>
-          <p:nvPr/>
-        </p:nvSpPr>
-        <p:spPr>
-          <a:xfrm>
-            <a:off x="3175" y="6400800"/>
-            <a:ext cx="12188825" cy="457200"/>
-          </a:xfrm>
-          <a:prstGeom prst="rect">
-            <a:avLst/>
-          </a:prstGeom>
-          <a:solidFill>
-            <a:srgbClr val="262626"/>
-          </a:solidFill>
-          <a:ln>
-            <a:noFill/>
-          </a:ln>
-        </p:spPr>
-        <p:style>
-          <a:lnRef idx="2">
-            <a:schemeClr val="accent1">
-              <a:shade val="50000"/>
-            </a:schemeClr>
-          </a:lnRef>
-          <a:fillRef idx="1">
-            <a:schemeClr val="accent1"/>
-          </a:fillRef>
-          <a:effectRef idx="0">
-            <a:schemeClr val="accent1"/>
-          </a:effectRef>
-          <a:fontRef idx="minor">
-            <a:schemeClr val="lt1"/>
-          </a:fontRef>
-        </p:style>
-      </p:sp>
-      <p:sp>
-        <p:nvSpPr>
-          <p:cNvPr id="2" name="Date Placeholder 1">
-            <a:extLst>
-              <a:ext uri="{FF2B5EF4-FFF2-40B4-BE49-F238E27FC236}">
-                <a16:creationId xmlns:a16="http://schemas.microsoft.com/office/drawing/2014/main" id="{94E9223F-721F-47BF-9FD5-0F8D12FF0DE1}"/>
-              </a:ext>
-            </a:extLst>
-          </p:cNvPr>
+          <p:cNvPr id="2" name="Date Placeholder 1"/>
           <p:cNvSpPr>
             <a:spLocks noGrp="1"/>
           </p:cNvSpPr>
@@ -2297,13 +4056,7 @@
       </p:sp>
       <p:sp>
         <p:nvSpPr>
-          <p:cNvPr id="3" name="Footer Placeholder 2">
-            <a:extLst>
-              <a:ext uri="{FF2B5EF4-FFF2-40B4-BE49-F238E27FC236}">
-                <a16:creationId xmlns:a16="http://schemas.microsoft.com/office/drawing/2014/main" id="{05915714-6BBA-4593-8591-4E26F7D58D9F}"/>
-              </a:ext>
-            </a:extLst>
-          </p:cNvPr>
+          <p:cNvPr id="3" name="Footer Placeholder 2"/>
           <p:cNvSpPr>
             <a:spLocks noGrp="1"/>
           </p:cNvSpPr>
@@ -2322,13 +4075,7 @@
       </p:sp>
       <p:sp>
         <p:nvSpPr>
-          <p:cNvPr id="4" name="Slide Number Placeholder 3">
-            <a:extLst>
-              <a:ext uri="{FF2B5EF4-FFF2-40B4-BE49-F238E27FC236}">
-                <a16:creationId xmlns:a16="http://schemas.microsoft.com/office/drawing/2014/main" id="{BE06F857-D2E1-44DD-ABDD-EBB739645B67}"/>
-              </a:ext>
-            </a:extLst>
-          </p:cNvPr>
+          <p:cNvPr id="4" name="Slide Number Placeholder 3"/>
           <p:cNvSpPr>
             <a:spLocks noGrp="1"/>
           </p:cNvSpPr>
@@ -2352,7 +4099,7 @@
     </p:spTree>
     <p:extLst>
       <p:ext uri="{BB962C8B-B14F-4D97-AF65-F5344CB8AC3E}">
-        <p14:creationId xmlns:p14="http://schemas.microsoft.com/office/powerpoint/2010/main" val="101549215"/>
+        <p14:creationId xmlns:p14="http://schemas.microsoft.com/office/powerpoint/2010/main" val="3798900812"/>
       </p:ext>
     </p:extLst>
   </p:cSld>
@@ -2363,7 +4110,7 @@
 </file>
 
 <file path=ppt/slideLayouts/slideLayout8.xml><?xml version="1.0" encoding="utf-8"?>
-<p:sldLayout xmlns:a="http://schemas.openxmlformats.org/drawingml/2006/main" xmlns:r="http://schemas.openxmlformats.org/officeDocument/2006/relationships" xmlns:p="http://schemas.openxmlformats.org/presentationml/2006/main" showMasterSp="0" type="objTx" preserve="1">
+<p:sldLayout xmlns:a="http://schemas.openxmlformats.org/drawingml/2006/main" xmlns:r="http://schemas.openxmlformats.org/officeDocument/2006/relationships" xmlns:p="http://schemas.openxmlformats.org/presentationml/2006/main" type="objTx" preserve="1">
   <p:cSld name="Content with Caption">
     <p:spTree>
       <p:nvGrpSpPr>
@@ -2381,62 +4128,18 @@
       </p:grpSpPr>
       <p:sp>
         <p:nvSpPr>
-          <p:cNvPr id="8" name="Rectangle 7">
-            <a:extLst>
-              <a:ext uri="{FF2B5EF4-FFF2-40B4-BE49-F238E27FC236}">
-                <a16:creationId xmlns:a16="http://schemas.microsoft.com/office/drawing/2014/main" id="{16D90D66-BCB9-4229-A829-628874352AC0}"/>
-              </a:ext>
-            </a:extLst>
-          </p:cNvPr>
-          <p:cNvSpPr/>
-          <p:nvPr/>
+          <p:cNvPr id="2" name="Title 1"/>
+          <p:cNvSpPr>
+            <a:spLocks noGrp="1"/>
+          </p:cNvSpPr>
+          <p:nvPr>
+            <p:ph type="title"/>
+          </p:nvPr>
         </p:nvSpPr>
         <p:spPr>
           <a:xfrm>
-            <a:off x="16" y="0"/>
-            <a:ext cx="4654296" cy="6858000"/>
-          </a:xfrm>
-          <a:prstGeom prst="rect">
-            <a:avLst/>
-          </a:prstGeom>
-          <a:solidFill>
-            <a:srgbClr val="262626"/>
-          </a:solidFill>
-          <a:ln>
-            <a:noFill/>
-          </a:ln>
-        </p:spPr>
-        <p:style>
-          <a:lnRef idx="2">
-            <a:schemeClr val="accent1">
-              <a:shade val="50000"/>
-            </a:schemeClr>
-          </a:lnRef>
-          <a:fillRef idx="1">
-            <a:schemeClr val="accent1"/>
-          </a:fillRef>
-          <a:effectRef idx="0">
-            <a:schemeClr val="accent1"/>
-          </a:effectRef>
-          <a:fontRef idx="minor">
-            <a:schemeClr val="lt1"/>
-          </a:fontRef>
-        </p:style>
-      </p:sp>
-      <p:sp>
-        <p:nvSpPr>
-          <p:cNvPr id="2" name="Title 1"/>
-          <p:cNvSpPr>
-            <a:spLocks noGrp="1"/>
-          </p:cNvSpPr>
-          <p:nvPr>
-            <p:ph type="title"/>
-          </p:nvPr>
-        </p:nvSpPr>
-        <p:spPr>
-          <a:xfrm>
-            <a:off x="643466" y="786383"/>
-            <a:ext cx="3517567" cy="2093975"/>
+            <a:off x="677334" y="1498604"/>
+            <a:ext cx="3854528" cy="1278466"/>
           </a:xfrm>
         </p:spPr>
         <p:txBody>
@@ -2445,14 +4148,7 @@
           </a:bodyPr>
           <a:lstStyle>
             <a:lvl1pPr>
-              <a:lnSpc>
-                <a:spcPct val="90000"/>
-              </a:lnSpc>
-              <a:defRPr sz="3600" b="0">
-                <a:solidFill>
-                  <a:srgbClr val="FFFFFF"/>
-                </a:solidFill>
-              </a:defRPr>
+              <a:defRPr sz="2000"/>
             </a:lvl1pPr>
           </a:lstStyle>
           <a:p>
@@ -2476,12 +4172,14 @@
         </p:nvSpPr>
         <p:spPr>
           <a:xfrm>
-            <a:off x="5458984" y="812799"/>
-            <a:ext cx="5928344" cy="5294757"/>
+            <a:off x="4760461" y="514924"/>
+            <a:ext cx="4513541" cy="5526437"/>
           </a:xfrm>
         </p:spPr>
         <p:txBody>
-          <a:bodyPr/>
+          <a:bodyPr>
+            <a:normAutofit/>
+          </a:bodyPr>
           <a:lstStyle/>
           <a:p>
             <a:pPr lvl="0"/>
@@ -2533,54 +4231,50 @@
         </p:nvSpPr>
         <p:spPr>
           <a:xfrm>
-            <a:off x="643465" y="3043050"/>
-            <a:ext cx="3517567" cy="3064505"/>
+            <a:off x="677334" y="2777069"/>
+            <a:ext cx="3854528" cy="2584449"/>
           </a:xfrm>
         </p:spPr>
         <p:txBody>
-          <a:bodyPr lIns="91440" rIns="91440">
+          <a:bodyPr>
             <a:normAutofit/>
           </a:bodyPr>
           <a:lstStyle>
             <a:lvl1pPr marL="0" indent="0">
               <a:buNone/>
-              <a:defRPr sz="1800">
-                <a:solidFill>
-                  <a:srgbClr val="FFFFFF"/>
-                </a:solidFill>
-              </a:defRPr>
+              <a:defRPr sz="1400"/>
             </a:lvl1pPr>
-            <a:lvl2pPr marL="457200" indent="0">
+            <a:lvl2pPr marL="457063" indent="0">
+              <a:buNone/>
+              <a:defRPr sz="1400"/>
+            </a:lvl2pPr>
+            <a:lvl3pPr marL="914126" indent="0">
               <a:buNone/>
               <a:defRPr sz="1200"/>
-            </a:lvl2pPr>
-            <a:lvl3pPr marL="914400" indent="0">
+            </a:lvl3pPr>
+            <a:lvl4pPr marL="1371189" indent="0">
               <a:buNone/>
               <a:defRPr sz="1000"/>
-            </a:lvl3pPr>
-            <a:lvl4pPr marL="1371600" indent="0">
-              <a:buNone/>
-              <a:defRPr sz="900"/>
             </a:lvl4pPr>
-            <a:lvl5pPr marL="1828800" indent="0">
-              <a:buNone/>
-              <a:defRPr sz="900"/>
+            <a:lvl5pPr marL="1828251" indent="0">
+              <a:buNone/>
+              <a:defRPr sz="1000"/>
             </a:lvl5pPr>
-            <a:lvl6pPr marL="2286000" indent="0">
-              <a:buNone/>
-              <a:defRPr sz="900"/>
+            <a:lvl6pPr marL="2285314" indent="0">
+              <a:buNone/>
+              <a:defRPr sz="1000"/>
             </a:lvl6pPr>
-            <a:lvl7pPr marL="2743200" indent="0">
-              <a:buNone/>
-              <a:defRPr sz="900"/>
+            <a:lvl7pPr marL="2742377" indent="0">
+              <a:buNone/>
+              <a:defRPr sz="1000"/>
             </a:lvl7pPr>
-            <a:lvl8pPr marL="3200400" indent="0">
-              <a:buNone/>
-              <a:defRPr sz="900"/>
+            <a:lvl8pPr marL="3199440" indent="0">
+              <a:buNone/>
+              <a:defRPr sz="1000"/>
             </a:lvl8pPr>
-            <a:lvl9pPr marL="3657600" indent="0">
-              <a:buNone/>
-              <a:defRPr sz="900"/>
+            <a:lvl9pPr marL="3656503" indent="0">
+              <a:buNone/>
+              <a:defRPr sz="1000"/>
             </a:lvl9pPr>
           </a:lstStyle>
           <a:p>
@@ -2602,19 +4296,10 @@
             <p:ph type="dt" sz="half" idx="10"/>
           </p:nvPr>
         </p:nvSpPr>
-        <p:spPr>
-          <a:xfrm>
-            <a:off x="643464" y="6446520"/>
-            <a:ext cx="3517568" cy="365125"/>
-          </a:xfrm>
-        </p:spPr>
+        <p:spPr/>
         <p:txBody>
           <a:bodyPr/>
-          <a:lstStyle>
-            <a:lvl1pPr algn="l">
-              <a:defRPr/>
-            </a:lvl1pPr>
-          </a:lstStyle>
+          <a:lstStyle/>
           <a:p>
             <a:fld id="{92BEA474-078D-4E9B-9B14-09A87B19DC46}" type="datetime1">
               <a:rPr lang="en-US" smtClean="0"/>
@@ -2634,23 +4319,10 @@
             <p:ph type="ftr" sz="quarter" idx="11"/>
           </p:nvPr>
         </p:nvSpPr>
-        <p:spPr>
-          <a:xfrm>
-            <a:off x="5458983" y="6446520"/>
-            <a:ext cx="5334019" cy="365125"/>
-          </a:xfrm>
-        </p:spPr>
+        <p:spPr/>
         <p:txBody>
           <a:bodyPr/>
-          <a:lstStyle>
-            <a:lvl1pPr algn="l">
-              <a:defRPr>
-                <a:solidFill>
-                  <a:schemeClr val="tx2"/>
-                </a:solidFill>
-              </a:defRPr>
-            </a:lvl1pPr>
-          </a:lstStyle>
+          <a:lstStyle/>
           <a:p>
             <a:endParaRPr lang="en-US" dirty="0"/>
           </a:p>
@@ -2669,15 +4341,7 @@
         <p:spPr/>
         <p:txBody>
           <a:bodyPr/>
-          <a:lstStyle>
-            <a:lvl1pPr>
-              <a:defRPr>
-                <a:solidFill>
-                  <a:schemeClr val="tx2"/>
-                </a:solidFill>
-              </a:defRPr>
-            </a:lvl1pPr>
-          </a:lstStyle>
+          <a:lstStyle/>
           <a:p>
             <a:fld id="{3A98EE3D-8CD1-4C3F-BD1C-C98C9596463C}" type="slidenum">
               <a:rPr lang="en-US" smtClean="0"/>
@@ -2691,7 +4355,7 @@
     </p:spTree>
     <p:extLst>
       <p:ext uri="{BB962C8B-B14F-4D97-AF65-F5344CB8AC3E}">
-        <p14:creationId xmlns:p14="http://schemas.microsoft.com/office/powerpoint/2010/main" val="3831019678"/>
+        <p14:creationId xmlns:p14="http://schemas.microsoft.com/office/powerpoint/2010/main" val="1897470269"/>
       </p:ext>
     </p:extLst>
   </p:cSld>
@@ -2702,7 +4366,7 @@
 </file>
 
 <file path=ppt/slideLayouts/slideLayout9.xml><?xml version="1.0" encoding="utf-8"?>
-<p:sldLayout xmlns:a="http://schemas.openxmlformats.org/drawingml/2006/main" xmlns:r="http://schemas.openxmlformats.org/officeDocument/2006/relationships" xmlns:p="http://schemas.openxmlformats.org/presentationml/2006/main" showMasterSp="0" type="picTx" preserve="1">
+<p:sldLayout xmlns:a="http://schemas.openxmlformats.org/drawingml/2006/main" xmlns:r="http://schemas.openxmlformats.org/officeDocument/2006/relationships" xmlns:p="http://schemas.openxmlformats.org/presentationml/2006/main" type="picTx" preserve="1">
   <p:cSld name="Picture with Caption">
     <p:spTree>
       <p:nvGrpSpPr>
@@ -2720,47 +4384,37 @@
       </p:grpSpPr>
       <p:sp>
         <p:nvSpPr>
-          <p:cNvPr id="8" name="Rectangle 7">
-            <a:extLst>
-              <a:ext uri="{FF2B5EF4-FFF2-40B4-BE49-F238E27FC236}">
-                <a16:creationId xmlns:a16="http://schemas.microsoft.com/office/drawing/2014/main" id="{DA134939-39C0-4522-A125-A13DFDA66490}"/>
-              </a:ext>
-            </a:extLst>
-          </p:cNvPr>
-          <p:cNvSpPr/>
-          <p:nvPr/>
+          <p:cNvPr id="2" name="Title 1"/>
+          <p:cNvSpPr>
+            <a:spLocks noGrp="1"/>
+          </p:cNvSpPr>
+          <p:nvPr>
+            <p:ph type="title"/>
+          </p:nvPr>
         </p:nvSpPr>
         <p:spPr>
           <a:xfrm>
-            <a:off x="0" y="4578350"/>
-            <a:ext cx="12188825" cy="2279650"/>
+            <a:off x="677334" y="4800600"/>
+            <a:ext cx="8596667" cy="566738"/>
           </a:xfrm>
-          <a:prstGeom prst="rect">
-            <a:avLst/>
-          </a:prstGeom>
-          <a:solidFill>
-            <a:srgbClr val="262626"/>
-          </a:solidFill>
-          <a:ln>
-            <a:noFill/>
-          </a:ln>
         </p:spPr>
-        <p:style>
-          <a:lnRef idx="2">
-            <a:schemeClr val="accent1">
-              <a:shade val="50000"/>
-            </a:schemeClr>
-          </a:lnRef>
-          <a:fillRef idx="1">
-            <a:schemeClr val="accent1"/>
-          </a:fillRef>
-          <a:effectRef idx="0">
-            <a:schemeClr val="accent1"/>
-          </a:effectRef>
-          <a:fontRef idx="minor">
-            <a:schemeClr val="lt1"/>
-          </a:fontRef>
-        </p:style>
+        <p:txBody>
+          <a:bodyPr anchor="b">
+            <a:normAutofit/>
+          </a:bodyPr>
+          <a:lstStyle>
+            <a:lvl1pPr algn="l">
+              <a:defRPr sz="2400" b="0"/>
+            </a:lvl1pPr>
+          </a:lstStyle>
+          <a:p>
+            <a:r>
+              <a:rPr lang="en-US"/>
+              <a:t>Click to edit Master title style</a:t>
+            </a:r>
+            <a:endParaRPr lang="en-US" dirty="0"/>
+          </a:p>
+        </p:txBody>
       </p:sp>
       <p:sp>
         <p:nvSpPr>
@@ -2774,53 +4428,50 @@
         </p:nvSpPr>
         <p:spPr>
           <a:xfrm>
-            <a:off x="15" y="0"/>
-            <a:ext cx="12191985" cy="4578350"/>
+            <a:off x="677334" y="609600"/>
+            <a:ext cx="8596668" cy="3845718"/>
           </a:xfrm>
-          <a:solidFill>
-            <a:schemeClr val="bg1">
-              <a:lumMod val="85000"/>
-            </a:schemeClr>
-          </a:solidFill>
         </p:spPr>
         <p:txBody>
-          <a:bodyPr lIns="457200" tIns="457200" anchor="t"/>
+          <a:bodyPr anchor="t">
+            <a:normAutofit/>
+          </a:bodyPr>
           <a:lstStyle>
-            <a:lvl1pPr marL="0" indent="0">
-              <a:buNone/>
-              <a:defRPr sz="3200"/>
+            <a:lvl1pPr marL="0" indent="0" algn="ctr">
+              <a:buNone/>
+              <a:defRPr sz="1600"/>
             </a:lvl1pPr>
             <a:lvl2pPr marL="457200" indent="0">
               <a:buNone/>
-              <a:defRPr sz="2800"/>
+              <a:defRPr sz="1600"/>
             </a:lvl2pPr>
             <a:lvl3pPr marL="914400" indent="0">
               <a:buNone/>
-              <a:defRPr sz="2400"/>
+              <a:defRPr sz="1600"/>
             </a:lvl3pPr>
             <a:lvl4pPr marL="1371600" indent="0">
               <a:buNone/>
-              <a:defRPr sz="2000"/>
+              <a:defRPr sz="1600"/>
             </a:lvl4pPr>
             <a:lvl5pPr marL="1828800" indent="0">
               <a:buNone/>
-              <a:defRPr sz="2000"/>
+              <a:defRPr sz="1600"/>
             </a:lvl5pPr>
             <a:lvl6pPr marL="2286000" indent="0">
               <a:buNone/>
-              <a:defRPr sz="2000"/>
+              <a:defRPr sz="1600"/>
             </a:lvl6pPr>
             <a:lvl7pPr marL="2743200" indent="0">
               <a:buNone/>
-              <a:defRPr sz="2000"/>
+              <a:defRPr sz="1600"/>
             </a:lvl7pPr>
             <a:lvl8pPr marL="3200400" indent="0">
               <a:buNone/>
-              <a:defRPr sz="2000"/>
+              <a:defRPr sz="1600"/>
             </a:lvl8pPr>
             <a:lvl9pPr marL="3657600" indent="0">
               <a:buNone/>
-              <a:defRPr sz="2000"/>
+              <a:defRPr sz="1600"/>
             </a:lvl9pPr>
           </a:lstStyle>
           <a:p>
@@ -2834,76 +4485,28 @@
       </p:sp>
       <p:sp>
         <p:nvSpPr>
-          <p:cNvPr id="2" name="Title 1"/>
-          <p:cNvSpPr>
-            <a:spLocks noGrp="1"/>
-          </p:cNvSpPr>
-          <p:nvPr>
-            <p:ph type="title"/>
+          <p:cNvPr id="4" name="Text Placeholder 3"/>
+          <p:cNvSpPr>
+            <a:spLocks noGrp="1"/>
+          </p:cNvSpPr>
+          <p:nvPr>
+            <p:ph type="body" sz="half" idx="2"/>
           </p:nvPr>
         </p:nvSpPr>
         <p:spPr>
           <a:xfrm>
-            <a:off x="1097279" y="4799362"/>
-            <a:ext cx="10113645" cy="743682"/>
+            <a:off x="677334" y="5367338"/>
+            <a:ext cx="8596667" cy="674024"/>
           </a:xfrm>
         </p:spPr>
         <p:txBody>
-          <a:bodyPr tIns="0" bIns="0" anchor="b">
-            <a:noAutofit/>
-          </a:bodyPr>
-          <a:lstStyle>
-            <a:lvl1pPr>
-              <a:defRPr sz="3600" b="0">
-                <a:solidFill>
-                  <a:srgbClr val="FFFFFF"/>
-                </a:solidFill>
-              </a:defRPr>
-            </a:lvl1pPr>
-          </a:lstStyle>
-          <a:p>
-            <a:r>
-              <a:rPr lang="en-US"/>
-              <a:t>Click to edit Master title style</a:t>
-            </a:r>
-            <a:endParaRPr lang="en-US" dirty="0"/>
-          </a:p>
-        </p:txBody>
-      </p:sp>
-      <p:sp>
-        <p:nvSpPr>
-          <p:cNvPr id="4" name="Text Placeholder 3"/>
-          <p:cNvSpPr>
-            <a:spLocks noGrp="1"/>
-          </p:cNvSpPr>
-          <p:nvPr>
-            <p:ph type="body" sz="half" idx="2"/>
-          </p:nvPr>
-        </p:nvSpPr>
-        <p:spPr>
-          <a:xfrm>
-            <a:off x="1097279" y="5715000"/>
-            <a:ext cx="10113264" cy="609600"/>
-          </a:xfrm>
-        </p:spPr>
-        <p:txBody>
-          <a:bodyPr lIns="91440" tIns="0" rIns="91440" bIns="0">
+          <a:bodyPr>
             <a:normAutofit/>
           </a:bodyPr>
           <a:lstStyle>
             <a:lvl1pPr marL="0" indent="0">
-              <a:spcBef>
-                <a:spcPts val="0"/>
-              </a:spcBef>
-              <a:spcAft>
-                <a:spcPts val="600"/>
-              </a:spcAft>
-              <a:buNone/>
-              <a:defRPr sz="1800">
-                <a:solidFill>
-                  <a:srgbClr val="FFFFFF"/>
-                </a:solidFill>
-              </a:defRPr>
+              <a:buNone/>
+              <a:defRPr sz="1200"/>
             </a:lvl1pPr>
             <a:lvl2pPr marL="457200" indent="0">
               <a:buNone/>
@@ -2960,11 +4563,7 @@
         <p:spPr/>
         <p:txBody>
           <a:bodyPr/>
-          <a:lstStyle>
-            <a:lvl1pPr>
-              <a:defRPr/>
-            </a:lvl1pPr>
-          </a:lstStyle>
+          <a:lstStyle/>
           <a:p>
             <a:fld id="{4907D986-8816-4272-A432-0437A28A9828}" type="datetime1">
               <a:rPr lang="en-US" smtClean="0"/>
@@ -2984,12 +4583,7 @@
             <p:ph type="ftr" sz="quarter" idx="11"/>
           </p:nvPr>
         </p:nvSpPr>
-        <p:spPr>
-          <a:xfrm>
-            <a:off x="1097279" y="6446838"/>
-            <a:ext cx="6818262" cy="365125"/>
-          </a:xfrm>
-        </p:spPr>
+        <p:spPr/>
         <p:txBody>
           <a:bodyPr/>
           <a:lstStyle/>
@@ -3025,7 +4619,7 @@
     </p:spTree>
     <p:extLst>
       <p:ext uri="{BB962C8B-B14F-4D97-AF65-F5344CB8AC3E}">
-        <p14:creationId xmlns:p14="http://schemas.microsoft.com/office/powerpoint/2010/main" val="3700171537"/>
+        <p14:creationId xmlns:p14="http://schemas.microsoft.com/office/powerpoint/2010/main" val="3678959734"/>
       </p:ext>
     </p:extLst>
   </p:cSld>
@@ -3057,71 +4651,557 @@
           <a:chExt cx="0" cy="0"/>
         </a:xfrm>
       </p:grpSpPr>
-      <p:sp>
-        <p:nvSpPr>
-          <p:cNvPr id="7" name="Rectangle 6">
-            <a:extLst>
-              <a:ext uri="{FF2B5EF4-FFF2-40B4-BE49-F238E27FC236}">
-                <a16:creationId xmlns:a16="http://schemas.microsoft.com/office/drawing/2014/main" id="{416A0E3C-60E6-4F39-BC55-5F7C224E1F7C}"/>
-              </a:ext>
-            </a:extLst>
-          </p:cNvPr>
-          <p:cNvSpPr/>
+      <p:grpSp>
+        <p:nvGrpSpPr>
+          <p:cNvPr id="7" name="Group 6"/>
+          <p:cNvGrpSpPr/>
           <p:nvPr/>
+        </p:nvGrpSpPr>
+        <p:grpSpPr>
+          <a:xfrm>
+            <a:off x="0" y="-8467"/>
+            <a:ext cx="12192000" cy="6866467"/>
+            <a:chOff x="0" y="-8467"/>
+            <a:chExt cx="12192000" cy="6866467"/>
+          </a:xfrm>
+        </p:grpSpPr>
+        <p:cxnSp>
+          <p:nvCxnSpPr>
+            <p:cNvPr id="20" name="Straight Connector 19"/>
+            <p:cNvCxnSpPr/>
+            <p:nvPr/>
+          </p:nvCxnSpPr>
+          <p:spPr>
+            <a:xfrm>
+              <a:off x="9371012" y="0"/>
+              <a:ext cx="1219200" cy="6858000"/>
+            </a:xfrm>
+            <a:prstGeom prst="line">
+              <a:avLst/>
+            </a:prstGeom>
+            <a:ln w="9525">
+              <a:solidFill>
+                <a:schemeClr val="bg1">
+                  <a:lumMod val="75000"/>
+                </a:schemeClr>
+              </a:solidFill>
+            </a:ln>
+          </p:spPr>
+          <p:style>
+            <a:lnRef idx="2">
+              <a:schemeClr val="accent1"/>
+            </a:lnRef>
+            <a:fillRef idx="0">
+              <a:schemeClr val="accent1"/>
+            </a:fillRef>
+            <a:effectRef idx="1">
+              <a:schemeClr val="accent1"/>
+            </a:effectRef>
+            <a:fontRef idx="minor">
+              <a:schemeClr val="tx1"/>
+            </a:fontRef>
+          </p:style>
+        </p:cxnSp>
+        <p:cxnSp>
+          <p:nvCxnSpPr>
+            <p:cNvPr id="21" name="Straight Connector 20"/>
+            <p:cNvCxnSpPr/>
+            <p:nvPr/>
+          </p:nvCxnSpPr>
+          <p:spPr>
+            <a:xfrm flipH="1">
+              <a:off x="7425267" y="3681413"/>
+              <a:ext cx="4763558" cy="3176587"/>
+            </a:xfrm>
+            <a:prstGeom prst="line">
+              <a:avLst/>
+            </a:prstGeom>
+            <a:ln w="9525">
+              <a:solidFill>
+                <a:schemeClr val="bg1">
+                  <a:lumMod val="85000"/>
+                </a:schemeClr>
+              </a:solidFill>
+            </a:ln>
+          </p:spPr>
+          <p:style>
+            <a:lnRef idx="2">
+              <a:schemeClr val="accent1"/>
+            </a:lnRef>
+            <a:fillRef idx="0">
+              <a:schemeClr val="accent1"/>
+            </a:fillRef>
+            <a:effectRef idx="1">
+              <a:schemeClr val="accent1"/>
+            </a:effectRef>
+            <a:fontRef idx="minor">
+              <a:schemeClr val="tx1"/>
+            </a:fontRef>
+          </p:style>
+        </p:cxnSp>
+        <p:sp>
+          <p:nvSpPr>
+            <p:cNvPr id="22" name="Rectangle 23"/>
+            <p:cNvSpPr/>
+            <p:nvPr/>
+          </p:nvSpPr>
+          <p:spPr>
+            <a:xfrm>
+              <a:off x="9181476" y="-8467"/>
+              <a:ext cx="3007349" cy="6866467"/>
+            </a:xfrm>
+            <a:custGeom>
+              <a:avLst/>
+              <a:gdLst/>
+              <a:ahLst/>
+              <a:cxnLst/>
+              <a:rect l="l" t="t" r="r" b="b"/>
+              <a:pathLst>
+                <a:path w="3007349" h="6866467">
+                  <a:moveTo>
+                    <a:pt x="2045532" y="0"/>
+                  </a:moveTo>
+                  <a:lnTo>
+                    <a:pt x="3007349" y="0"/>
+                  </a:lnTo>
+                  <a:lnTo>
+                    <a:pt x="3007349" y="6866467"/>
+                  </a:lnTo>
+                  <a:lnTo>
+                    <a:pt x="0" y="6866467"/>
+                  </a:lnTo>
+                  <a:lnTo>
+                    <a:pt x="2045532" y="0"/>
+                  </a:lnTo>
+                  <a:close/>
+                </a:path>
+              </a:pathLst>
+            </a:custGeom>
+            <a:solidFill>
+              <a:schemeClr val="accent1">
+                <a:alpha val="30000"/>
+              </a:schemeClr>
+            </a:solidFill>
+            <a:ln>
+              <a:noFill/>
+            </a:ln>
+            <a:effectLst/>
+          </p:spPr>
+          <p:style>
+            <a:lnRef idx="1">
+              <a:schemeClr val="accent1"/>
+            </a:lnRef>
+            <a:fillRef idx="3">
+              <a:schemeClr val="accent1"/>
+            </a:fillRef>
+            <a:effectRef idx="2">
+              <a:schemeClr val="accent1"/>
+            </a:effectRef>
+            <a:fontRef idx="minor">
+              <a:schemeClr val="lt1"/>
+            </a:fontRef>
+          </p:style>
+        </p:sp>
+        <p:sp>
+          <p:nvSpPr>
+            <p:cNvPr id="23" name="Rectangle 25"/>
+            <p:cNvSpPr/>
+            <p:nvPr/>
+          </p:nvSpPr>
+          <p:spPr>
+            <a:xfrm>
+              <a:off x="9603442" y="-8467"/>
+              <a:ext cx="2588558" cy="6866467"/>
+            </a:xfrm>
+            <a:custGeom>
+              <a:avLst/>
+              <a:gdLst/>
+              <a:ahLst/>
+              <a:cxnLst/>
+              <a:rect l="l" t="t" r="r" b="b"/>
+              <a:pathLst>
+                <a:path w="2573311" h="6866467">
+                  <a:moveTo>
+                    <a:pt x="0" y="0"/>
+                  </a:moveTo>
+                  <a:lnTo>
+                    <a:pt x="2573311" y="0"/>
+                  </a:lnTo>
+                  <a:lnTo>
+                    <a:pt x="2573311" y="6866467"/>
+                  </a:lnTo>
+                  <a:lnTo>
+                    <a:pt x="1202336" y="6866467"/>
+                  </a:lnTo>
+                  <a:lnTo>
+                    <a:pt x="0" y="0"/>
+                  </a:lnTo>
+                  <a:close/>
+                </a:path>
+              </a:pathLst>
+            </a:custGeom>
+            <a:solidFill>
+              <a:schemeClr val="accent1">
+                <a:alpha val="20000"/>
+              </a:schemeClr>
+            </a:solidFill>
+            <a:ln>
+              <a:noFill/>
+            </a:ln>
+            <a:effectLst/>
+          </p:spPr>
+          <p:style>
+            <a:lnRef idx="1">
+              <a:schemeClr val="accent1"/>
+            </a:lnRef>
+            <a:fillRef idx="3">
+              <a:schemeClr val="accent1"/>
+            </a:fillRef>
+            <a:effectRef idx="2">
+              <a:schemeClr val="accent1"/>
+            </a:effectRef>
+            <a:fontRef idx="minor">
+              <a:schemeClr val="lt1"/>
+            </a:fontRef>
+          </p:style>
+        </p:sp>
+        <p:sp>
+          <p:nvSpPr>
+            <p:cNvPr id="24" name="Isosceles Triangle 23"/>
+            <p:cNvSpPr/>
+            <p:nvPr/>
+          </p:nvSpPr>
+          <p:spPr>
+            <a:xfrm>
+              <a:off x="8932333" y="3048000"/>
+              <a:ext cx="3259667" cy="3810000"/>
+            </a:xfrm>
+            <a:prstGeom prst="triangle">
+              <a:avLst>
+                <a:gd name="adj" fmla="val 100000"/>
+              </a:avLst>
+            </a:prstGeom>
+            <a:solidFill>
+              <a:schemeClr val="accent2">
+                <a:alpha val="72000"/>
+              </a:schemeClr>
+            </a:solidFill>
+            <a:ln>
+              <a:noFill/>
+            </a:ln>
+            <a:effectLst/>
+          </p:spPr>
+          <p:style>
+            <a:lnRef idx="1">
+              <a:schemeClr val="accent1"/>
+            </a:lnRef>
+            <a:fillRef idx="3">
+              <a:schemeClr val="accent1"/>
+            </a:fillRef>
+            <a:effectRef idx="2">
+              <a:schemeClr val="accent1"/>
+            </a:effectRef>
+            <a:fontRef idx="minor">
+              <a:schemeClr val="lt1"/>
+            </a:fontRef>
+          </p:style>
+        </p:sp>
+        <p:sp>
+          <p:nvSpPr>
+            <p:cNvPr id="25" name="Rectangle 27"/>
+            <p:cNvSpPr/>
+            <p:nvPr/>
+          </p:nvSpPr>
+          <p:spPr>
+            <a:xfrm>
+              <a:off x="9334500" y="-8467"/>
+              <a:ext cx="2854326" cy="6866467"/>
+            </a:xfrm>
+            <a:custGeom>
+              <a:avLst/>
+              <a:gdLst/>
+              <a:ahLst/>
+              <a:cxnLst/>
+              <a:rect l="l" t="t" r="r" b="b"/>
+              <a:pathLst>
+                <a:path w="2858013" h="6866467">
+                  <a:moveTo>
+                    <a:pt x="0" y="0"/>
+                  </a:moveTo>
+                  <a:lnTo>
+                    <a:pt x="2858013" y="0"/>
+                  </a:lnTo>
+                  <a:lnTo>
+                    <a:pt x="2858013" y="6866467"/>
+                  </a:lnTo>
+                  <a:lnTo>
+                    <a:pt x="2473942" y="6866467"/>
+                  </a:lnTo>
+                  <a:lnTo>
+                    <a:pt x="0" y="0"/>
+                  </a:lnTo>
+                  <a:close/>
+                </a:path>
+              </a:pathLst>
+            </a:custGeom>
+            <a:solidFill>
+              <a:schemeClr val="accent2">
+                <a:lumMod val="75000"/>
+                <a:alpha val="70000"/>
+              </a:schemeClr>
+            </a:solidFill>
+            <a:ln>
+              <a:noFill/>
+            </a:ln>
+            <a:effectLst/>
+          </p:spPr>
+          <p:style>
+            <a:lnRef idx="1">
+              <a:schemeClr val="accent1"/>
+            </a:lnRef>
+            <a:fillRef idx="3">
+              <a:schemeClr val="accent1"/>
+            </a:fillRef>
+            <a:effectRef idx="2">
+              <a:schemeClr val="accent1"/>
+            </a:effectRef>
+            <a:fontRef idx="minor">
+              <a:schemeClr val="lt1"/>
+            </a:fontRef>
+          </p:style>
+        </p:sp>
+        <p:sp>
+          <p:nvSpPr>
+            <p:cNvPr id="26" name="Rectangle 28"/>
+            <p:cNvSpPr/>
+            <p:nvPr/>
+          </p:nvSpPr>
+          <p:spPr>
+            <a:xfrm>
+              <a:off x="10898730" y="-8467"/>
+              <a:ext cx="1290094" cy="6866467"/>
+            </a:xfrm>
+            <a:custGeom>
+              <a:avLst/>
+              <a:gdLst/>
+              <a:ahLst/>
+              <a:cxnLst/>
+              <a:rect l="l" t="t" r="r" b="b"/>
+              <a:pathLst>
+                <a:path w="1290094" h="6858000">
+                  <a:moveTo>
+                    <a:pt x="1019735" y="0"/>
+                  </a:moveTo>
+                  <a:lnTo>
+                    <a:pt x="1290094" y="0"/>
+                  </a:lnTo>
+                  <a:lnTo>
+                    <a:pt x="1290094" y="6858000"/>
+                  </a:lnTo>
+                  <a:lnTo>
+                    <a:pt x="0" y="6858000"/>
+                  </a:lnTo>
+                  <a:lnTo>
+                    <a:pt x="1019735" y="0"/>
+                  </a:lnTo>
+                  <a:close/>
+                </a:path>
+              </a:pathLst>
+            </a:custGeom>
+            <a:solidFill>
+              <a:schemeClr val="accent1">
+                <a:lumMod val="60000"/>
+                <a:lumOff val="40000"/>
+                <a:alpha val="70000"/>
+              </a:schemeClr>
+            </a:solidFill>
+            <a:ln>
+              <a:noFill/>
+            </a:ln>
+            <a:effectLst/>
+          </p:spPr>
+          <p:style>
+            <a:lnRef idx="1">
+              <a:schemeClr val="accent1"/>
+            </a:lnRef>
+            <a:fillRef idx="3">
+              <a:schemeClr val="accent1"/>
+            </a:fillRef>
+            <a:effectRef idx="2">
+              <a:schemeClr val="accent1"/>
+            </a:effectRef>
+            <a:fontRef idx="minor">
+              <a:schemeClr val="lt1"/>
+            </a:fontRef>
+          </p:style>
+        </p:sp>
+        <p:sp>
+          <p:nvSpPr>
+            <p:cNvPr id="27" name="Rectangle 29"/>
+            <p:cNvSpPr/>
+            <p:nvPr/>
+          </p:nvSpPr>
+          <p:spPr>
+            <a:xfrm>
+              <a:off x="10938999" y="-8467"/>
+              <a:ext cx="1249825" cy="6866467"/>
+            </a:xfrm>
+            <a:custGeom>
+              <a:avLst/>
+              <a:gdLst/>
+              <a:ahLst/>
+              <a:cxnLst/>
+              <a:rect l="l" t="t" r="r" b="b"/>
+              <a:pathLst>
+                <a:path w="1249825" h="6858000">
+                  <a:moveTo>
+                    <a:pt x="0" y="0"/>
+                  </a:moveTo>
+                  <a:lnTo>
+                    <a:pt x="1249825" y="0"/>
+                  </a:lnTo>
+                  <a:lnTo>
+                    <a:pt x="1249825" y="6858000"/>
+                  </a:lnTo>
+                  <a:lnTo>
+                    <a:pt x="1109382" y="6858000"/>
+                  </a:lnTo>
+                  <a:lnTo>
+                    <a:pt x="0" y="0"/>
+                  </a:lnTo>
+                  <a:close/>
+                </a:path>
+              </a:pathLst>
+            </a:custGeom>
+            <a:solidFill>
+              <a:schemeClr val="accent1">
+                <a:alpha val="65000"/>
+              </a:schemeClr>
+            </a:solidFill>
+            <a:ln>
+              <a:noFill/>
+            </a:ln>
+            <a:effectLst/>
+          </p:spPr>
+          <p:style>
+            <a:lnRef idx="1">
+              <a:schemeClr val="accent1"/>
+            </a:lnRef>
+            <a:fillRef idx="3">
+              <a:schemeClr val="accent1"/>
+            </a:fillRef>
+            <a:effectRef idx="2">
+              <a:schemeClr val="accent1"/>
+            </a:effectRef>
+            <a:fontRef idx="minor">
+              <a:schemeClr val="lt1"/>
+            </a:fontRef>
+          </p:style>
+        </p:sp>
+        <p:sp>
+          <p:nvSpPr>
+            <p:cNvPr id="28" name="Isosceles Triangle 27"/>
+            <p:cNvSpPr/>
+            <p:nvPr/>
+          </p:nvSpPr>
+          <p:spPr>
+            <a:xfrm>
+              <a:off x="10371666" y="3589867"/>
+              <a:ext cx="1817159" cy="3268133"/>
+            </a:xfrm>
+            <a:prstGeom prst="triangle">
+              <a:avLst>
+                <a:gd name="adj" fmla="val 100000"/>
+              </a:avLst>
+            </a:prstGeom>
+            <a:solidFill>
+              <a:schemeClr val="accent1">
+                <a:alpha val="80000"/>
+              </a:schemeClr>
+            </a:solidFill>
+            <a:ln>
+              <a:noFill/>
+            </a:ln>
+            <a:effectLst/>
+          </p:spPr>
+          <p:style>
+            <a:lnRef idx="1">
+              <a:schemeClr val="accent1"/>
+            </a:lnRef>
+            <a:fillRef idx="3">
+              <a:schemeClr val="accent1"/>
+            </a:fillRef>
+            <a:effectRef idx="2">
+              <a:schemeClr val="accent1"/>
+            </a:effectRef>
+            <a:fontRef idx="minor">
+              <a:schemeClr val="lt1"/>
+            </a:fontRef>
+          </p:style>
+        </p:sp>
+        <p:sp>
+          <p:nvSpPr>
+            <p:cNvPr id="29" name="Isosceles Triangle 28"/>
+            <p:cNvSpPr/>
+            <p:nvPr/>
+          </p:nvSpPr>
+          <p:spPr>
+            <a:xfrm>
+              <a:off x="0" y="4013200"/>
+              <a:ext cx="448733" cy="2844800"/>
+            </a:xfrm>
+            <a:prstGeom prst="triangle">
+              <a:avLst>
+                <a:gd name="adj" fmla="val 0"/>
+              </a:avLst>
+            </a:prstGeom>
+            <a:solidFill>
+              <a:schemeClr val="accent1">
+                <a:alpha val="85000"/>
+              </a:schemeClr>
+            </a:solidFill>
+            <a:ln>
+              <a:noFill/>
+            </a:ln>
+            <a:effectLst/>
+          </p:spPr>
+          <p:style>
+            <a:lnRef idx="1">
+              <a:schemeClr val="accent1"/>
+            </a:lnRef>
+            <a:fillRef idx="3">
+              <a:schemeClr val="accent1"/>
+            </a:fillRef>
+            <a:effectRef idx="2">
+              <a:schemeClr val="accent1"/>
+            </a:effectRef>
+            <a:fontRef idx="minor">
+              <a:schemeClr val="lt1"/>
+            </a:fontRef>
+          </p:style>
+        </p:sp>
+      </p:grpSp>
+      <p:sp>
+        <p:nvSpPr>
+          <p:cNvPr id="2" name="Title Placeholder 1"/>
+          <p:cNvSpPr>
+            <a:spLocks noGrp="1"/>
+          </p:cNvSpPr>
+          <p:nvPr>
+            <p:ph type="title"/>
+          </p:nvPr>
         </p:nvSpPr>
         <p:spPr>
           <a:xfrm>
-            <a:off x="3175" y="6400800"/>
-            <a:ext cx="12188825" cy="457200"/>
-          </a:xfrm>
-          <a:prstGeom prst="rect">
-            <a:avLst/>
-          </a:prstGeom>
-          <a:solidFill>
-            <a:srgbClr val="262626"/>
-          </a:solidFill>
-          <a:ln>
-            <a:noFill/>
-          </a:ln>
-        </p:spPr>
-        <p:style>
-          <a:lnRef idx="2">
-            <a:schemeClr val="accent1">
-              <a:shade val="50000"/>
-            </a:schemeClr>
-          </a:lnRef>
-          <a:fillRef idx="1">
-            <a:schemeClr val="accent1"/>
-          </a:fillRef>
-          <a:effectRef idx="0">
-            <a:schemeClr val="accent1"/>
-          </a:effectRef>
-          <a:fontRef idx="minor">
-            <a:schemeClr val="lt1"/>
-          </a:fontRef>
-        </p:style>
-      </p:sp>
-      <p:sp>
-        <p:nvSpPr>
-          <p:cNvPr id="2" name="Title Placeholder 1"/>
-          <p:cNvSpPr>
-            <a:spLocks noGrp="1"/>
-          </p:cNvSpPr>
-          <p:nvPr>
-            <p:ph type="title"/>
-          </p:nvPr>
-        </p:nvSpPr>
-        <p:spPr>
-          <a:xfrm>
-            <a:off x="1097280" y="286603"/>
-            <a:ext cx="10058400" cy="1450757"/>
+            <a:off x="677334" y="609600"/>
+            <a:ext cx="8596668" cy="1320800"/>
           </a:xfrm>
           <a:prstGeom prst="rect">
             <a:avLst/>
           </a:prstGeom>
         </p:spPr>
         <p:txBody>
-          <a:bodyPr vert="horz" lIns="91440" tIns="45720" rIns="91440" bIns="45720" rtlCol="0" anchor="b">
+          <a:bodyPr vert="horz" lIns="91440" tIns="45720" rIns="91440" bIns="45720" rtlCol="0" anchor="t">
             <a:normAutofit/>
           </a:bodyPr>
           <a:lstStyle/>
@@ -3146,15 +5226,15 @@
         </p:nvSpPr>
         <p:spPr>
           <a:xfrm>
-            <a:off x="1097280" y="2108201"/>
-            <a:ext cx="10058400" cy="3760891"/>
+            <a:off x="677334" y="2160589"/>
+            <a:ext cx="8596668" cy="3880773"/>
           </a:xfrm>
           <a:prstGeom prst="rect">
             <a:avLst/>
           </a:prstGeom>
         </p:spPr>
         <p:txBody>
-          <a:bodyPr vert="horz" lIns="0" tIns="45720" rIns="0" bIns="45720" rtlCol="0">
+          <a:bodyPr vert="horz" lIns="91440" tIns="45720" rIns="91440" bIns="45720" rtlCol="0">
             <a:normAutofit/>
           </a:bodyPr>
           <a:lstStyle/>
@@ -3208,8 +5288,8 @@
         </p:nvSpPr>
         <p:spPr>
           <a:xfrm>
-            <a:off x="8218426" y="6446838"/>
-            <a:ext cx="2584850" cy="365125"/>
+            <a:off x="7205133" y="6041362"/>
+            <a:ext cx="911939" cy="365125"/>
           </a:xfrm>
           <a:prstGeom prst="rect">
             <a:avLst/>
@@ -3219,9 +5299,11 @@
           <a:bodyPr vert="horz" lIns="91440" tIns="45720" rIns="91440" bIns="45720" rtlCol="0" anchor="ctr"/>
           <a:lstStyle>
             <a:lvl1pPr algn="r">
-              <a:defRPr sz="800">
+              <a:defRPr sz="900">
                 <a:solidFill>
-                  <a:srgbClr val="FFFFFF"/>
+                  <a:schemeClr val="tx1">
+                    <a:tint val="75000"/>
+                  </a:schemeClr>
                 </a:solidFill>
               </a:defRPr>
             </a:lvl1pPr>
@@ -3247,8 +5329,8 @@
         </p:nvSpPr>
         <p:spPr>
           <a:xfrm>
-            <a:off x="1097279" y="6446838"/>
-            <a:ext cx="6818262" cy="365125"/>
+            <a:off x="677334" y="6041362"/>
+            <a:ext cx="6297612" cy="365125"/>
           </a:xfrm>
           <a:prstGeom prst="rect">
             <a:avLst/>
@@ -3258,9 +5340,11 @@
           <a:bodyPr vert="horz" lIns="91440" tIns="45720" rIns="91440" bIns="45720" rtlCol="0" anchor="ctr"/>
           <a:lstStyle>
             <a:lvl1pPr algn="l">
-              <a:defRPr sz="800" cap="all" baseline="0">
+              <a:defRPr sz="900">
                 <a:solidFill>
-                  <a:srgbClr val="FFFFFF"/>
+                  <a:schemeClr val="tx1">
+                    <a:tint val="75000"/>
+                  </a:schemeClr>
                 </a:solidFill>
               </a:defRPr>
             </a:lvl1pPr>
@@ -3282,8 +5366,8 @@
         </p:nvSpPr>
         <p:spPr>
           <a:xfrm>
-            <a:off x="10993582" y="6446838"/>
-            <a:ext cx="780010" cy="365125"/>
+            <a:off x="8590663" y="6041362"/>
+            <a:ext cx="683339" cy="365125"/>
           </a:xfrm>
           <a:prstGeom prst="rect">
             <a:avLst/>
@@ -3292,10 +5376,10 @@
         <p:txBody>
           <a:bodyPr vert="horz" lIns="91440" tIns="45720" rIns="91440" bIns="45720" rtlCol="0" anchor="ctr"/>
           <a:lstStyle>
-            <a:lvl1pPr algn="l">
-              <a:defRPr sz="800">
+            <a:lvl1pPr algn="r">
+              <a:defRPr sz="900">
                 <a:solidFill>
-                  <a:srgbClr val="FFFFFF"/>
+                  <a:schemeClr val="accent1"/>
                 </a:solidFill>
               </a:defRPr>
             </a:lvl1pPr>
@@ -3309,112 +5393,120 @@
           </a:p>
         </p:txBody>
       </p:sp>
-      <p:cxnSp>
-        <p:nvCxnSpPr>
-          <p:cNvPr id="10" name="Straight Connector 9">
-            <a:extLst>
-              <a:ext uri="{FF2B5EF4-FFF2-40B4-BE49-F238E27FC236}">
-                <a16:creationId xmlns:a16="http://schemas.microsoft.com/office/drawing/2014/main" id="{C5025DAC-8B93-4160-B017-3A274A5828C0}"/>
-              </a:ext>
-            </a:extLst>
-          </p:cNvPr>
-          <p:cNvCxnSpPr/>
-          <p:nvPr/>
-        </p:nvCxnSpPr>
-        <p:spPr>
-          <a:xfrm>
-            <a:off x="1193532" y="1897380"/>
-            <a:ext cx="9966960" cy="0"/>
-          </a:xfrm>
-          <a:prstGeom prst="line">
-            <a:avLst/>
-          </a:prstGeom>
-          <a:ln w="12700">
-            <a:solidFill>
-              <a:schemeClr val="tx1">
-                <a:lumMod val="75000"/>
-                <a:lumOff val="25000"/>
-              </a:schemeClr>
-            </a:solidFill>
-          </a:ln>
-        </p:spPr>
-        <p:style>
-          <a:lnRef idx="1">
-            <a:schemeClr val="accent1"/>
-          </a:lnRef>
-          <a:fillRef idx="0">
-            <a:schemeClr val="accent1"/>
-          </a:fillRef>
-          <a:effectRef idx="0">
-            <a:schemeClr val="accent1"/>
-          </a:effectRef>
-          <a:fontRef idx="minor">
-            <a:schemeClr val="tx1"/>
-          </a:fontRef>
-        </p:style>
-      </p:cxnSp>
     </p:spTree>
     <p:extLst>
       <p:ext uri="{BB962C8B-B14F-4D97-AF65-F5344CB8AC3E}">
-        <p14:creationId xmlns:p14="http://schemas.microsoft.com/office/powerpoint/2010/main" val="2746346562"/>
+        <p14:creationId xmlns:p14="http://schemas.microsoft.com/office/powerpoint/2010/main" val="1884365698"/>
       </p:ext>
     </p:extLst>
   </p:cSld>
   <p:clrMap bg1="lt1" tx1="dk1" bg2="lt2" tx2="dk2" accent1="accent1" accent2="accent2" accent3="accent3" accent4="accent4" accent5="accent5" accent6="accent6" hlink="hlink" folHlink="folHlink"/>
   <p:sldLayoutIdLst>
-    <p:sldLayoutId id="2147483757" r:id="rId1"/>
-    <p:sldLayoutId id="2147483758" r:id="rId2"/>
-    <p:sldLayoutId id="2147483759" r:id="rId3"/>
-    <p:sldLayoutId id="2147483760" r:id="rId4"/>
-    <p:sldLayoutId id="2147483767" r:id="rId5"/>
-    <p:sldLayoutId id="2147483761" r:id="rId6"/>
-    <p:sldLayoutId id="2147483762" r:id="rId7"/>
-    <p:sldLayoutId id="2147483763" r:id="rId8"/>
-    <p:sldLayoutId id="2147483766" r:id="rId9"/>
-    <p:sldLayoutId id="2147483764" r:id="rId10"/>
-    <p:sldLayoutId id="2147483765" r:id="rId11"/>
+    <p:sldLayoutId id="2147483770" r:id="rId1"/>
+    <p:sldLayoutId id="2147483771" r:id="rId2"/>
+    <p:sldLayoutId id="2147483772" r:id="rId3"/>
+    <p:sldLayoutId id="2147483773" r:id="rId4"/>
+    <p:sldLayoutId id="2147483774" r:id="rId5"/>
+    <p:sldLayoutId id="2147483775" r:id="rId6"/>
+    <p:sldLayoutId id="2147483776" r:id="rId7"/>
+    <p:sldLayoutId id="2147483777" r:id="rId8"/>
+    <p:sldLayoutId id="2147483778" r:id="rId9"/>
+    <p:sldLayoutId id="2147483779" r:id="rId10"/>
+    <p:sldLayoutId id="2147483780" r:id="rId11"/>
+    <p:sldLayoutId id="2147483781" r:id="rId12"/>
+    <p:sldLayoutId id="2147483782" r:id="rId13"/>
+    <p:sldLayoutId id="2147483783" r:id="rId14"/>
+    <p:sldLayoutId id="2147483784" r:id="rId15"/>
+    <p:sldLayoutId id="2147483785" r:id="rId16"/>
   </p:sldLayoutIdLst>
   <p:hf sldNum="0" hdr="0" ftr="0" dt="0"/>
   <p:txStyles>
     <p:titleStyle>
-      <a:lvl1pPr algn="l" defTabSz="914400" rtl="0" eaLnBrk="1" latinLnBrk="0" hangingPunct="1">
-        <a:lnSpc>
-          <a:spcPct val="90000"/>
-        </a:lnSpc>
+      <a:lvl1pPr algn="l" defTabSz="457200" rtl="0" eaLnBrk="1" latinLnBrk="0" hangingPunct="1">
         <a:spcBef>
           <a:spcPct val="0"/>
         </a:spcBef>
         <a:buNone/>
-        <a:defRPr sz="5500" i="0" kern="1200" spc="-50" baseline="0">
+        <a:defRPr sz="3600" kern="1200">
           <a:solidFill>
-            <a:schemeClr val="tx1">
-              <a:lumMod val="75000"/>
-              <a:lumOff val="25000"/>
-            </a:schemeClr>
+            <a:schemeClr val="accent1"/>
           </a:solidFill>
           <a:latin typeface="+mj-lt"/>
           <a:ea typeface="+mj-ea"/>
           <a:cs typeface="+mj-cs"/>
         </a:defRPr>
       </a:lvl1pPr>
+      <a:lvl2pPr eaLnBrk="1" hangingPunct="1">
+        <a:defRPr>
+          <a:solidFill>
+            <a:schemeClr val="tx2"/>
+          </a:solidFill>
+        </a:defRPr>
+      </a:lvl2pPr>
+      <a:lvl3pPr eaLnBrk="1" hangingPunct="1">
+        <a:defRPr>
+          <a:solidFill>
+            <a:schemeClr val="tx2"/>
+          </a:solidFill>
+        </a:defRPr>
+      </a:lvl3pPr>
+      <a:lvl4pPr eaLnBrk="1" hangingPunct="1">
+        <a:defRPr>
+          <a:solidFill>
+            <a:schemeClr val="tx2"/>
+          </a:solidFill>
+        </a:defRPr>
+      </a:lvl4pPr>
+      <a:lvl5pPr eaLnBrk="1" hangingPunct="1">
+        <a:defRPr>
+          <a:solidFill>
+            <a:schemeClr val="tx2"/>
+          </a:solidFill>
+        </a:defRPr>
+      </a:lvl5pPr>
+      <a:lvl6pPr eaLnBrk="1" hangingPunct="1">
+        <a:defRPr>
+          <a:solidFill>
+            <a:schemeClr val="tx2"/>
+          </a:solidFill>
+        </a:defRPr>
+      </a:lvl6pPr>
+      <a:lvl7pPr eaLnBrk="1" hangingPunct="1">
+        <a:defRPr>
+          <a:solidFill>
+            <a:schemeClr val="tx2"/>
+          </a:solidFill>
+        </a:defRPr>
+      </a:lvl7pPr>
+      <a:lvl8pPr eaLnBrk="1" hangingPunct="1">
+        <a:defRPr>
+          <a:solidFill>
+            <a:schemeClr val="tx2"/>
+          </a:solidFill>
+        </a:defRPr>
+      </a:lvl8pPr>
+      <a:lvl9pPr eaLnBrk="1" hangingPunct="1">
+        <a:defRPr>
+          <a:solidFill>
+            <a:schemeClr val="tx2"/>
+          </a:solidFill>
+        </a:defRPr>
+      </a:lvl9pPr>
     </p:titleStyle>
     <p:bodyStyle>
-      <a:lvl1pPr marL="91440" indent="-91440" algn="l" defTabSz="914400" rtl="0" eaLnBrk="1" latinLnBrk="0" hangingPunct="1">
-        <a:lnSpc>
-          <a:spcPct val="120000"/>
-        </a:lnSpc>
+      <a:lvl1pPr marL="342900" indent="-342900" algn="l" defTabSz="457200" rtl="0" eaLnBrk="1" latinLnBrk="0" hangingPunct="1">
         <a:spcBef>
-          <a:spcPts val="1200"/>
+          <a:spcPts val="1000"/>
         </a:spcBef>
         <a:spcAft>
-          <a:spcPts val="200"/>
+          <a:spcPts val="0"/>
         </a:spcAft>
         <a:buClr>
           <a:schemeClr val="accent1"/>
         </a:buClr>
-        <a:buSzPct val="100000"/>
-        <a:buFont typeface="Calibri" panose="020F0502020204030204" pitchFamily="34" charset="0"/>
-        <a:buChar char=" "/>
+        <a:buSzPct val="80000"/>
+        <a:buFont typeface="Wingdings 3" charset="2"/>
+        <a:buChar char=""/>
         <a:defRPr sz="1800" kern="1200">
           <a:solidFill>
             <a:schemeClr val="tx1">
@@ -3427,19 +5519,19 @@
           <a:cs typeface="+mn-cs"/>
         </a:defRPr>
       </a:lvl1pPr>
-      <a:lvl2pPr marL="384048" indent="-182880" algn="l" defTabSz="914400" rtl="0" eaLnBrk="1" latinLnBrk="0" hangingPunct="1">
-        <a:lnSpc>
-          <a:spcPct val="100000"/>
-        </a:lnSpc>
+      <a:lvl2pPr marL="742950" indent="-285750" algn="l" defTabSz="457200" rtl="0" eaLnBrk="1" latinLnBrk="0" hangingPunct="1">
         <a:spcBef>
-          <a:spcPts val="200"/>
+          <a:spcPts val="1000"/>
         </a:spcBef>
         <a:spcAft>
-          <a:spcPts val="400"/>
+          <a:spcPts val="0"/>
         </a:spcAft>
-        <a:buClrTx/>
-        <a:buFont typeface="Calibri" pitchFamily="34" charset="0"/>
-        <a:buChar char="◦"/>
+        <a:buClr>
+          <a:schemeClr val="accent1"/>
+        </a:buClr>
+        <a:buSzPct val="80000"/>
+        <a:buFont typeface="Wingdings 3" charset="2"/>
+        <a:buChar char=""/>
         <a:defRPr sz="1600" kern="1200">
           <a:solidFill>
             <a:schemeClr val="tx1">
@@ -3452,20 +5544,20 @@
           <a:cs typeface="+mn-cs"/>
         </a:defRPr>
       </a:lvl2pPr>
-      <a:lvl3pPr marL="566928" indent="-182880" algn="l" defTabSz="914400" rtl="0" eaLnBrk="1" latinLnBrk="0" hangingPunct="1">
-        <a:lnSpc>
-          <a:spcPct val="100000"/>
-        </a:lnSpc>
+      <a:lvl3pPr marL="1143000" indent="-228600" algn="l" defTabSz="457200" rtl="0" eaLnBrk="1" latinLnBrk="0" hangingPunct="1">
         <a:spcBef>
-          <a:spcPts val="200"/>
+          <a:spcPts val="1000"/>
         </a:spcBef>
         <a:spcAft>
-          <a:spcPts val="400"/>
+          <a:spcPts val="0"/>
         </a:spcAft>
-        <a:buClrTx/>
-        <a:buFont typeface="Calibri" pitchFamily="34" charset="0"/>
-        <a:buChar char="◦"/>
-        <a:defRPr sz="1200" kern="1200">
+        <a:buClr>
+          <a:schemeClr val="accent1"/>
+        </a:buClr>
+        <a:buSzPct val="80000"/>
+        <a:buFont typeface="Wingdings 3" charset="2"/>
+        <a:buChar char=""/>
+        <a:defRPr sz="1400" kern="1200">
           <a:solidFill>
             <a:schemeClr val="tx1">
               <a:lumMod val="75000"/>
@@ -3477,19 +5569,19 @@
           <a:cs typeface="+mn-cs"/>
         </a:defRPr>
       </a:lvl3pPr>
-      <a:lvl4pPr marL="749808" indent="-182880" algn="l" defTabSz="914400" rtl="0" eaLnBrk="1" latinLnBrk="0" hangingPunct="1">
-        <a:lnSpc>
-          <a:spcPct val="100000"/>
-        </a:lnSpc>
+      <a:lvl4pPr marL="1600200" indent="-228600" algn="l" defTabSz="457200" rtl="0" eaLnBrk="1" latinLnBrk="0" hangingPunct="1">
         <a:spcBef>
-          <a:spcPts val="200"/>
+          <a:spcPts val="1000"/>
         </a:spcBef>
         <a:spcAft>
-          <a:spcPts val="400"/>
+          <a:spcPts val="0"/>
         </a:spcAft>
-        <a:buClrTx/>
-        <a:buFont typeface="Calibri" pitchFamily="34" charset="0"/>
-        <a:buChar char="◦"/>
+        <a:buClr>
+          <a:schemeClr val="accent1"/>
+        </a:buClr>
+        <a:buSzPct val="80000"/>
+        <a:buFont typeface="Wingdings 3" charset="2"/>
+        <a:buChar char=""/>
         <a:defRPr sz="1200" kern="1200">
           <a:solidFill>
             <a:schemeClr val="tx1">
@@ -3502,19 +5594,19 @@
           <a:cs typeface="+mn-cs"/>
         </a:defRPr>
       </a:lvl4pPr>
-      <a:lvl5pPr marL="932688" indent="-182880" algn="l" defTabSz="914400" rtl="0" eaLnBrk="1" latinLnBrk="0" hangingPunct="1">
-        <a:lnSpc>
-          <a:spcPct val="100000"/>
-        </a:lnSpc>
+      <a:lvl5pPr marL="2057400" indent="-228600" algn="l" defTabSz="457200" rtl="0" eaLnBrk="1" latinLnBrk="0" hangingPunct="1">
         <a:spcBef>
-          <a:spcPts val="200"/>
+          <a:spcPts val="1000"/>
         </a:spcBef>
         <a:spcAft>
-          <a:spcPts val="400"/>
+          <a:spcPts val="0"/>
         </a:spcAft>
-        <a:buClrTx/>
-        <a:buFont typeface="Calibri" pitchFamily="34" charset="0"/>
-        <a:buChar char="◦"/>
+        <a:buClr>
+          <a:schemeClr val="accent1"/>
+        </a:buClr>
+        <a:buSzPct val="80000"/>
+        <a:buFont typeface="Wingdings 3" charset="2"/>
+        <a:buChar char=""/>
         <a:defRPr sz="1200" kern="1200">
           <a:solidFill>
             <a:schemeClr val="tx1">
@@ -3527,22 +5619,20 @@
           <a:cs typeface="+mn-cs"/>
         </a:defRPr>
       </a:lvl5pPr>
-      <a:lvl6pPr marL="1100000" indent="-228600" algn="l" defTabSz="914400" rtl="0" eaLnBrk="1" latinLnBrk="0" hangingPunct="1">
-        <a:lnSpc>
-          <a:spcPct val="90000"/>
-        </a:lnSpc>
+      <a:lvl6pPr marL="2514600" indent="-228600" algn="l" defTabSz="457200" rtl="0" eaLnBrk="1" latinLnBrk="0" hangingPunct="1">
         <a:spcBef>
-          <a:spcPts val="200"/>
+          <a:spcPts val="1000"/>
         </a:spcBef>
         <a:spcAft>
-          <a:spcPts val="400"/>
+          <a:spcPts val="0"/>
         </a:spcAft>
         <a:buClr>
           <a:schemeClr val="accent1"/>
         </a:buClr>
-        <a:buFont typeface="Calibri" pitchFamily="34" charset="0"/>
-        <a:buChar char="◦"/>
-        <a:defRPr sz="1400" kern="1200">
+        <a:buSzPct val="80000"/>
+        <a:buFont typeface="Wingdings 3" charset="2"/>
+        <a:buChar char=""/>
+        <a:defRPr sz="1200" kern="1200">
           <a:solidFill>
             <a:schemeClr val="tx1">
               <a:lumMod val="75000"/>
@@ -3554,22 +5644,20 @@
           <a:cs typeface="+mn-cs"/>
         </a:defRPr>
       </a:lvl6pPr>
-      <a:lvl7pPr marL="1300000" indent="-228600" algn="l" defTabSz="914400" rtl="0" eaLnBrk="1" latinLnBrk="0" hangingPunct="1">
-        <a:lnSpc>
-          <a:spcPct val="90000"/>
-        </a:lnSpc>
+      <a:lvl7pPr marL="2971800" indent="-228600" algn="l" defTabSz="457200" rtl="0" eaLnBrk="1" latinLnBrk="0" hangingPunct="1">
         <a:spcBef>
-          <a:spcPts val="200"/>
+          <a:spcPts val="1000"/>
         </a:spcBef>
         <a:spcAft>
-          <a:spcPts val="400"/>
+          <a:spcPts val="0"/>
         </a:spcAft>
         <a:buClr>
           <a:schemeClr val="accent1"/>
         </a:buClr>
-        <a:buFont typeface="Calibri" pitchFamily="34" charset="0"/>
-        <a:buChar char="◦"/>
-        <a:defRPr sz="1400" kern="1200">
+        <a:buSzPct val="80000"/>
+        <a:buFont typeface="Wingdings 3" charset="2"/>
+        <a:buChar char=""/>
+        <a:defRPr sz="1200" kern="1200">
           <a:solidFill>
             <a:schemeClr val="tx1">
               <a:lumMod val="75000"/>
@@ -3581,22 +5669,20 @@
           <a:cs typeface="+mn-cs"/>
         </a:defRPr>
       </a:lvl7pPr>
-      <a:lvl8pPr marL="1500000" indent="-228600" algn="l" defTabSz="914400" rtl="0" eaLnBrk="1" latinLnBrk="0" hangingPunct="1">
-        <a:lnSpc>
-          <a:spcPct val="90000"/>
-        </a:lnSpc>
+      <a:lvl8pPr marL="3429000" indent="-228600" algn="l" defTabSz="457200" rtl="0" eaLnBrk="1" latinLnBrk="0" hangingPunct="1">
         <a:spcBef>
-          <a:spcPts val="200"/>
+          <a:spcPts val="1000"/>
         </a:spcBef>
         <a:spcAft>
-          <a:spcPts val="400"/>
+          <a:spcPts val="0"/>
         </a:spcAft>
         <a:buClr>
           <a:schemeClr val="accent1"/>
         </a:buClr>
-        <a:buFont typeface="Calibri" pitchFamily="34" charset="0"/>
-        <a:buChar char="◦"/>
-        <a:defRPr sz="1400" kern="1200">
+        <a:buSzPct val="80000"/>
+        <a:buFont typeface="Wingdings 3" charset="2"/>
+        <a:buChar char=""/>
+        <a:defRPr sz="1200" kern="1200">
           <a:solidFill>
             <a:schemeClr val="tx1">
               <a:lumMod val="75000"/>
@@ -3608,22 +5694,20 @@
           <a:cs typeface="+mn-cs"/>
         </a:defRPr>
       </a:lvl8pPr>
-      <a:lvl9pPr marL="1700000" indent="-228600" algn="l" defTabSz="914400" rtl="0" eaLnBrk="1" latinLnBrk="0" hangingPunct="1">
-        <a:lnSpc>
-          <a:spcPct val="90000"/>
-        </a:lnSpc>
+      <a:lvl9pPr marL="3886200" indent="-228600" algn="l" defTabSz="457200" rtl="0" eaLnBrk="1" latinLnBrk="0" hangingPunct="1">
         <a:spcBef>
-          <a:spcPts val="200"/>
+          <a:spcPts val="1000"/>
         </a:spcBef>
         <a:spcAft>
-          <a:spcPts val="400"/>
+          <a:spcPts val="0"/>
         </a:spcAft>
         <a:buClr>
           <a:schemeClr val="accent1"/>
         </a:buClr>
-        <a:buFont typeface="Calibri" pitchFamily="34" charset="0"/>
-        <a:buChar char="◦"/>
-        <a:defRPr sz="1400" kern="1200">
+        <a:buSzPct val="80000"/>
+        <a:buFont typeface="Wingdings 3" charset="2"/>
+        <a:buChar char=""/>
+        <a:defRPr sz="1200" kern="1200">
           <a:solidFill>
             <a:schemeClr val="tx1">
               <a:lumMod val="75000"/>
@@ -3640,7 +5724,7 @@
       <a:defPPr>
         <a:defRPr lang="en-US"/>
       </a:defPPr>
-      <a:lvl1pPr marL="0" algn="l" defTabSz="914400" rtl="0" eaLnBrk="1" latinLnBrk="0" hangingPunct="1">
+      <a:lvl1pPr marL="0" algn="l" defTabSz="457200" rtl="0" eaLnBrk="1" latinLnBrk="0" hangingPunct="1">
         <a:defRPr sz="1800" kern="1200">
           <a:solidFill>
             <a:schemeClr val="tx1"/>
@@ -3650,7 +5734,7 @@
           <a:cs typeface="+mn-cs"/>
         </a:defRPr>
       </a:lvl1pPr>
-      <a:lvl2pPr marL="457200" algn="l" defTabSz="914400" rtl="0" eaLnBrk="1" latinLnBrk="0" hangingPunct="1">
+      <a:lvl2pPr marL="457200" algn="l" defTabSz="457200" rtl="0" eaLnBrk="1" latinLnBrk="0" hangingPunct="1">
         <a:defRPr sz="1800" kern="1200">
           <a:solidFill>
             <a:schemeClr val="tx1"/>
@@ -3660,7 +5744,7 @@
           <a:cs typeface="+mn-cs"/>
         </a:defRPr>
       </a:lvl2pPr>
-      <a:lvl3pPr marL="914400" algn="l" defTabSz="914400" rtl="0" eaLnBrk="1" latinLnBrk="0" hangingPunct="1">
+      <a:lvl3pPr marL="914400" algn="l" defTabSz="457200" rtl="0" eaLnBrk="1" latinLnBrk="0" hangingPunct="1">
         <a:defRPr sz="1800" kern="1200">
           <a:solidFill>
             <a:schemeClr val="tx1"/>
@@ -3670,7 +5754,7 @@
           <a:cs typeface="+mn-cs"/>
         </a:defRPr>
       </a:lvl3pPr>
-      <a:lvl4pPr marL="1371600" algn="l" defTabSz="914400" rtl="0" eaLnBrk="1" latinLnBrk="0" hangingPunct="1">
+      <a:lvl4pPr marL="1371600" algn="l" defTabSz="457200" rtl="0" eaLnBrk="1" latinLnBrk="0" hangingPunct="1">
         <a:defRPr sz="1800" kern="1200">
           <a:solidFill>
             <a:schemeClr val="tx1"/>
@@ -3680,7 +5764,7 @@
           <a:cs typeface="+mn-cs"/>
         </a:defRPr>
       </a:lvl4pPr>
-      <a:lvl5pPr marL="1828800" algn="l" defTabSz="914400" rtl="0" eaLnBrk="1" latinLnBrk="0" hangingPunct="1">
+      <a:lvl5pPr marL="1828800" algn="l" defTabSz="457200" rtl="0" eaLnBrk="1" latinLnBrk="0" hangingPunct="1">
         <a:defRPr sz="1800" kern="1200">
           <a:solidFill>
             <a:schemeClr val="tx1"/>
@@ -3690,7 +5774,7 @@
           <a:cs typeface="+mn-cs"/>
         </a:defRPr>
       </a:lvl5pPr>
-      <a:lvl6pPr marL="2286000" algn="l" defTabSz="914400" rtl="0" eaLnBrk="1" latinLnBrk="0" hangingPunct="1">
+      <a:lvl6pPr marL="2286000" algn="l" defTabSz="457200" rtl="0" eaLnBrk="1" latinLnBrk="0" hangingPunct="1">
         <a:defRPr sz="1800" kern="1200">
           <a:solidFill>
             <a:schemeClr val="tx1"/>
@@ -3700,7 +5784,7 @@
           <a:cs typeface="+mn-cs"/>
         </a:defRPr>
       </a:lvl6pPr>
-      <a:lvl7pPr marL="2743200" algn="l" defTabSz="914400" rtl="0" eaLnBrk="1" latinLnBrk="0" hangingPunct="1">
+      <a:lvl7pPr marL="2743200" algn="l" defTabSz="457200" rtl="0" eaLnBrk="1" latinLnBrk="0" hangingPunct="1">
         <a:defRPr sz="1800" kern="1200">
           <a:solidFill>
             <a:schemeClr val="tx1"/>
@@ -3710,7 +5794,7 @@
           <a:cs typeface="+mn-cs"/>
         </a:defRPr>
       </a:lvl7pPr>
-      <a:lvl8pPr marL="3200400" algn="l" defTabSz="914400" rtl="0" eaLnBrk="1" latinLnBrk="0" hangingPunct="1">
+      <a:lvl8pPr marL="3200400" algn="l" defTabSz="457200" rtl="0" eaLnBrk="1" latinLnBrk="0" hangingPunct="1">
         <a:defRPr sz="1800" kern="1200">
           <a:solidFill>
             <a:schemeClr val="tx1"/>
@@ -3720,7 +5804,7 @@
           <a:cs typeface="+mn-cs"/>
         </a:defRPr>
       </a:lvl8pPr>
-      <a:lvl9pPr marL="3657600" algn="l" defTabSz="914400" rtl="0" eaLnBrk="1" latinLnBrk="0" hangingPunct="1">
+      <a:lvl9pPr marL="3657600" algn="l" defTabSz="457200" rtl="0" eaLnBrk="1" latinLnBrk="0" hangingPunct="1">
         <a:defRPr sz="1800" kern="1200">
           <a:solidFill>
             <a:schemeClr val="tx1"/>
@@ -3760,191 +5844,6 @@
           <a:chExt cx="0" cy="0"/>
         </a:xfrm>
       </p:grpSpPr>
-      <p:sp>
-        <p:nvSpPr>
-          <p:cNvPr id="18" name="Rectangle 17">
-            <a:extLst>
-              <a:ext uri="{FF2B5EF4-FFF2-40B4-BE49-F238E27FC236}">
-                <a16:creationId xmlns:a16="http://schemas.microsoft.com/office/drawing/2014/main" id="{6482F060-A4AF-4E0B-B364-7C6BA4AE9C03}"/>
-              </a:ext>
-              <a:ext uri="{C183D7F6-B498-43B3-948B-1728B52AA6E4}">
-                <adec:decorative xmlns:adec="http://schemas.microsoft.com/office/drawing/2017/decorative" val="1"/>
-              </a:ext>
-            </a:extLst>
-          </p:cNvPr>
-          <p:cNvSpPr>
-            <a:spLocks noGrp="1" noRot="1" noChangeAspect="1" noMove="1" noResize="1" noEditPoints="1" noAdjustHandles="1" noChangeArrowheads="1" noChangeShapeType="1" noTextEdit="1"/>
-          </p:cNvSpPr>
-          <p:nvPr>
-            <p:extLst>
-              <p:ext uri="{386F3935-93C4-4BCD-93E2-E3B085C9AB24}">
-                <p16:designElem xmlns:p16="http://schemas.microsoft.com/office/powerpoint/2015/main" val="1"/>
-              </p:ext>
-            </p:extLst>
-          </p:nvPr>
-        </p:nvSpPr>
-        <p:spPr bwMode="white">
-          <a:xfrm>
-            <a:off x="-6220" y="0"/>
-            <a:ext cx="4641315" cy="6858000"/>
-          </a:xfrm>
-          <a:prstGeom prst="rect">
-            <a:avLst/>
-          </a:prstGeom>
-          <a:solidFill>
-            <a:srgbClr val="262626"/>
-          </a:solidFill>
-          <a:ln>
-            <a:noFill/>
-          </a:ln>
-        </p:spPr>
-        <p:style>
-          <a:lnRef idx="2">
-            <a:schemeClr val="accent1">
-              <a:shade val="50000"/>
-            </a:schemeClr>
-          </a:lnRef>
-          <a:fillRef idx="1">
-            <a:schemeClr val="accent1"/>
-          </a:fillRef>
-          <a:effectRef idx="0">
-            <a:schemeClr val="accent1"/>
-          </a:effectRef>
-          <a:fontRef idx="minor">
-            <a:schemeClr val="lt1"/>
-          </a:fontRef>
-        </p:style>
-      </p:sp>
-      <p:sp>
-        <p:nvSpPr>
-          <p:cNvPr id="2" name="Title 1">
-            <a:extLst>
-              <a:ext uri="{FF2B5EF4-FFF2-40B4-BE49-F238E27FC236}">
-                <a16:creationId xmlns:a16="http://schemas.microsoft.com/office/drawing/2014/main" id="{687BD397-6684-4402-82AA-B7EAFDC34221}"/>
-              </a:ext>
-            </a:extLst>
-          </p:cNvPr>
-          <p:cNvSpPr>
-            <a:spLocks noGrp="1"/>
-          </p:cNvSpPr>
-          <p:nvPr>
-            <p:ph type="ctrTitle"/>
-          </p:nvPr>
-        </p:nvSpPr>
-        <p:spPr>
-          <a:xfrm>
-            <a:off x="484814" y="640080"/>
-            <a:ext cx="3659246" cy="2850319"/>
-          </a:xfrm>
-        </p:spPr>
-        <p:txBody>
-          <a:bodyPr>
-            <a:normAutofit/>
-          </a:bodyPr>
-          <a:lstStyle/>
-          <a:p>
-            <a:r>
-              <a:rPr lang="en-US" sz="5400" dirty="0">
-                <a:solidFill>
-                  <a:srgbClr val="FFFFFF"/>
-                </a:solidFill>
-              </a:rPr>
-              <a:t>AUS Hackathon</a:t>
-            </a:r>
-          </a:p>
-        </p:txBody>
-      </p:sp>
-      <p:sp>
-        <p:nvSpPr>
-          <p:cNvPr id="3" name="Subtitle 2">
-            <a:extLst>
-              <a:ext uri="{FF2B5EF4-FFF2-40B4-BE49-F238E27FC236}">
-                <a16:creationId xmlns:a16="http://schemas.microsoft.com/office/drawing/2014/main" id="{D6ACE9F0-62B7-4F64-8674-1CD3A4988B4D}"/>
-              </a:ext>
-            </a:extLst>
-          </p:cNvPr>
-          <p:cNvSpPr>
-            <a:spLocks noGrp="1"/>
-          </p:cNvSpPr>
-          <p:nvPr>
-            <p:ph type="subTitle" idx="1"/>
-          </p:nvPr>
-        </p:nvSpPr>
-        <p:spPr>
-          <a:xfrm>
-            <a:off x="484814" y="3812134"/>
-            <a:ext cx="3659246" cy="2349823"/>
-          </a:xfrm>
-        </p:spPr>
-        <p:txBody>
-          <a:bodyPr>
-            <a:normAutofit/>
-          </a:bodyPr>
-          <a:lstStyle/>
-          <a:p>
-            <a:r>
-              <a:rPr lang="en-US" sz="1800">
-                <a:solidFill>
-                  <a:srgbClr val="FFFFFF"/>
-                </a:solidFill>
-              </a:rPr>
-              <a:t>Wild Animal Rescue</a:t>
-            </a:r>
-          </a:p>
-        </p:txBody>
-      </p:sp>
-      <p:cxnSp>
-        <p:nvCxnSpPr>
-          <p:cNvPr id="20" name="Straight Connector 19">
-            <a:extLst>
-              <a:ext uri="{FF2B5EF4-FFF2-40B4-BE49-F238E27FC236}">
-                <a16:creationId xmlns:a16="http://schemas.microsoft.com/office/drawing/2014/main" id="{B9EB6DAA-2F0C-43D5-A577-15D5D2C4E3F5}"/>
-              </a:ext>
-              <a:ext uri="{C183D7F6-B498-43B3-948B-1728B52AA6E4}">
-                <adec:decorative xmlns:adec="http://schemas.microsoft.com/office/drawing/2017/decorative" val="1"/>
-              </a:ext>
-            </a:extLst>
-          </p:cNvPr>
-          <p:cNvCxnSpPr>
-            <a:cxnSpLocks noGrp="1" noRot="1" noChangeAspect="1" noMove="1" noResize="1" noEditPoints="1" noAdjustHandles="1" noChangeArrowheads="1" noChangeShapeType="1"/>
-          </p:cNvCxnSpPr>
-          <p:nvPr>
-            <p:extLst>
-              <p:ext uri="{386F3935-93C4-4BCD-93E2-E3B085C9AB24}">
-                <p16:designElem xmlns:p16="http://schemas.microsoft.com/office/powerpoint/2015/main" val="1"/>
-              </p:ext>
-            </p:extLst>
-          </p:nvPr>
-        </p:nvCxnSpPr>
-        <p:spPr>
-          <a:xfrm>
-            <a:off x="622797" y="3651268"/>
-            <a:ext cx="3383280" cy="0"/>
-          </a:xfrm>
-          <a:prstGeom prst="line">
-            <a:avLst/>
-          </a:prstGeom>
-          <a:ln w="19050">
-            <a:solidFill>
-              <a:schemeClr val="accent1"/>
-            </a:solidFill>
-          </a:ln>
-        </p:spPr>
-        <p:style>
-          <a:lnRef idx="1">
-            <a:schemeClr val="accent1"/>
-          </a:lnRef>
-          <a:fillRef idx="0">
-            <a:schemeClr val="accent1"/>
-          </a:fillRef>
-          <a:effectRef idx="0">
-            <a:schemeClr val="accent1"/>
-          </a:effectRef>
-          <a:fontRef idx="minor">
-            <a:schemeClr val="tx1"/>
-          </a:fontRef>
-        </p:style>
-      </p:cxnSp>
       <p:pic>
         <p:nvPicPr>
           <p:cNvPr id="13" name="Picture 3">
@@ -3960,20 +5859,849 @@
           <p:nvPr/>
         </p:nvPicPr>
         <p:blipFill rotWithShape="1">
-          <a:blip r:embed="rId2"/>
-          <a:srcRect r="33885"/>
+          <a:blip r:embed="rId2">
+            <a:duotone>
+              <a:schemeClr val="accent1">
+                <a:shade val="45000"/>
+                <a:satMod val="135000"/>
+              </a:schemeClr>
+              <a:prstClr val="white"/>
+            </a:duotone>
+          </a:blip>
+          <a:srcRect l="9091" b="14773"/>
           <a:stretch/>
         </p:blipFill>
         <p:spPr>
           <a:xfrm>
-            <a:off x="4635095" y="10"/>
-            <a:ext cx="7556889" cy="6857990"/>
+            <a:off x="1" y="10"/>
+            <a:ext cx="12191999" cy="6857990"/>
           </a:xfrm>
           <a:prstGeom prst="rect">
             <a:avLst/>
           </a:prstGeom>
         </p:spPr>
       </p:pic>
+      <p:sp>
+        <p:nvSpPr>
+          <p:cNvPr id="18" name="Isosceles Triangle 17">
+            <a:extLst>
+              <a:ext uri="{FF2B5EF4-FFF2-40B4-BE49-F238E27FC236}">
+                <a16:creationId xmlns:a16="http://schemas.microsoft.com/office/drawing/2014/main" id="{F5F0CD5C-72F3-4090-8A69-8E15CB432AC2}"/>
+              </a:ext>
+              <a:ext uri="{C183D7F6-B498-43B3-948B-1728B52AA6E4}">
+                <adec:decorative xmlns:adec="http://schemas.microsoft.com/office/drawing/2017/decorative" val="1"/>
+              </a:ext>
+            </a:extLst>
+          </p:cNvPr>
+          <p:cNvSpPr>
+            <a:spLocks noGrp="1" noRot="1" noChangeAspect="1" noMove="1" noResize="1" noEditPoints="1" noAdjustHandles="1" noChangeArrowheads="1" noChangeShapeType="1" noTextEdit="1"/>
+          </p:cNvSpPr>
+          <p:nvPr>
+            <p:extLst>
+              <p:ext uri="{386F3935-93C4-4BCD-93E2-E3B085C9AB24}">
+                <p16:designElem xmlns:p16="http://schemas.microsoft.com/office/powerpoint/2015/main" val="1"/>
+              </p:ext>
+            </p:extLst>
+          </p:nvPr>
+        </p:nvSpPr>
+        <p:spPr>
+          <a:xfrm rot="10800000">
+            <a:off x="0" y="0"/>
+            <a:ext cx="842596" cy="5666154"/>
+          </a:xfrm>
+          <a:prstGeom prst="triangle">
+            <a:avLst>
+              <a:gd name="adj" fmla="val 100000"/>
+            </a:avLst>
+          </a:prstGeom>
+          <a:solidFill>
+            <a:schemeClr val="accent1">
+              <a:alpha val="85000"/>
+            </a:schemeClr>
+          </a:solidFill>
+          <a:ln>
+            <a:noFill/>
+          </a:ln>
+          <a:effectLst/>
+        </p:spPr>
+        <p:style>
+          <a:lnRef idx="1">
+            <a:schemeClr val="accent1"/>
+          </a:lnRef>
+          <a:fillRef idx="3">
+            <a:schemeClr val="accent1"/>
+          </a:fillRef>
+          <a:effectRef idx="2">
+            <a:schemeClr val="accent1"/>
+          </a:effectRef>
+          <a:fontRef idx="minor">
+            <a:schemeClr val="lt1"/>
+          </a:fontRef>
+        </p:style>
+      </p:sp>
+      <p:sp>
+        <p:nvSpPr>
+          <p:cNvPr id="20" name="Parallelogram 19">
+            <a:extLst>
+              <a:ext uri="{FF2B5EF4-FFF2-40B4-BE49-F238E27FC236}">
+                <a16:creationId xmlns:a16="http://schemas.microsoft.com/office/drawing/2014/main" id="{217496A2-9394-4FB7-BA0E-717D2D2E7A43}"/>
+              </a:ext>
+              <a:ext uri="{C183D7F6-B498-43B3-948B-1728B52AA6E4}">
+                <adec:decorative xmlns:adec="http://schemas.microsoft.com/office/drawing/2017/decorative" val="1"/>
+              </a:ext>
+            </a:extLst>
+          </p:cNvPr>
+          <p:cNvSpPr>
+            <a:spLocks noGrp="1" noRot="1" noChangeAspect="1" noMove="1" noResize="1" noEditPoints="1" noAdjustHandles="1" noChangeArrowheads="1" noChangeShapeType="1" noTextEdit="1"/>
+          </p:cNvSpPr>
+          <p:nvPr>
+            <p:extLst>
+              <p:ext uri="{386F3935-93C4-4BCD-93E2-E3B085C9AB24}">
+                <p16:designElem xmlns:p16="http://schemas.microsoft.com/office/powerpoint/2015/main" val="1"/>
+              </p:ext>
+            </p:extLst>
+          </p:nvPr>
+        </p:nvSpPr>
+        <p:spPr>
+          <a:xfrm>
+            <a:off x="3733800" y="0"/>
+            <a:ext cx="7315200" cy="6858000"/>
+          </a:xfrm>
+          <a:prstGeom prst="parallelogram">
+            <a:avLst>
+              <a:gd name="adj" fmla="val 15925"/>
+            </a:avLst>
+          </a:prstGeom>
+          <a:solidFill>
+            <a:schemeClr val="bg1">
+              <a:alpha val="87000"/>
+            </a:schemeClr>
+          </a:solidFill>
+          <a:ln>
+            <a:noFill/>
+          </a:ln>
+          <a:effectLst/>
+        </p:spPr>
+        <p:style>
+          <a:lnRef idx="1">
+            <a:schemeClr val="accent1"/>
+          </a:lnRef>
+          <a:fillRef idx="3">
+            <a:schemeClr val="accent1"/>
+          </a:fillRef>
+          <a:effectRef idx="2">
+            <a:schemeClr val="accent1"/>
+          </a:effectRef>
+          <a:fontRef idx="minor">
+            <a:schemeClr val="lt1"/>
+          </a:fontRef>
+        </p:style>
+        <p:txBody>
+          <a:bodyPr rtlCol="0" anchor="ctr"/>
+          <a:lstStyle/>
+          <a:p>
+            <a:pPr algn="ctr"/>
+            <a:endParaRPr lang="en-US"/>
+          </a:p>
+        </p:txBody>
+      </p:sp>
+      <p:cxnSp>
+        <p:nvCxnSpPr>
+          <p:cNvPr id="22" name="Straight Connector 21">
+            <a:extLst>
+              <a:ext uri="{FF2B5EF4-FFF2-40B4-BE49-F238E27FC236}">
+                <a16:creationId xmlns:a16="http://schemas.microsoft.com/office/drawing/2014/main" id="{D02CF681-4765-4E88-802F-B2474DCD516A}"/>
+              </a:ext>
+              <a:ext uri="{C183D7F6-B498-43B3-948B-1728B52AA6E4}">
+                <adec:decorative xmlns:adec="http://schemas.microsoft.com/office/drawing/2017/decorative" val="1"/>
+              </a:ext>
+            </a:extLst>
+          </p:cNvPr>
+          <p:cNvCxnSpPr>
+            <a:cxnSpLocks noGrp="1" noRot="1" noChangeAspect="1" noMove="1" noResize="1" noEditPoints="1" noAdjustHandles="1" noChangeArrowheads="1" noChangeShapeType="1"/>
+          </p:cNvCxnSpPr>
+          <p:nvPr>
+            <p:extLst>
+              <p:ext uri="{386F3935-93C4-4BCD-93E2-E3B085C9AB24}">
+                <p16:designElem xmlns:p16="http://schemas.microsoft.com/office/powerpoint/2015/main" val="1"/>
+              </p:ext>
+            </p:extLst>
+          </p:nvPr>
+        </p:nvCxnSpPr>
+        <p:spPr>
+          <a:xfrm>
+            <a:off x="9371012" y="0"/>
+            <a:ext cx="1219200" cy="6858000"/>
+          </a:xfrm>
+          <a:prstGeom prst="line">
+            <a:avLst/>
+          </a:prstGeom>
+          <a:ln w="9525">
+            <a:solidFill>
+              <a:schemeClr val="bg1">
+                <a:lumMod val="75000"/>
+              </a:schemeClr>
+            </a:solidFill>
+          </a:ln>
+        </p:spPr>
+        <p:style>
+          <a:lnRef idx="2">
+            <a:schemeClr val="accent1"/>
+          </a:lnRef>
+          <a:fillRef idx="0">
+            <a:schemeClr val="accent1"/>
+          </a:fillRef>
+          <a:effectRef idx="1">
+            <a:schemeClr val="accent1"/>
+          </a:effectRef>
+          <a:fontRef idx="minor">
+            <a:schemeClr val="tx1"/>
+          </a:fontRef>
+        </p:style>
+      </p:cxnSp>
+      <p:cxnSp>
+        <p:nvCxnSpPr>
+          <p:cNvPr id="24" name="Straight Connector 23">
+            <a:extLst>
+              <a:ext uri="{FF2B5EF4-FFF2-40B4-BE49-F238E27FC236}">
+                <a16:creationId xmlns:a16="http://schemas.microsoft.com/office/drawing/2014/main" id="{3D57B2BA-243C-45C7-A5D8-46CA719437FC}"/>
+              </a:ext>
+              <a:ext uri="{C183D7F6-B498-43B3-948B-1728B52AA6E4}">
+                <adec:decorative xmlns:adec="http://schemas.microsoft.com/office/drawing/2017/decorative" val="1"/>
+              </a:ext>
+            </a:extLst>
+          </p:cNvPr>
+          <p:cNvCxnSpPr>
+            <a:cxnSpLocks noGrp="1" noRot="1" noChangeAspect="1" noMove="1" noResize="1" noEditPoints="1" noAdjustHandles="1" noChangeArrowheads="1" noChangeShapeType="1"/>
+          </p:cNvCxnSpPr>
+          <p:nvPr>
+            <p:extLst>
+              <p:ext uri="{386F3935-93C4-4BCD-93E2-E3B085C9AB24}">
+                <p16:designElem xmlns:p16="http://schemas.microsoft.com/office/powerpoint/2015/main" val="1"/>
+              </p:ext>
+            </p:extLst>
+          </p:nvPr>
+        </p:nvCxnSpPr>
+        <p:spPr>
+          <a:xfrm flipH="1">
+            <a:off x="7425267" y="3681413"/>
+            <a:ext cx="4763558" cy="3176587"/>
+          </a:xfrm>
+          <a:prstGeom prst="line">
+            <a:avLst/>
+          </a:prstGeom>
+          <a:ln w="9525">
+            <a:solidFill>
+              <a:schemeClr val="bg1">
+                <a:lumMod val="85000"/>
+              </a:schemeClr>
+            </a:solidFill>
+          </a:ln>
+        </p:spPr>
+        <p:style>
+          <a:lnRef idx="2">
+            <a:schemeClr val="accent1"/>
+          </a:lnRef>
+          <a:fillRef idx="0">
+            <a:schemeClr val="accent1"/>
+          </a:fillRef>
+          <a:effectRef idx="1">
+            <a:schemeClr val="accent1"/>
+          </a:effectRef>
+          <a:fontRef idx="minor">
+            <a:schemeClr val="tx1"/>
+          </a:fontRef>
+        </p:style>
+      </p:cxnSp>
+      <p:sp>
+        <p:nvSpPr>
+          <p:cNvPr id="26" name="Rectangle 23">
+            <a:extLst>
+              <a:ext uri="{FF2B5EF4-FFF2-40B4-BE49-F238E27FC236}">
+                <a16:creationId xmlns:a16="http://schemas.microsoft.com/office/drawing/2014/main" id="{67374FB5-CBB7-46FF-95B5-2251BC6856ED}"/>
+              </a:ext>
+              <a:ext uri="{C183D7F6-B498-43B3-948B-1728B52AA6E4}">
+                <adec:decorative xmlns:adec="http://schemas.microsoft.com/office/drawing/2017/decorative" val="1"/>
+              </a:ext>
+            </a:extLst>
+          </p:cNvPr>
+          <p:cNvSpPr>
+            <a:spLocks noGrp="1" noRot="1" noChangeAspect="1" noMove="1" noResize="1" noEditPoints="1" noAdjustHandles="1" noChangeArrowheads="1" noChangeShapeType="1" noTextEdit="1"/>
+          </p:cNvSpPr>
+          <p:nvPr>
+            <p:extLst>
+              <p:ext uri="{386F3935-93C4-4BCD-93E2-E3B085C9AB24}">
+                <p16:designElem xmlns:p16="http://schemas.microsoft.com/office/powerpoint/2015/main" val="1"/>
+              </p:ext>
+            </p:extLst>
+          </p:nvPr>
+        </p:nvSpPr>
+        <p:spPr>
+          <a:xfrm>
+            <a:off x="9181476" y="-8467"/>
+            <a:ext cx="3007349" cy="6866467"/>
+          </a:xfrm>
+          <a:custGeom>
+            <a:avLst/>
+            <a:gdLst/>
+            <a:ahLst/>
+            <a:cxnLst/>
+            <a:rect l="l" t="t" r="r" b="b"/>
+            <a:pathLst>
+              <a:path w="3007349" h="6866467">
+                <a:moveTo>
+                  <a:pt x="2045532" y="0"/>
+                </a:moveTo>
+                <a:lnTo>
+                  <a:pt x="3007349" y="0"/>
+                </a:lnTo>
+                <a:lnTo>
+                  <a:pt x="3007349" y="6866467"/>
+                </a:lnTo>
+                <a:lnTo>
+                  <a:pt x="0" y="6866467"/>
+                </a:lnTo>
+                <a:lnTo>
+                  <a:pt x="2045532" y="0"/>
+                </a:lnTo>
+                <a:close/>
+              </a:path>
+            </a:pathLst>
+          </a:custGeom>
+          <a:solidFill>
+            <a:schemeClr val="accent1">
+              <a:alpha val="30000"/>
+            </a:schemeClr>
+          </a:solidFill>
+          <a:ln>
+            <a:noFill/>
+          </a:ln>
+          <a:effectLst/>
+        </p:spPr>
+        <p:style>
+          <a:lnRef idx="1">
+            <a:schemeClr val="accent1"/>
+          </a:lnRef>
+          <a:fillRef idx="3">
+            <a:schemeClr val="accent1"/>
+          </a:fillRef>
+          <a:effectRef idx="2">
+            <a:schemeClr val="accent1"/>
+          </a:effectRef>
+          <a:fontRef idx="minor">
+            <a:schemeClr val="lt1"/>
+          </a:fontRef>
+        </p:style>
+      </p:sp>
+      <p:sp>
+        <p:nvSpPr>
+          <p:cNvPr id="28" name="Rectangle 25">
+            <a:extLst>
+              <a:ext uri="{FF2B5EF4-FFF2-40B4-BE49-F238E27FC236}">
+                <a16:creationId xmlns:a16="http://schemas.microsoft.com/office/drawing/2014/main" id="{34BCEAB7-D9E0-40A4-9254-8593BD346EAB}"/>
+              </a:ext>
+              <a:ext uri="{C183D7F6-B498-43B3-948B-1728B52AA6E4}">
+                <adec:decorative xmlns:adec="http://schemas.microsoft.com/office/drawing/2017/decorative" val="1"/>
+              </a:ext>
+            </a:extLst>
+          </p:cNvPr>
+          <p:cNvSpPr>
+            <a:spLocks noGrp="1" noRot="1" noChangeAspect="1" noMove="1" noResize="1" noEditPoints="1" noAdjustHandles="1" noChangeArrowheads="1" noChangeShapeType="1" noTextEdit="1"/>
+          </p:cNvSpPr>
+          <p:nvPr>
+            <p:extLst>
+              <p:ext uri="{386F3935-93C4-4BCD-93E2-E3B085C9AB24}">
+                <p16:designElem xmlns:p16="http://schemas.microsoft.com/office/powerpoint/2015/main" val="1"/>
+              </p:ext>
+            </p:extLst>
+          </p:nvPr>
+        </p:nvSpPr>
+        <p:spPr>
+          <a:xfrm>
+            <a:off x="9603442" y="-8467"/>
+            <a:ext cx="2588558" cy="6866467"/>
+          </a:xfrm>
+          <a:custGeom>
+            <a:avLst/>
+            <a:gdLst/>
+            <a:ahLst/>
+            <a:cxnLst/>
+            <a:rect l="l" t="t" r="r" b="b"/>
+            <a:pathLst>
+              <a:path w="2573311" h="6866467">
+                <a:moveTo>
+                  <a:pt x="0" y="0"/>
+                </a:moveTo>
+                <a:lnTo>
+                  <a:pt x="2573311" y="0"/>
+                </a:lnTo>
+                <a:lnTo>
+                  <a:pt x="2573311" y="6866467"/>
+                </a:lnTo>
+                <a:lnTo>
+                  <a:pt x="1202336" y="6866467"/>
+                </a:lnTo>
+                <a:lnTo>
+                  <a:pt x="0" y="0"/>
+                </a:lnTo>
+                <a:close/>
+              </a:path>
+            </a:pathLst>
+          </a:custGeom>
+          <a:solidFill>
+            <a:schemeClr val="accent1">
+              <a:alpha val="20000"/>
+            </a:schemeClr>
+          </a:solidFill>
+          <a:ln>
+            <a:noFill/>
+          </a:ln>
+          <a:effectLst/>
+        </p:spPr>
+        <p:style>
+          <a:lnRef idx="1">
+            <a:schemeClr val="accent1"/>
+          </a:lnRef>
+          <a:fillRef idx="3">
+            <a:schemeClr val="accent1"/>
+          </a:fillRef>
+          <a:effectRef idx="2">
+            <a:schemeClr val="accent1"/>
+          </a:effectRef>
+          <a:fontRef idx="minor">
+            <a:schemeClr val="lt1"/>
+          </a:fontRef>
+        </p:style>
+      </p:sp>
+      <p:sp>
+        <p:nvSpPr>
+          <p:cNvPr id="30" name="Isosceles Triangle 29">
+            <a:extLst>
+              <a:ext uri="{FF2B5EF4-FFF2-40B4-BE49-F238E27FC236}">
+                <a16:creationId xmlns:a16="http://schemas.microsoft.com/office/drawing/2014/main" id="{D567A354-BB63-405C-8E5F-2F510E670F16}"/>
+              </a:ext>
+              <a:ext uri="{C183D7F6-B498-43B3-948B-1728B52AA6E4}">
+                <adec:decorative xmlns:adec="http://schemas.microsoft.com/office/drawing/2017/decorative" val="1"/>
+              </a:ext>
+            </a:extLst>
+          </p:cNvPr>
+          <p:cNvSpPr>
+            <a:spLocks noGrp="1" noRot="1" noChangeAspect="1" noMove="1" noResize="1" noEditPoints="1" noAdjustHandles="1" noChangeArrowheads="1" noChangeShapeType="1" noTextEdit="1"/>
+          </p:cNvSpPr>
+          <p:nvPr>
+            <p:extLst>
+              <p:ext uri="{386F3935-93C4-4BCD-93E2-E3B085C9AB24}">
+                <p16:designElem xmlns:p16="http://schemas.microsoft.com/office/powerpoint/2015/main" val="1"/>
+              </p:ext>
+            </p:extLst>
+          </p:nvPr>
+        </p:nvSpPr>
+        <p:spPr>
+          <a:xfrm>
+            <a:off x="8932333" y="3048000"/>
+            <a:ext cx="3259667" cy="3810000"/>
+          </a:xfrm>
+          <a:prstGeom prst="triangle">
+            <a:avLst>
+              <a:gd name="adj" fmla="val 100000"/>
+            </a:avLst>
+          </a:prstGeom>
+          <a:solidFill>
+            <a:schemeClr val="accent2">
+              <a:alpha val="72000"/>
+            </a:schemeClr>
+          </a:solidFill>
+          <a:ln>
+            <a:noFill/>
+          </a:ln>
+          <a:effectLst/>
+        </p:spPr>
+        <p:style>
+          <a:lnRef idx="1">
+            <a:schemeClr val="accent1"/>
+          </a:lnRef>
+          <a:fillRef idx="3">
+            <a:schemeClr val="accent1"/>
+          </a:fillRef>
+          <a:effectRef idx="2">
+            <a:schemeClr val="accent1"/>
+          </a:effectRef>
+          <a:fontRef idx="minor">
+            <a:schemeClr val="lt1"/>
+          </a:fontRef>
+        </p:style>
+      </p:sp>
+      <p:sp>
+        <p:nvSpPr>
+          <p:cNvPr id="2" name="Title 1">
+            <a:extLst>
+              <a:ext uri="{FF2B5EF4-FFF2-40B4-BE49-F238E27FC236}">
+                <a16:creationId xmlns:a16="http://schemas.microsoft.com/office/drawing/2014/main" id="{687BD397-6684-4402-82AA-B7EAFDC34221}"/>
+              </a:ext>
+            </a:extLst>
+          </p:cNvPr>
+          <p:cNvSpPr>
+            <a:spLocks noGrp="1"/>
+          </p:cNvSpPr>
+          <p:nvPr>
+            <p:ph type="ctrTitle"/>
+          </p:nvPr>
+        </p:nvSpPr>
+        <p:spPr>
+          <a:xfrm>
+            <a:off x="4791450" y="1678665"/>
+            <a:ext cx="4482553" cy="2369131"/>
+          </a:xfrm>
+        </p:spPr>
+        <p:txBody>
+          <a:bodyPr>
+            <a:normAutofit/>
+          </a:bodyPr>
+          <a:lstStyle/>
+          <a:p>
+            <a:r>
+              <a:rPr lang="en-US" dirty="0"/>
+              <a:t>AUS Hackathon</a:t>
+            </a:r>
+          </a:p>
+        </p:txBody>
+      </p:sp>
+      <p:sp>
+        <p:nvSpPr>
+          <p:cNvPr id="3" name="Subtitle 2">
+            <a:extLst>
+              <a:ext uri="{FF2B5EF4-FFF2-40B4-BE49-F238E27FC236}">
+                <a16:creationId xmlns:a16="http://schemas.microsoft.com/office/drawing/2014/main" id="{D6ACE9F0-62B7-4F64-8674-1CD3A4988B4D}"/>
+              </a:ext>
+            </a:extLst>
+          </p:cNvPr>
+          <p:cNvSpPr>
+            <a:spLocks noGrp="1"/>
+          </p:cNvSpPr>
+          <p:nvPr>
+            <p:ph type="subTitle" idx="1"/>
+          </p:nvPr>
+        </p:nvSpPr>
+        <p:spPr>
+          <a:xfrm>
+            <a:off x="4788276" y="4050832"/>
+            <a:ext cx="4485725" cy="1096899"/>
+          </a:xfrm>
+        </p:spPr>
+        <p:txBody>
+          <a:bodyPr>
+            <a:normAutofit/>
+          </a:bodyPr>
+          <a:lstStyle/>
+          <a:p>
+            <a:r>
+              <a:rPr lang="en-US"/>
+              <a:t>Wild Animal Rescue</a:t>
+            </a:r>
+          </a:p>
+        </p:txBody>
+      </p:sp>
+      <p:sp>
+        <p:nvSpPr>
+          <p:cNvPr id="32" name="Rectangle 27">
+            <a:extLst>
+              <a:ext uri="{FF2B5EF4-FFF2-40B4-BE49-F238E27FC236}">
+                <a16:creationId xmlns:a16="http://schemas.microsoft.com/office/drawing/2014/main" id="{9185A8D7-2F20-4F7A-97BE-21DB1654C7F7}"/>
+              </a:ext>
+              <a:ext uri="{C183D7F6-B498-43B3-948B-1728B52AA6E4}">
+                <adec:decorative xmlns:adec="http://schemas.microsoft.com/office/drawing/2017/decorative" val="1"/>
+              </a:ext>
+            </a:extLst>
+          </p:cNvPr>
+          <p:cNvSpPr>
+            <a:spLocks noGrp="1" noRot="1" noChangeAspect="1" noMove="1" noResize="1" noEditPoints="1" noAdjustHandles="1" noChangeArrowheads="1" noChangeShapeType="1" noTextEdit="1"/>
+          </p:cNvSpPr>
+          <p:nvPr>
+            <p:extLst>
+              <p:ext uri="{386F3935-93C4-4BCD-93E2-E3B085C9AB24}">
+                <p16:designElem xmlns:p16="http://schemas.microsoft.com/office/powerpoint/2015/main" val="1"/>
+              </p:ext>
+            </p:extLst>
+          </p:nvPr>
+        </p:nvSpPr>
+        <p:spPr>
+          <a:xfrm>
+            <a:off x="9334500" y="-8467"/>
+            <a:ext cx="2854326" cy="6866467"/>
+          </a:xfrm>
+          <a:custGeom>
+            <a:avLst/>
+            <a:gdLst/>
+            <a:ahLst/>
+            <a:cxnLst/>
+            <a:rect l="l" t="t" r="r" b="b"/>
+            <a:pathLst>
+              <a:path w="2858013" h="6866467">
+                <a:moveTo>
+                  <a:pt x="0" y="0"/>
+                </a:moveTo>
+                <a:lnTo>
+                  <a:pt x="2858013" y="0"/>
+                </a:lnTo>
+                <a:lnTo>
+                  <a:pt x="2858013" y="6866467"/>
+                </a:lnTo>
+                <a:lnTo>
+                  <a:pt x="2473942" y="6866467"/>
+                </a:lnTo>
+                <a:lnTo>
+                  <a:pt x="0" y="0"/>
+                </a:lnTo>
+                <a:close/>
+              </a:path>
+            </a:pathLst>
+          </a:custGeom>
+          <a:solidFill>
+            <a:schemeClr val="accent2">
+              <a:lumMod val="75000"/>
+              <a:alpha val="47000"/>
+            </a:schemeClr>
+          </a:solidFill>
+          <a:ln>
+            <a:noFill/>
+          </a:ln>
+          <a:effectLst/>
+        </p:spPr>
+        <p:style>
+          <a:lnRef idx="1">
+            <a:schemeClr val="accent1"/>
+          </a:lnRef>
+          <a:fillRef idx="3">
+            <a:schemeClr val="accent1"/>
+          </a:fillRef>
+          <a:effectRef idx="2">
+            <a:schemeClr val="accent1"/>
+          </a:effectRef>
+          <a:fontRef idx="minor">
+            <a:schemeClr val="lt1"/>
+          </a:fontRef>
+        </p:style>
+      </p:sp>
+      <p:sp>
+        <p:nvSpPr>
+          <p:cNvPr id="34" name="Rectangle 28">
+            <a:extLst>
+              <a:ext uri="{FF2B5EF4-FFF2-40B4-BE49-F238E27FC236}">
+                <a16:creationId xmlns:a16="http://schemas.microsoft.com/office/drawing/2014/main" id="{CB65BD56-22B3-4E13-BFCA-B8E8BEB92D6C}"/>
+              </a:ext>
+              <a:ext uri="{C183D7F6-B498-43B3-948B-1728B52AA6E4}">
+                <adec:decorative xmlns:adec="http://schemas.microsoft.com/office/drawing/2017/decorative" val="1"/>
+              </a:ext>
+            </a:extLst>
+          </p:cNvPr>
+          <p:cNvSpPr>
+            <a:spLocks noGrp="1" noRot="1" noChangeAspect="1" noMove="1" noResize="1" noEditPoints="1" noAdjustHandles="1" noChangeArrowheads="1" noChangeShapeType="1" noTextEdit="1"/>
+          </p:cNvSpPr>
+          <p:nvPr>
+            <p:extLst>
+              <p:ext uri="{386F3935-93C4-4BCD-93E2-E3B085C9AB24}">
+                <p16:designElem xmlns:p16="http://schemas.microsoft.com/office/powerpoint/2015/main" val="1"/>
+              </p:ext>
+            </p:extLst>
+          </p:nvPr>
+        </p:nvSpPr>
+        <p:spPr>
+          <a:xfrm>
+            <a:off x="10898730" y="-8467"/>
+            <a:ext cx="1290094" cy="6866467"/>
+          </a:xfrm>
+          <a:custGeom>
+            <a:avLst/>
+            <a:gdLst/>
+            <a:ahLst/>
+            <a:cxnLst/>
+            <a:rect l="l" t="t" r="r" b="b"/>
+            <a:pathLst>
+              <a:path w="1290094" h="6858000">
+                <a:moveTo>
+                  <a:pt x="1019735" y="0"/>
+                </a:moveTo>
+                <a:lnTo>
+                  <a:pt x="1290094" y="0"/>
+                </a:lnTo>
+                <a:lnTo>
+                  <a:pt x="1290094" y="6858000"/>
+                </a:lnTo>
+                <a:lnTo>
+                  <a:pt x="0" y="6858000"/>
+                </a:lnTo>
+                <a:lnTo>
+                  <a:pt x="1019735" y="0"/>
+                </a:lnTo>
+                <a:close/>
+              </a:path>
+            </a:pathLst>
+          </a:custGeom>
+          <a:solidFill>
+            <a:schemeClr val="accent1">
+              <a:lumMod val="60000"/>
+              <a:lumOff val="40000"/>
+              <a:alpha val="70000"/>
+            </a:schemeClr>
+          </a:solidFill>
+          <a:ln>
+            <a:noFill/>
+          </a:ln>
+          <a:effectLst/>
+        </p:spPr>
+        <p:style>
+          <a:lnRef idx="1">
+            <a:schemeClr val="accent1"/>
+          </a:lnRef>
+          <a:fillRef idx="3">
+            <a:schemeClr val="accent1"/>
+          </a:fillRef>
+          <a:effectRef idx="2">
+            <a:schemeClr val="accent1"/>
+          </a:effectRef>
+          <a:fontRef idx="minor">
+            <a:schemeClr val="lt1"/>
+          </a:fontRef>
+        </p:style>
+      </p:sp>
+      <p:sp>
+        <p:nvSpPr>
+          <p:cNvPr id="36" name="Rectangle 29">
+            <a:extLst>
+              <a:ext uri="{FF2B5EF4-FFF2-40B4-BE49-F238E27FC236}">
+                <a16:creationId xmlns:a16="http://schemas.microsoft.com/office/drawing/2014/main" id="{6790ED68-BCA0-4247-A72F-1CB85DF068C3}"/>
+              </a:ext>
+              <a:ext uri="{C183D7F6-B498-43B3-948B-1728B52AA6E4}">
+                <adec:decorative xmlns:adec="http://schemas.microsoft.com/office/drawing/2017/decorative" val="1"/>
+              </a:ext>
+            </a:extLst>
+          </p:cNvPr>
+          <p:cNvSpPr>
+            <a:spLocks noGrp="1" noRot="1" noChangeAspect="1" noMove="1" noResize="1" noEditPoints="1" noAdjustHandles="1" noChangeArrowheads="1" noChangeShapeType="1" noTextEdit="1"/>
+          </p:cNvSpPr>
+          <p:nvPr>
+            <p:extLst>
+              <p:ext uri="{386F3935-93C4-4BCD-93E2-E3B085C9AB24}">
+                <p16:designElem xmlns:p16="http://schemas.microsoft.com/office/powerpoint/2015/main" val="1"/>
+              </p:ext>
+            </p:extLst>
+          </p:nvPr>
+        </p:nvSpPr>
+        <p:spPr>
+          <a:xfrm>
+            <a:off x="10938999" y="-8467"/>
+            <a:ext cx="1249825" cy="6866467"/>
+          </a:xfrm>
+          <a:custGeom>
+            <a:avLst/>
+            <a:gdLst/>
+            <a:ahLst/>
+            <a:cxnLst/>
+            <a:rect l="l" t="t" r="r" b="b"/>
+            <a:pathLst>
+              <a:path w="1249825" h="6858000">
+                <a:moveTo>
+                  <a:pt x="0" y="0"/>
+                </a:moveTo>
+                <a:lnTo>
+                  <a:pt x="1249825" y="0"/>
+                </a:lnTo>
+                <a:lnTo>
+                  <a:pt x="1249825" y="6858000"/>
+                </a:lnTo>
+                <a:lnTo>
+                  <a:pt x="1109382" y="6858000"/>
+                </a:lnTo>
+                <a:lnTo>
+                  <a:pt x="0" y="0"/>
+                </a:lnTo>
+                <a:close/>
+              </a:path>
+            </a:pathLst>
+          </a:custGeom>
+          <a:solidFill>
+            <a:schemeClr val="accent1">
+              <a:alpha val="65000"/>
+            </a:schemeClr>
+          </a:solidFill>
+          <a:ln>
+            <a:noFill/>
+          </a:ln>
+          <a:effectLst/>
+        </p:spPr>
+        <p:style>
+          <a:lnRef idx="1">
+            <a:schemeClr val="accent1"/>
+          </a:lnRef>
+          <a:fillRef idx="3">
+            <a:schemeClr val="accent1"/>
+          </a:fillRef>
+          <a:effectRef idx="2">
+            <a:schemeClr val="accent1"/>
+          </a:effectRef>
+          <a:fontRef idx="minor">
+            <a:schemeClr val="lt1"/>
+          </a:fontRef>
+        </p:style>
+      </p:sp>
+      <p:sp>
+        <p:nvSpPr>
+          <p:cNvPr id="38" name="Isosceles Triangle 37">
+            <a:extLst>
+              <a:ext uri="{FF2B5EF4-FFF2-40B4-BE49-F238E27FC236}">
+                <a16:creationId xmlns:a16="http://schemas.microsoft.com/office/drawing/2014/main" id="{DD0F2B3F-DC55-4FA7-B667-1ACD07920937}"/>
+              </a:ext>
+              <a:ext uri="{C183D7F6-B498-43B3-948B-1728B52AA6E4}">
+                <adec:decorative xmlns:adec="http://schemas.microsoft.com/office/drawing/2017/decorative" val="1"/>
+              </a:ext>
+            </a:extLst>
+          </p:cNvPr>
+          <p:cNvSpPr>
+            <a:spLocks noGrp="1" noRot="1" noChangeAspect="1" noMove="1" noResize="1" noEditPoints="1" noAdjustHandles="1" noChangeArrowheads="1" noChangeShapeType="1" noTextEdit="1"/>
+          </p:cNvSpPr>
+          <p:nvPr>
+            <p:extLst>
+              <p:ext uri="{386F3935-93C4-4BCD-93E2-E3B085C9AB24}">
+                <p16:designElem xmlns:p16="http://schemas.microsoft.com/office/powerpoint/2015/main" val="1"/>
+              </p:ext>
+            </p:extLst>
+          </p:nvPr>
+        </p:nvSpPr>
+        <p:spPr>
+          <a:xfrm>
+            <a:off x="10371666" y="3589867"/>
+            <a:ext cx="1817159" cy="3268133"/>
+          </a:xfrm>
+          <a:prstGeom prst="triangle">
+            <a:avLst>
+              <a:gd name="adj" fmla="val 100000"/>
+            </a:avLst>
+          </a:prstGeom>
+          <a:solidFill>
+            <a:schemeClr val="accent1">
+              <a:alpha val="80000"/>
+            </a:schemeClr>
+          </a:solidFill>
+          <a:ln>
+            <a:noFill/>
+          </a:ln>
+          <a:effectLst/>
+        </p:spPr>
+        <p:style>
+          <a:lnRef idx="1">
+            <a:schemeClr val="accent1"/>
+          </a:lnRef>
+          <a:fillRef idx="3">
+            <a:schemeClr val="accent1"/>
+          </a:fillRef>
+          <a:effectRef idx="2">
+            <a:schemeClr val="accent1"/>
+          </a:effectRef>
+          <a:fontRef idx="minor">
+            <a:schemeClr val="lt1"/>
+          </a:fontRef>
+        </p:style>
+      </p:sp>
     </p:spTree>
     <p:extLst>
       <p:ext uri="{BB962C8B-B14F-4D97-AF65-F5344CB8AC3E}">
@@ -3982,7 +6710,7 @@
     </p:extLst>
   </p:cSld>
   <p:clrMapOvr>
-    <a:overrideClrMapping bg1="dk1" tx1="lt1" bg2="dk2" tx2="lt2" accent1="accent1" accent2="accent2" accent3="accent3" accent4="accent4" accent5="accent5" accent6="accent6" hlink="hlink" folHlink="folHlink"/>
+    <a:masterClrMapping/>
   </p:clrMapOvr>
 </p:sld>
 </file>
@@ -4034,10 +6762,10 @@
       </p:sp>
       <p:sp>
         <p:nvSpPr>
-          <p:cNvPr id="3" name="Content Placeholder 2">
+          <p:cNvPr id="14" name="Content Placeholder 2">
             <a:extLst>
               <a:ext uri="{FF2B5EF4-FFF2-40B4-BE49-F238E27FC236}">
-                <a16:creationId xmlns:a16="http://schemas.microsoft.com/office/drawing/2014/main" id="{C431CD09-8664-4708-BE4F-04B48CFAAF46}"/>
+                <a16:creationId xmlns:a16="http://schemas.microsoft.com/office/drawing/2014/main" id="{F384AAF4-B23C-4CCE-8A70-2E6B2411CE1B}"/>
               </a:ext>
             </a:extLst>
           </p:cNvPr>
@@ -4048,12 +6776,77 @@
             <p:ph idx="1"/>
           </p:nvPr>
         </p:nvSpPr>
-        <p:spPr/>
+        <p:spPr>
+          <a:xfrm>
+            <a:off x="677334" y="2160589"/>
+            <a:ext cx="8596668" cy="3880773"/>
+          </a:xfrm>
+        </p:spPr>
         <p:txBody>
           <a:bodyPr/>
           <a:lstStyle/>
           <a:p>
-            <a:endParaRPr lang="en-US"/>
+            <a:r>
+              <a:rPr lang="en-US" dirty="0"/>
+              <a:t>Locate </a:t>
+            </a:r>
+            <a:r>
+              <a:rPr lang="en-US" b="1" dirty="0"/>
+              <a:t>efficiently</a:t>
+            </a:r>
+            <a:r>
+              <a:rPr lang="en-US" dirty="0"/>
+              <a:t> injured wild animals</a:t>
+            </a:r>
+          </a:p>
+          <a:p>
+            <a:endParaRPr lang="en-US" dirty="0"/>
+          </a:p>
+          <a:p>
+            <a:r>
+              <a:rPr lang="en-US" b="1" dirty="0"/>
+              <a:t>Coordinate</a:t>
+            </a:r>
+            <a:r>
+              <a:rPr lang="en-US" dirty="0"/>
+              <a:t> between volunteers to location with need of instant aid</a:t>
+            </a:r>
+          </a:p>
+          <a:p>
+            <a:endParaRPr lang="en-US" dirty="0"/>
+          </a:p>
+          <a:p>
+            <a:r>
+              <a:rPr lang="en-US" dirty="0"/>
+              <a:t>Utilize professional volunteers for helping </a:t>
+            </a:r>
+            <a:r>
+              <a:rPr lang="en-US" b="1" dirty="0"/>
+              <a:t>rare injured species</a:t>
+            </a:r>
+          </a:p>
+          <a:p>
+            <a:endParaRPr lang="en-US" b="1" dirty="0"/>
+          </a:p>
+          <a:p>
+            <a:r>
+              <a:rPr lang="en-US" b="1" dirty="0"/>
+              <a:t>Visualize </a:t>
+            </a:r>
+            <a:r>
+              <a:rPr lang="en-US" dirty="0"/>
+              <a:t>useful points for immediate communication</a:t>
+            </a:r>
+            <a:endParaRPr lang="en-US" b="1" dirty="0"/>
+          </a:p>
+          <a:p>
+            <a:endParaRPr lang="en-US" b="1" dirty="0"/>
+          </a:p>
+          <a:p>
+            <a:endParaRPr lang="en-US" dirty="0"/>
+          </a:p>
+          <a:p>
+            <a:endParaRPr lang="en-US" dirty="0"/>
           </a:p>
         </p:txBody>
       </p:sp>
@@ -4117,10 +6910,10 @@
       </p:sp>
       <p:sp>
         <p:nvSpPr>
-          <p:cNvPr id="3" name="Content Placeholder 2">
+          <p:cNvPr id="5" name="Content Placeholder 4">
             <a:extLst>
               <a:ext uri="{FF2B5EF4-FFF2-40B4-BE49-F238E27FC236}">
-                <a16:creationId xmlns:a16="http://schemas.microsoft.com/office/drawing/2014/main" id="{99EBFACA-8056-4BB0-83C6-9EFCC999ABE9}"/>
+                <a16:creationId xmlns:a16="http://schemas.microsoft.com/office/drawing/2014/main" id="{6368D62A-1C70-4224-AD66-9D8A41EF0C9E}"/>
               </a:ext>
             </a:extLst>
           </p:cNvPr>
@@ -4136,7 +6929,27 @@
           <a:bodyPr/>
           <a:lstStyle/>
           <a:p>
-            <a:endParaRPr lang="en-US"/>
+            <a:r>
+              <a:rPr lang="en-US" dirty="0"/>
+              <a:t>Two main components:</a:t>
+            </a:r>
+          </a:p>
+          <a:p>
+            <a:endParaRPr lang="he-IL" dirty="0"/>
+          </a:p>
+          <a:p>
+            <a:pPr lvl="1"/>
+            <a:r>
+              <a:rPr lang="en-US" dirty="0"/>
+              <a:t>Report </a:t>
+            </a:r>
+          </a:p>
+          <a:p>
+            <a:pPr lvl="1"/>
+            <a:r>
+              <a:rPr lang="en-US" dirty="0"/>
+              <a:t>Volunteer</a:t>
+            </a:r>
           </a:p>
         </p:txBody>
       </p:sp>
@@ -4153,63 +6966,229 @@
 </p:sld>
 </file>
 
+<file path=ppt/slides/slide4.xml><?xml version="1.0" encoding="utf-8"?>
+<p:sld xmlns:a="http://schemas.openxmlformats.org/drawingml/2006/main" xmlns:r="http://schemas.openxmlformats.org/officeDocument/2006/relationships" xmlns:p="http://schemas.openxmlformats.org/presentationml/2006/main">
+  <p:cSld>
+    <p:spTree>
+      <p:nvGrpSpPr>
+        <p:cNvPr id="1" name=""/>
+        <p:cNvGrpSpPr/>
+        <p:nvPr/>
+      </p:nvGrpSpPr>
+      <p:grpSpPr>
+        <a:xfrm>
+          <a:off x="0" y="0"/>
+          <a:ext cx="0" cy="0"/>
+          <a:chOff x="0" y="0"/>
+          <a:chExt cx="0" cy="0"/>
+        </a:xfrm>
+      </p:grpSpPr>
+      <p:sp>
+        <p:nvSpPr>
+          <p:cNvPr id="2" name="Title 1">
+            <a:extLst>
+              <a:ext uri="{FF2B5EF4-FFF2-40B4-BE49-F238E27FC236}">
+                <a16:creationId xmlns:a16="http://schemas.microsoft.com/office/drawing/2014/main" id="{6BC67B35-7540-45A2-AD07-4F9087775746}"/>
+              </a:ext>
+            </a:extLst>
+          </p:cNvPr>
+          <p:cNvSpPr>
+            <a:spLocks noGrp="1"/>
+          </p:cNvSpPr>
+          <p:nvPr>
+            <p:ph type="title"/>
+          </p:nvPr>
+        </p:nvSpPr>
+        <p:spPr/>
+        <p:txBody>
+          <a:bodyPr/>
+          <a:lstStyle/>
+          <a:p>
+            <a:r>
+              <a:rPr lang="en-US" dirty="0"/>
+              <a:t>Report</a:t>
+            </a:r>
+          </a:p>
+        </p:txBody>
+      </p:sp>
+      <p:sp>
+        <p:nvSpPr>
+          <p:cNvPr id="3" name="Content Placeholder 2">
+            <a:extLst>
+              <a:ext uri="{FF2B5EF4-FFF2-40B4-BE49-F238E27FC236}">
+                <a16:creationId xmlns:a16="http://schemas.microsoft.com/office/drawing/2014/main" id="{261DAE3D-EDDF-404A-B072-442BFA381668}"/>
+              </a:ext>
+            </a:extLst>
+          </p:cNvPr>
+          <p:cNvSpPr>
+            <a:spLocks noGrp="1"/>
+          </p:cNvSpPr>
+          <p:nvPr>
+            <p:ph idx="1"/>
+          </p:nvPr>
+        </p:nvSpPr>
+        <p:spPr/>
+        <p:txBody>
+          <a:bodyPr/>
+          <a:lstStyle/>
+          <a:p>
+            <a:endParaRPr lang="en-US"/>
+          </a:p>
+        </p:txBody>
+      </p:sp>
+    </p:spTree>
+    <p:extLst>
+      <p:ext uri="{BB962C8B-B14F-4D97-AF65-F5344CB8AC3E}">
+        <p14:creationId xmlns:p14="http://schemas.microsoft.com/office/powerpoint/2010/main" val="1767405616"/>
+      </p:ext>
+    </p:extLst>
+  </p:cSld>
+  <p:clrMapOvr>
+    <a:masterClrMapping/>
+  </p:clrMapOvr>
+</p:sld>
+</file>
+
+<file path=ppt/slides/slide5.xml><?xml version="1.0" encoding="utf-8"?>
+<p:sld xmlns:a="http://schemas.openxmlformats.org/drawingml/2006/main" xmlns:r="http://schemas.openxmlformats.org/officeDocument/2006/relationships" xmlns:p="http://schemas.openxmlformats.org/presentationml/2006/main">
+  <p:cSld>
+    <p:spTree>
+      <p:nvGrpSpPr>
+        <p:cNvPr id="1" name=""/>
+        <p:cNvGrpSpPr/>
+        <p:nvPr/>
+      </p:nvGrpSpPr>
+      <p:grpSpPr>
+        <a:xfrm>
+          <a:off x="0" y="0"/>
+          <a:ext cx="0" cy="0"/>
+          <a:chOff x="0" y="0"/>
+          <a:chExt cx="0" cy="0"/>
+        </a:xfrm>
+      </p:grpSpPr>
+      <p:sp>
+        <p:nvSpPr>
+          <p:cNvPr id="2" name="Title 1">
+            <a:extLst>
+              <a:ext uri="{FF2B5EF4-FFF2-40B4-BE49-F238E27FC236}">
+                <a16:creationId xmlns:a16="http://schemas.microsoft.com/office/drawing/2014/main" id="{716997D6-837C-4F00-AD23-CEC75917F6C7}"/>
+              </a:ext>
+            </a:extLst>
+          </p:cNvPr>
+          <p:cNvSpPr>
+            <a:spLocks noGrp="1"/>
+          </p:cNvSpPr>
+          <p:nvPr>
+            <p:ph type="title"/>
+          </p:nvPr>
+        </p:nvSpPr>
+        <p:spPr/>
+        <p:txBody>
+          <a:bodyPr/>
+          <a:lstStyle/>
+          <a:p>
+            <a:r>
+              <a:rPr lang="en-US" dirty="0"/>
+              <a:t>Volunteer</a:t>
+            </a:r>
+          </a:p>
+        </p:txBody>
+      </p:sp>
+      <p:sp>
+        <p:nvSpPr>
+          <p:cNvPr id="3" name="Content Placeholder 2">
+            <a:extLst>
+              <a:ext uri="{FF2B5EF4-FFF2-40B4-BE49-F238E27FC236}">
+                <a16:creationId xmlns:a16="http://schemas.microsoft.com/office/drawing/2014/main" id="{EB0CC31A-5F31-4AFD-BD62-02FFB6BC2F75}"/>
+              </a:ext>
+            </a:extLst>
+          </p:cNvPr>
+          <p:cNvSpPr>
+            <a:spLocks noGrp="1"/>
+          </p:cNvSpPr>
+          <p:nvPr>
+            <p:ph idx="1"/>
+          </p:nvPr>
+        </p:nvSpPr>
+        <p:spPr/>
+        <p:txBody>
+          <a:bodyPr/>
+          <a:lstStyle/>
+          <a:p>
+            <a:endParaRPr lang="en-US"/>
+          </a:p>
+        </p:txBody>
+      </p:sp>
+    </p:spTree>
+    <p:extLst>
+      <p:ext uri="{BB962C8B-B14F-4D97-AF65-F5344CB8AC3E}">
+        <p14:creationId xmlns:p14="http://schemas.microsoft.com/office/powerpoint/2010/main" val="3537788729"/>
+      </p:ext>
+    </p:extLst>
+  </p:cSld>
+  <p:clrMapOvr>
+    <a:masterClrMapping/>
+  </p:clrMapOvr>
+</p:sld>
+</file>
+
 <file path=ppt/theme/theme1.xml><?xml version="1.0" encoding="utf-8"?>
-<a:theme xmlns:a="http://schemas.openxmlformats.org/drawingml/2006/main" name="RetrospectVTI">
+<a:theme xmlns:a="http://schemas.openxmlformats.org/drawingml/2006/main" name="Facet">
   <a:themeElements>
-    <a:clrScheme name="AnalogousFromLightSeedLeftStep">
+    <a:clrScheme name="Facet">
       <a:dk1>
-        <a:srgbClr val="000000"/>
+        <a:sysClr val="windowText" lastClr="000000"/>
       </a:dk1>
       <a:lt1>
-        <a:srgbClr val="FFFFFF"/>
+        <a:sysClr val="window" lastClr="FFFFFF"/>
       </a:lt1>
       <a:dk2>
-        <a:srgbClr val="242941"/>
+        <a:srgbClr val="2C3C43"/>
       </a:dk2>
       <a:lt2>
-        <a:srgbClr val="E2E3E8"/>
+        <a:srgbClr val="EBEBEB"/>
       </a:lt2>
       <a:accent1>
-        <a:srgbClr val="AAA180"/>
+        <a:srgbClr val="90C226"/>
       </a:accent1>
       <a:accent2>
-        <a:srgbClr val="BA947F"/>
+        <a:srgbClr val="54A021"/>
       </a:accent2>
       <a:accent3>
-        <a:srgbClr val="C59396"/>
+        <a:srgbClr val="E6B91E"/>
       </a:accent3>
       <a:accent4>
-        <a:srgbClr val="BA7F9B"/>
+        <a:srgbClr val="E76618"/>
       </a:accent4>
       <a:accent5>
-        <a:srgbClr val="C38FBD"/>
+        <a:srgbClr val="C42F1A"/>
       </a:accent5>
       <a:accent6>
-        <a:srgbClr val="A87FBA"/>
+        <a:srgbClr val="918655"/>
       </a:accent6>
       <a:hlink>
-        <a:srgbClr val="6979AE"/>
+        <a:srgbClr val="99CA3C"/>
       </a:hlink>
       <a:folHlink>
-        <a:srgbClr val="7F7F7F"/>
+        <a:srgbClr val="B9D181"/>
       </a:folHlink>
     </a:clrScheme>
-    <a:fontScheme name="Retrospect">
+    <a:fontScheme name="Facet">
       <a:majorFont>
-        <a:latin typeface="Bembo" panose="020F0302020204030204"/>
+        <a:latin typeface="Trebuchet MS" panose="020B0603020202020204"/>
         <a:ea typeface=""/>
         <a:cs typeface=""/>
-        <a:font script="Jpan" typeface="ＭＳ Ｐゴシック"/>
+        <a:font script="Jpan" typeface="メイリオ"/>
         <a:font script="Hang" typeface="맑은 고딕"/>
-        <a:font script="Hans" typeface="宋体"/>
-        <a:font script="Hant" typeface="新細明體"/>
-        <a:font script="Arab" typeface="Times New Roman"/>
-        <a:font script="Hebr" typeface="Times New Roman"/>
-        <a:font script="Thai" typeface="Angsana New"/>
+        <a:font script="Hans" typeface="方正姚体"/>
+        <a:font script="Hant" typeface="微軟正黑體"/>
+        <a:font script="Arab" typeface="Tahoma"/>
+        <a:font script="Hebr" typeface="Arial"/>
+        <a:font script="Thai" typeface="Cordia New"/>
         <a:font script="Ethi" typeface="Nyala"/>
         <a:font script="Beng" typeface="Vrinda"/>
         <a:font script="Gujr" typeface="Shruti"/>
-        <a:font script="Khmr" typeface="MoolBoran"/>
+        <a:font script="Khmr" typeface="DaunPenh"/>
         <a:font script="Knda" typeface="Tunga"/>
         <a:font script="Guru" typeface="Raavi"/>
         <a:font script="Cans" typeface="Euphemia"/>
@@ -4226,21 +7205,21 @@
         <a:font script="Laoo" typeface="DokChampa"/>
         <a:font script="Sinh" typeface="Iskoola Pota"/>
         <a:font script="Mong" typeface="Mongolian Baiti"/>
-        <a:font script="Viet" typeface="Times New Roman"/>
+        <a:font script="Viet" typeface="Tahoma"/>
         <a:font script="Uigh" typeface="Microsoft Uighur"/>
         <a:font script="Geor" typeface="Sylfaen"/>
       </a:majorFont>
       <a:minorFont>
-        <a:latin typeface="Arial Nova Light" panose="020F0502020204030204"/>
+        <a:latin typeface="Trebuchet MS" panose="020B0603020202020204"/>
         <a:ea typeface=""/>
         <a:cs typeface=""/>
-        <a:font script="Jpan" typeface="ＭＳ Ｐゴシック"/>
-        <a:font script="Hang" typeface="맑은 고딕"/>
-        <a:font script="Hans" typeface="宋体"/>
-        <a:font script="Hant" typeface="新細明體"/>
-        <a:font script="Arab" typeface="Arial"/>
-        <a:font script="Hebr" typeface="Arial"/>
-        <a:font script="Thai" typeface="Cordia New"/>
+        <a:font script="Jpan" typeface="メイリオ"/>
+        <a:font script="Hang" typeface="HY그래픽M"/>
+        <a:font script="Hans" typeface="华文新魏"/>
+        <a:font script="Hant" typeface="微軟正黑體"/>
+        <a:font script="Arab" typeface="Tahoma"/>
+        <a:font script="Hebr" typeface="Gisha"/>
+        <a:font script="Thai" typeface="IrisUPC"/>
         <a:font script="Ethi" typeface="Nyala"/>
         <a:font script="Beng" typeface="Vrinda"/>
         <a:font script="Gujr" typeface="Shruti"/>
@@ -4266,7 +7245,7 @@
         <a:font script="Geor" typeface="Sylfaen"/>
       </a:minorFont>
     </a:fontScheme>
-    <a:fmtScheme name="Retrospect">
+    <a:fmtScheme name="Facet">
       <a:fillStyleLst>
         <a:solidFill>
           <a:schemeClr val="phClr"/>
@@ -4276,76 +7255,49 @@
             <a:gs pos="0">
               <a:schemeClr val="phClr">
                 <a:tint val="65000"/>
-                <a:shade val="92000"/>
-                <a:satMod val="130000"/>
+                <a:lumMod val="110000"/>
               </a:schemeClr>
             </a:gs>
-            <a:gs pos="45000">
+            <a:gs pos="88000">
               <a:schemeClr val="phClr">
-                <a:tint val="60000"/>
-                <a:shade val="99000"/>
-                <a:satMod val="120000"/>
-              </a:schemeClr>
-            </a:gs>
-            <a:gs pos="100000">
-              <a:schemeClr val="phClr">
-                <a:tint val="55000"/>
-                <a:satMod val="140000"/>
+                <a:tint val="90000"/>
               </a:schemeClr>
             </a:gs>
           </a:gsLst>
-          <a:path path="circle">
-            <a:fillToRect l="100000" t="100000" r="100000" b="100000"/>
-          </a:path>
+          <a:lin ang="5400000" scaled="0"/>
         </a:gradFill>
         <a:gradFill rotWithShape="1">
           <a:gsLst>
             <a:gs pos="0">
               <a:schemeClr val="phClr">
-                <a:shade val="85000"/>
-                <a:satMod val="130000"/>
+                <a:tint val="96000"/>
+                <a:lumMod val="100000"/>
               </a:schemeClr>
             </a:gs>
-            <a:gs pos="34000">
+            <a:gs pos="78000">
               <a:schemeClr val="phClr">
-                <a:shade val="87000"/>
-                <a:satMod val="125000"/>
-              </a:schemeClr>
-            </a:gs>
-            <a:gs pos="70000">
-              <a:schemeClr val="phClr">
-                <a:tint val="100000"/>
-                <a:shade val="90000"/>
-                <a:satMod val="130000"/>
-              </a:schemeClr>
-            </a:gs>
-            <a:gs pos="100000">
-              <a:schemeClr val="phClr">
-                <a:tint val="100000"/>
-                <a:shade val="100000"/>
-                <a:satMod val="110000"/>
+                <a:shade val="94000"/>
+                <a:lumMod val="94000"/>
               </a:schemeClr>
             </a:gs>
           </a:gsLst>
-          <a:path path="circle">
-            <a:fillToRect l="100000" t="100000" r="100000" b="100000"/>
-          </a:path>
+          <a:lin ang="5400000" scaled="0"/>
         </a:gradFill>
       </a:fillStyleLst>
       <a:lnStyleLst>
-        <a:ln w="12700" cap="flat" cmpd="sng" algn="ctr">
+        <a:ln w="12700" cap="rnd" cmpd="sng" algn="ctr">
           <a:solidFill>
             <a:schemeClr val="phClr"/>
           </a:solidFill>
           <a:prstDash val="solid"/>
         </a:ln>
-        <a:ln w="15875" cap="flat" cmpd="sng" algn="ctr">
+        <a:ln w="19050" cap="rnd" cmpd="sng" algn="ctr">
           <a:solidFill>
             <a:schemeClr val="phClr"/>
           </a:solidFill>
           <a:prstDash val="solid"/>
         </a:ln>
-        <a:ln w="25400" cap="flat" cmpd="sng" algn="ctr">
+        <a:ln w="25400" cap="rnd" cmpd="sng" algn="ctr">
           <a:solidFill>
             <a:schemeClr val="phClr"/>
           </a:solidFill>
@@ -4358,18 +7310,18 @@
         </a:effectStyle>
         <a:effectStyle>
           <a:effectLst>
-            <a:outerShdw blurRad="38100" dist="25400" dir="2700000" algn="br" rotWithShape="0">
+            <a:outerShdw blurRad="38100" dist="25400" dir="5400000" rotWithShape="0">
               <a:srgbClr val="000000">
-                <a:alpha val="60000"/>
+                <a:alpha val="35000"/>
               </a:srgbClr>
             </a:outerShdw>
           </a:effectLst>
         </a:effectStyle>
         <a:effectStyle>
           <a:effectLst>
-            <a:outerShdw blurRad="44450" dist="25400" dir="2700000" algn="br" rotWithShape="0">
+            <a:outerShdw blurRad="50800" dist="38100" dir="5400000" rotWithShape="0">
               <a:srgbClr val="000000">
-                <a:alpha val="60000"/>
+                <a:alpha val="35000"/>
               </a:srgbClr>
             </a:outerShdw>
           </a:effectLst>
@@ -4377,12 +7329,10 @@
             <a:camera prst="orthographicFront">
               <a:rot lat="0" lon="0" rev="0"/>
             </a:camera>
-            <a:lightRig rig="threePt" dir="t">
-              <a:rot lat="0" lon="0" rev="19800000"/>
-            </a:lightRig>
+            <a:lightRig rig="threePt" dir="tl"/>
           </a:scene3d>
-          <a:sp3d prstMaterial="flat">
-            <a:bevelT w="25400" h="31750"/>
+          <a:sp3d prstMaterial="plastic">
+            <a:bevelT w="0" h="0"/>
           </a:sp3d>
         </a:effectStyle>
       </a:effectStyleLst>
@@ -4390,38 +7340,41 @@
         <a:solidFill>
           <a:schemeClr val="phClr"/>
         </a:solidFill>
-        <a:solidFill>
-          <a:schemeClr val="phClr">
-            <a:tint val="90000"/>
-            <a:shade val="97000"/>
-            <a:satMod val="130000"/>
-          </a:schemeClr>
-        </a:solidFill>
         <a:gradFill rotWithShape="1">
           <a:gsLst>
             <a:gs pos="0">
               <a:schemeClr val="phClr">
-                <a:tint val="96000"/>
-                <a:shade val="99000"/>
-                <a:satMod val="140000"/>
+                <a:tint val="90000"/>
+                <a:lumMod val="104000"/>
               </a:schemeClr>
             </a:gs>
-            <a:gs pos="65000">
+            <a:gs pos="94000">
               <a:schemeClr val="phClr">
-                <a:tint val="100000"/>
-                <a:shade val="80000"/>
-                <a:satMod val="130000"/>
+                <a:shade val="96000"/>
+                <a:lumMod val="82000"/>
+              </a:schemeClr>
+            </a:gs>
+          </a:gsLst>
+          <a:lin ang="5400000" scaled="0"/>
+        </a:gradFill>
+        <a:gradFill rotWithShape="1">
+          <a:gsLst>
+            <a:gs pos="0">
+              <a:schemeClr val="phClr">
+                <a:tint val="90000"/>
+                <a:lumMod val="110000"/>
               </a:schemeClr>
             </a:gs>
             <a:gs pos="100000">
               <a:schemeClr val="phClr">
-                <a:tint val="100000"/>
-                <a:shade val="48000"/>
-                <a:satMod val="120000"/>
+                <a:shade val="94000"/>
+                <a:lumMod val="96000"/>
               </a:schemeClr>
             </a:gs>
           </a:gsLst>
-          <a:lin ang="16200000" scaled="0"/>
+          <a:path path="circle">
+            <a:fillToRect l="50000" t="50000" r="100000" b="100000"/>
+          </a:path>
         </a:gradFill>
       </a:bgFillStyleLst>
     </a:fmtScheme>
@@ -4430,7 +7383,7 @@
   <a:extraClrSchemeLst/>
   <a:extLst>
     <a:ext uri="{05A4C25C-085E-4340-85A3-A5531E510DB2}">
-      <thm15:themeFamily xmlns:thm15="http://schemas.microsoft.com/office/thememl/2012/main" name="RetrospectVTI" id="{ABE3C30C-0FC0-4450-828E-52DE70F1BCCB}" vid="{A6E2497D-935A-4CFD-B9FD-6DCB15FA68BF}"/>
+      <thm15:themeFamily xmlns:thm15="http://schemas.microsoft.com/office/thememl/2012/main" name="Facet" id="{C0C680CD-088A-49FC-A102-D699147F32B2}" vid="{CFBC31BA-B70F-4F30-BCAA-4F3011E16C4D}"/>
     </a:ext>
   </a:extLst>
 </a:theme>
